--- a/data-system/ZooKeeper_share1_v3.pptx
+++ b/data-system/ZooKeeper_share1_v3.pptx
@@ -5,7 +5,7 @@
     <p:sldMasterId id="2147483648" r:id="rId1"/>
   </p:sldMasterIdLst>
   <p:notesMasterIdLst>
-    <p:notesMasterId r:id="rId29"/>
+    <p:notesMasterId r:id="rId30"/>
   </p:notesMasterIdLst>
   <p:sldIdLst>
     <p:sldId id="256" r:id="rId2"/>
@@ -26,15 +26,16 @@
     <p:sldId id="267" r:id="rId17"/>
     <p:sldId id="268" r:id="rId18"/>
     <p:sldId id="269" r:id="rId19"/>
-    <p:sldId id="270" r:id="rId20"/>
-    <p:sldId id="271" r:id="rId21"/>
-    <p:sldId id="272" r:id="rId22"/>
-    <p:sldId id="273" r:id="rId23"/>
-    <p:sldId id="275" r:id="rId24"/>
-    <p:sldId id="274" r:id="rId25"/>
-    <p:sldId id="276" r:id="rId26"/>
-    <p:sldId id="277" r:id="rId27"/>
-    <p:sldId id="278" r:id="rId28"/>
+    <p:sldId id="283" r:id="rId20"/>
+    <p:sldId id="270" r:id="rId21"/>
+    <p:sldId id="271" r:id="rId22"/>
+    <p:sldId id="272" r:id="rId23"/>
+    <p:sldId id="273" r:id="rId24"/>
+    <p:sldId id="275" r:id="rId25"/>
+    <p:sldId id="274" r:id="rId26"/>
+    <p:sldId id="276" r:id="rId27"/>
+    <p:sldId id="277" r:id="rId28"/>
+    <p:sldId id="278" r:id="rId29"/>
   </p:sldIdLst>
   <p:sldSz cx="12192000" cy="6858000"/>
   <p:notesSz cx="6858000" cy="1676400"/>
@@ -822,7 +823,7 @@
           <a:lstStyle/>
           <a:p>
             <a:r>
-              <a:rPr lang="ja-JP" altLang="en-US">
+              <a:rPr lang="ja-JP" altLang="en-US" dirty="0">
                 <a:latin typeface="Calibri"/>
                 <a:ea typeface="游ゴシック"/>
                 <a:cs typeface="Calibri"/>
@@ -837,13 +838,13 @@
           </a:p>
           <a:p>
             <a:r>
-              <a:rPr lang="ja-JP" altLang="en-US">
+              <a:rPr lang="ja-JP" altLang="en-US" dirty="0">
                 <a:ea typeface="游ゴシック"/>
               </a:rPr>
               <a:t>和</a:t>
             </a:r>
             <a:r>
-              <a:rPr lang="ja-JP" altLang="en-US">
+              <a:rPr lang="ja-JP" altLang="en-US" dirty="0">
                 <a:latin typeface="等线"/>
                 <a:ea typeface="游ゴシック"/>
                 <a:cs typeface="Calibri"/>
@@ -851,7 +852,7 @@
               <a:t> CPU 类似的是网络，</a:t>
             </a:r>
             <a:r>
-              <a:rPr lang="ja-JP" altLang="en-US">
+              <a:rPr lang="ja-JP" altLang="en-US" dirty="0">
                 <a:latin typeface="Calibri"/>
                 <a:ea typeface="游ゴシック"/>
                 <a:cs typeface="Calibri"/>
@@ -861,54 +862,54 @@
           </a:p>
           <a:p>
             <a:r>
-              <a:rPr lang="zh-CN" altLang="en-US">
+              <a:rPr lang="zh-CN" altLang="en-US" dirty="0">
                 <a:ea typeface="等线"/>
               </a:rPr>
               <a:t>请求可能已经丢失：交换机配置错误。</a:t>
             </a:r>
-            <a:endParaRPr lang="ja-JP"/>
-          </a:p>
-          <a:p>
-            <a:r>
-              <a:rPr lang="zh-CN">
+            <a:endParaRPr lang="ja-JP" dirty="0"/>
+          </a:p>
+          <a:p>
+            <a:r>
+              <a:rPr lang="zh-CN" dirty="0">
                 <a:ea typeface="等线"/>
               </a:rPr>
               <a:t>请求可能正在队列中等待</a:t>
             </a:r>
             <a:r>
-              <a:rPr lang="zh-CN" altLang="en-US">
+              <a:rPr lang="zh-CN" altLang="en-US" dirty="0">
                 <a:ea typeface="等线"/>
               </a:rPr>
               <a:t>，</a:t>
             </a:r>
             <a:r>
-              <a:rPr lang="zh-CN">
+              <a:rPr lang="zh-CN" dirty="0">
                 <a:ea typeface="等线"/>
               </a:rPr>
               <a:t>无法马上发送</a:t>
             </a:r>
             <a:r>
-              <a:rPr lang="zh-CN" altLang="en-US">
+              <a:rPr lang="zh-CN" altLang="en-US" dirty="0">
                 <a:ea typeface="等线"/>
               </a:rPr>
               <a:t>：网络超出负荷，需要排队等候。</a:t>
             </a:r>
-            <a:endParaRPr lang="zh-CN">
+            <a:endParaRPr lang="zh-CN" dirty="0">
               <a:ea typeface="等线"/>
             </a:endParaRPr>
           </a:p>
           <a:p>
             <a:r>
-              <a:rPr lang="zh-CN" altLang="en-US">
+              <a:rPr lang="zh-CN" altLang="en-US" dirty="0">
                 <a:ea typeface="等线"/>
               </a:rPr>
-              <a:t>远程接收节点可能已经失效：比如奔溃，关机。</a:t>
-            </a:r>
-            <a:endParaRPr lang="ja-JP"/>
-          </a:p>
-          <a:p>
-            <a:r>
-              <a:rPr lang="ja-JP" altLang="en-US">
+              <a:t>远程接收节点可能已经失效：比如崩溃，关机。</a:t>
+            </a:r>
+            <a:endParaRPr lang="ja-JP" dirty="0"/>
+          </a:p>
+          <a:p>
+            <a:r>
+              <a:rPr lang="ja-JP" altLang="en-US" dirty="0">
                 <a:latin typeface="Calibri"/>
                 <a:ea typeface="游ゴシック"/>
                 <a:cs typeface="Calibri"/>
@@ -918,24 +919,24 @@
           </a:p>
           <a:p>
             <a:r>
-              <a:rPr lang="zh-CN" altLang="en-US">
+              <a:rPr lang="zh-CN" altLang="en-US" dirty="0">
                 <a:ea typeface="等线"/>
               </a:rPr>
               <a:t>远程接收节点已经完成了处理</a:t>
             </a:r>
             <a:r>
-              <a:rPr lang="ja-JP" altLang="en-US">
+              <a:rPr lang="ja-JP" altLang="en-US" dirty="0">
                 <a:ea typeface="游ゴシック"/>
               </a:rPr>
               <a:t>，</a:t>
             </a:r>
             <a:r>
-              <a:rPr lang="zh-CN" altLang="en-US">
+              <a:rPr lang="zh-CN" altLang="en-US" dirty="0">
                 <a:ea typeface="等线"/>
               </a:rPr>
               <a:t>但回复却在网络中丢失：比如之前腾讯云出现的光纤被挖导致数据丢失。</a:t>
             </a:r>
-            <a:endParaRPr lang="ja-JP"/>
+            <a:endParaRPr lang="ja-JP" dirty="0"/>
           </a:p>
         </p:txBody>
       </p:sp>
@@ -956,7 +957,7 @@
           <a:p>
             <a:fld id="{B29B0859-3CF9-4522-8BD4-7CFA1BC8768C}" type="slidenum">
               <a:rPr lang="zh-CN" altLang="en-US" smtClean="0"/>
-              <a:t>‹#›</a:t>
+              <a:t>11</a:t>
             </a:fld>
             <a:endParaRPr lang="zh-CN" altLang="en-US"/>
           </a:p>
@@ -1077,7 +1078,7 @@
           <a:p>
             <a:fld id="{B29B0859-3CF9-4522-8BD4-7CFA1BC8768C}" type="slidenum">
               <a:rPr lang="zh-CN" altLang="en-US" smtClean="0"/>
-              <a:t>‹#›</a:t>
+              <a:t>12</a:t>
             </a:fld>
             <a:endParaRPr lang="zh-CN" altLang="en-US"/>
           </a:p>
@@ -1141,7 +1142,7 @@
           <a:lstStyle/>
           <a:p>
             <a:r>
-              <a:rPr lang="ja-JP" altLang="en-US">
+              <a:rPr lang="ja-JP" altLang="en-US" dirty="0">
                 <a:latin typeface="Calibri"/>
                 <a:ea typeface="游ゴシック"/>
                 <a:cs typeface="Calibri"/>
@@ -1151,7 +1152,7 @@
           </a:p>
           <a:p>
             <a:r>
-              <a:rPr lang="ja-JP" altLang="en-US">
+              <a:rPr lang="ja-JP" altLang="en-US" dirty="0">
                 <a:latin typeface="Calibri"/>
                 <a:ea typeface="游ゴシック"/>
                 <a:cs typeface="Calibri"/>
@@ -1161,7 +1162,7 @@
           </a:p>
           <a:p>
             <a:r>
-              <a:rPr lang="ja-JP" altLang="en-US">
+              <a:rPr lang="ja-JP" altLang="en-US" dirty="0">
                 <a:latin typeface="Calibri"/>
                 <a:ea typeface="游ゴシック"/>
                 <a:cs typeface="Calibri"/>
@@ -1171,79 +1172,79 @@
           </a:p>
           <a:p>
             <a:r>
-              <a:rPr lang="zh-CN">
+              <a:rPr lang="zh-CN" dirty="0">
                 <a:ea typeface="等线"/>
               </a:rPr>
               <a:t>区块链</a:t>
-            </a:r>
-            <a:r>
-              <a:rPr lang="zh-CN" altLang="en-US">
-                <a:ea typeface="等线"/>
-              </a:rPr>
-              <a:t>：</a:t>
-            </a:r>
-            <a:r>
-              <a:rPr lang="zh-CN">
-                <a:ea typeface="等线"/>
-              </a:rPr>
-              <a:t>某些参与者可能会作弊</a:t>
             </a:r>
             <a:r>
               <a:rPr lang="zh-CN" altLang="en-US" dirty="0">
                 <a:ea typeface="等线"/>
               </a:rPr>
+              <a:t>：</a:t>
+            </a:r>
+            <a:r>
+              <a:rPr lang="zh-CN" dirty="0">
+                <a:ea typeface="等线"/>
+              </a:rPr>
+              <a:t>某些参与者可能会作弊</a:t>
+            </a:r>
+            <a:r>
+              <a:rPr lang="zh-CN" altLang="en-US" dirty="0">
+                <a:ea typeface="等线"/>
+              </a:rPr>
               <a:t>。</a:t>
             </a:r>
           </a:p>
           <a:p>
             <a:r>
-              <a:rPr lang="zh-CN" altLang="en-US">
+              <a:rPr lang="zh-CN" altLang="en-US" dirty="0">
                 <a:ea typeface="等线"/>
               </a:rPr>
               <a:t>       POW：比特币，浪费严重。</a:t>
             </a:r>
-            <a:endParaRPr lang="en-US" altLang="zh-CN">
+            <a:endParaRPr lang="en-US" altLang="zh-CN" dirty="0">
               <a:ea typeface="等线"/>
             </a:endParaRPr>
           </a:p>
           <a:p>
             <a:r>
-              <a:rPr lang="en-US" altLang="zh-CN">
+              <a:rPr lang="en-US" altLang="zh-CN" dirty="0">
                 <a:ea typeface="等线"/>
               </a:rPr>
               <a:t>       POS - </a:t>
             </a:r>
             <a:r>
-              <a:rPr lang="zh-CN">
+              <a:rPr lang="zh-CN" dirty="0">
                 <a:ea typeface="等线"/>
               </a:rPr>
               <a:t>股权证明：未来币。</a:t>
             </a:r>
-            <a:endParaRPr lang="en-US" altLang="zh-CN">
+            <a:endParaRPr lang="en-US" altLang="zh-CN" dirty="0">
               <a:ea typeface="等线"/>
             </a:endParaRPr>
           </a:p>
           <a:p>
             <a:r>
-              <a:rPr lang="en-US" altLang="zh-CN">
+              <a:rPr lang="en-US" altLang="zh-CN" dirty="0">
                 <a:ea typeface="等线"/>
               </a:rPr>
               <a:t>       POW + POS - </a:t>
             </a:r>
             <a:r>
-              <a:rPr lang="zh-CN">
+              <a:rPr lang="zh-CN" dirty="0">
                 <a:ea typeface="等线"/>
               </a:rPr>
               <a:t>混合机制</a:t>
             </a:r>
             <a:r>
-              <a:rPr lang="zh-CN" altLang="en-US">
+              <a:rPr lang="zh-CN" altLang="en-US" dirty="0">
                 <a:ea typeface="等线"/>
               </a:rPr>
               <a:t>：</a:t>
             </a:r>
             <a:r>
-              <a:rPr lang="zh-CN">
+              <a:rPr lang="zh-CN" dirty="0">
                 <a:ea typeface="等线"/>
               </a:rPr>
               <a:t>以太坊。</a:t>
@@ -1268,7 +1269,7 @@
           <a:p>
             <a:fld id="{B29B0859-3CF9-4522-8BD4-7CFA1BC8768C}" type="slidenum">
               <a:rPr lang="zh-CN" altLang="en-US" smtClean="0"/>
-              <a:t>‹#›</a:t>
+              <a:t>13</a:t>
             </a:fld>
             <a:endParaRPr lang="zh-CN" altLang="en-US"/>
           </a:p>
@@ -1378,7 +1379,7 @@
           <a:p>
             <a:fld id="{B29B0859-3CF9-4522-8BD4-7CFA1BC8768C}" type="slidenum">
               <a:rPr lang="zh-CN" altLang="en-US" smtClean="0"/>
-              <a:t>‹#›</a:t>
+              <a:t>14</a:t>
             </a:fld>
             <a:endParaRPr lang="zh-CN" altLang="en-US"/>
           </a:p>
@@ -1442,14 +1443,22 @@
           <a:lstStyle/>
           <a:p>
             <a:r>
-              <a:rPr lang="ja-JP" altLang="en-US">
+              <a:rPr lang="ja-JP" altLang="en-US" dirty="0">
                 <a:latin typeface="Calibri"/>
                 <a:ea typeface="游ゴシック"/>
                 <a:cs typeface="Calibri"/>
               </a:rPr>
               <a:t>从理论的角度，通常会做一些假设，对真实系统建模。</a:t>
             </a:r>
-            <a:endParaRPr lang="en-US" altLang="ja-JP">
+            <a:r>
+              <a:rPr lang="zh-CN" altLang="en-US" dirty="0">
+                <a:latin typeface="Calibri"/>
+                <a:ea typeface="游ゴシック"/>
+                <a:cs typeface="Calibri"/>
+              </a:rPr>
+              <a:t>我们在可能遇到的各种复杂环境下增加以下条件。</a:t>
+            </a:r>
+            <a:endParaRPr lang="en-US" altLang="ja-JP" dirty="0">
               <a:latin typeface="Calibri"/>
               <a:ea typeface="游ゴシック"/>
               <a:cs typeface="Calibri"/>
@@ -1457,30 +1466,30 @@
           </a:p>
           <a:p>
             <a:r>
-              <a:rPr lang="zh-CN" altLang="en-US">
+              <a:rPr lang="zh-CN" altLang="en-US" dirty="0">
                 <a:ea typeface="等线"/>
               </a:rPr>
               <a:t>只有在没有中央决策机制的点对点网络中</a:t>
             </a:r>
             <a:r>
-              <a:rPr lang="ja-JP" altLang="en-US">
+              <a:rPr lang="ja-JP" altLang="en-US" dirty="0">
                 <a:ea typeface="游ゴシック"/>
               </a:rPr>
               <a:t>，</a:t>
             </a:r>
             <a:r>
-              <a:rPr lang="zh-CN" altLang="en-US">
+              <a:rPr lang="zh-CN" altLang="en-US" dirty="0">
                 <a:ea typeface="等线"/>
               </a:rPr>
               <a:t>拜占庭容错才更有必要</a:t>
             </a:r>
             <a:r>
-              <a:rPr lang="ja-JP" altLang="en-US">
+              <a:rPr lang="ja-JP" altLang="en-US" dirty="0">
                 <a:ea typeface="游ゴシック"/>
               </a:rPr>
               <a:t>。现实中大部分系统都是由专门的运维人员管理。</a:t>
             </a:r>
-            <a:endParaRPr lang="ja-JP"/>
+            <a:endParaRPr lang="ja-JP" dirty="0"/>
           </a:p>
         </p:txBody>
       </p:sp>
@@ -1501,7 +1510,7 @@
           <a:p>
             <a:fld id="{B29B0859-3CF9-4522-8BD4-7CFA1BC8768C}" type="slidenum">
               <a:rPr lang="zh-CN" altLang="en-US" smtClean="0"/>
-              <a:t>‹#›</a:t>
+              <a:t>15</a:t>
             </a:fld>
             <a:endParaRPr lang="zh-CN" altLang="en-US"/>
           </a:p>
@@ -1511,6 +1520,531 @@
     <p:extLst>
       <p:ext uri="{BB962C8B-B14F-4D97-AF65-F5344CB8AC3E}">
         <p14:creationId xmlns:p14="http://schemas.microsoft.com/office/powerpoint/2010/main" val="1400408648"/>
+      </p:ext>
+    </p:extLst>
+  </p:cSld>
+  <p:clrMapOvr>
+    <a:masterClrMapping/>
+  </p:clrMapOvr>
+</p:notes>
+</file>
+
+<file path=ppt/notesSlides/notesSlide16.xml><?xml version="1.0" encoding="utf-8"?>
+<p:notes xmlns:a="http://schemas.openxmlformats.org/drawingml/2006/main" xmlns:r="http://schemas.openxmlformats.org/officeDocument/2006/relationships" xmlns:p="http://schemas.openxmlformats.org/presentationml/2006/main">
+  <p:cSld>
+    <p:spTree>
+      <p:nvGrpSpPr>
+        <p:cNvPr id="1" name=""/>
+        <p:cNvGrpSpPr/>
+        <p:nvPr/>
+      </p:nvGrpSpPr>
+      <p:grpSpPr>
+        <a:xfrm>
+          <a:off x="0" y="0"/>
+          <a:ext cx="0" cy="0"/>
+          <a:chOff x="0" y="0"/>
+          <a:chExt cx="0" cy="0"/>
+        </a:xfrm>
+      </p:grpSpPr>
+      <p:sp>
+        <p:nvSpPr>
+          <p:cNvPr id="2" name="幻灯片图像占位符 1"/>
+          <p:cNvSpPr>
+            <a:spLocks noGrp="1" noRot="1" noChangeAspect="1"/>
+          </p:cNvSpPr>
+          <p:nvPr>
+            <p:ph type="sldImg"/>
+          </p:nvPr>
+        </p:nvSpPr>
+        <p:spPr/>
+      </p:sp>
+      <p:sp>
+        <p:nvSpPr>
+          <p:cNvPr id="3" name="备注占位符 2"/>
+          <p:cNvSpPr>
+            <a:spLocks noGrp="1"/>
+          </p:cNvSpPr>
+          <p:nvPr>
+            <p:ph type="body" idx="1"/>
+          </p:nvPr>
+        </p:nvSpPr>
+        <p:spPr/>
+        <p:txBody>
+          <a:bodyPr/>
+          <a:lstStyle/>
+          <a:p>
+            <a:r>
+              <a:rPr lang="zh-CN" altLang="en-US" dirty="0"/>
+              <a:t>有人看过最近很火的一部电影</a:t>
+            </a:r>
+            <a:r>
+              <a:rPr lang="en-US" altLang="zh-CN" dirty="0"/>
+              <a:t>《</a:t>
+            </a:r>
+            <a:r>
+              <a:rPr lang="zh-CN" altLang="en-US" dirty="0"/>
+              <a:t>复联</a:t>
+            </a:r>
+            <a:r>
+              <a:rPr lang="en-US" altLang="zh-CN" dirty="0"/>
+              <a:t>4》</a:t>
+            </a:r>
+            <a:r>
+              <a:rPr lang="zh-CN" altLang="en-US" dirty="0"/>
+              <a:t>吗，美国队长为什么要将宝石送回到过去？</a:t>
+            </a:r>
+            <a:endParaRPr lang="en-US" altLang="zh-CN" dirty="0"/>
+          </a:p>
+          <a:p>
+            <a:r>
+              <a:rPr lang="zh-CN" altLang="en-US" dirty="0"/>
+              <a:t>就是为了确保不会对过去有太大的影响，以免影响未来，否则就不存在现在了，或者说会产生平行宇宙。</a:t>
+            </a:r>
+            <a:endParaRPr lang="en-US" altLang="zh-CN" dirty="0"/>
+          </a:p>
+          <a:p>
+            <a:r>
+              <a:rPr lang="zh-CN" altLang="en-US" dirty="0"/>
+              <a:t>侧面强调了一个很重要的概念：顺序和因果关系。</a:t>
+            </a:r>
+            <a:endParaRPr lang="en-US" altLang="zh-CN" dirty="0"/>
+          </a:p>
+          <a:p>
+            <a:r>
+              <a:rPr lang="zh-CN" altLang="en-US" dirty="0">
+                <a:latin typeface="微软雅黑" panose="020B0503020204020204" pitchFamily="34" charset="-122"/>
+                <a:ea typeface="微软雅黑" panose="020B0503020204020204" pitchFamily="34" charset="-122"/>
+              </a:rPr>
+              <a:t>比如：看直播，中国队赢了，平局哦。</a:t>
+            </a:r>
+            <a:endParaRPr lang="zh-CN" altLang="en-US" dirty="0"/>
+          </a:p>
+        </p:txBody>
+      </p:sp>
+      <p:sp>
+        <p:nvSpPr>
+          <p:cNvPr id="4" name="灯片编号占位符 3"/>
+          <p:cNvSpPr>
+            <a:spLocks noGrp="1"/>
+          </p:cNvSpPr>
+          <p:nvPr>
+            <p:ph type="sldNum" sz="quarter" idx="10"/>
+          </p:nvPr>
+        </p:nvSpPr>
+        <p:spPr/>
+        <p:txBody>
+          <a:bodyPr/>
+          <a:lstStyle/>
+          <a:p>
+            <a:fld id="{B29B0859-3CF9-4522-8BD4-7CFA1BC8768C}" type="slidenum">
+              <a:rPr lang="zh-CN" altLang="en-US" smtClean="0"/>
+              <a:t>16</a:t>
+            </a:fld>
+            <a:endParaRPr lang="zh-CN" altLang="en-US"/>
+          </a:p>
+        </p:txBody>
+      </p:sp>
+    </p:spTree>
+    <p:extLst>
+      <p:ext uri="{BB962C8B-B14F-4D97-AF65-F5344CB8AC3E}">
+        <p14:creationId xmlns:p14="http://schemas.microsoft.com/office/powerpoint/2010/main" val="1349033405"/>
+      </p:ext>
+    </p:extLst>
+  </p:cSld>
+  <p:clrMapOvr>
+    <a:masterClrMapping/>
+  </p:clrMapOvr>
+</p:notes>
+</file>
+
+<file path=ppt/notesSlides/notesSlide17.xml><?xml version="1.0" encoding="utf-8"?>
+<p:notes xmlns:a="http://schemas.openxmlformats.org/drawingml/2006/main" xmlns:r="http://schemas.openxmlformats.org/officeDocument/2006/relationships" xmlns:p="http://schemas.openxmlformats.org/presentationml/2006/main">
+  <p:cSld>
+    <p:spTree>
+      <p:nvGrpSpPr>
+        <p:cNvPr id="1" name=""/>
+        <p:cNvGrpSpPr/>
+        <p:nvPr/>
+      </p:nvGrpSpPr>
+      <p:grpSpPr>
+        <a:xfrm>
+          <a:off x="0" y="0"/>
+          <a:ext cx="0" cy="0"/>
+          <a:chOff x="0" y="0"/>
+          <a:chExt cx="0" cy="0"/>
+        </a:xfrm>
+      </p:grpSpPr>
+      <p:sp>
+        <p:nvSpPr>
+          <p:cNvPr id="2" name="幻灯片图像占位符 1"/>
+          <p:cNvSpPr>
+            <a:spLocks noGrp="1" noRot="1" noChangeAspect="1"/>
+          </p:cNvSpPr>
+          <p:nvPr>
+            <p:ph type="sldImg"/>
+          </p:nvPr>
+        </p:nvSpPr>
+        <p:spPr/>
+      </p:sp>
+      <p:sp>
+        <p:nvSpPr>
+          <p:cNvPr id="3" name="备注占位符 2"/>
+          <p:cNvSpPr>
+            <a:spLocks noGrp="1"/>
+          </p:cNvSpPr>
+          <p:nvPr>
+            <p:ph type="body" idx="1"/>
+          </p:nvPr>
+        </p:nvSpPr>
+        <p:spPr/>
+        <p:txBody>
+          <a:bodyPr/>
+          <a:lstStyle/>
+          <a:p>
+            <a:r>
+              <a:rPr lang="zh-CN" altLang="en-US" dirty="0"/>
+              <a:t>可线性化只是我们期望解决的一个问题。还有其他问题，比如：</a:t>
+            </a:r>
+            <a:endParaRPr lang="en-US" altLang="zh-CN" dirty="0"/>
+          </a:p>
+          <a:p>
+            <a:r>
+              <a:rPr lang="zh-CN" altLang="en-US" sz="1200" dirty="0">
+                <a:latin typeface="微软雅黑" panose="020B0503020204020204" pitchFamily="34" charset="-122"/>
+                <a:ea typeface="微软雅黑" panose="020B0503020204020204" pitchFamily="34" charset="-122"/>
+              </a:rPr>
+              <a:t>抽象出一个更统一的概念：共识</a:t>
+            </a:r>
+            <a:endParaRPr lang="zh-CN" altLang="en-US" dirty="0"/>
+          </a:p>
+        </p:txBody>
+      </p:sp>
+      <p:sp>
+        <p:nvSpPr>
+          <p:cNvPr id="4" name="灯片编号占位符 3"/>
+          <p:cNvSpPr>
+            <a:spLocks noGrp="1"/>
+          </p:cNvSpPr>
+          <p:nvPr>
+            <p:ph type="sldNum" sz="quarter" idx="10"/>
+          </p:nvPr>
+        </p:nvSpPr>
+        <p:spPr/>
+        <p:txBody>
+          <a:bodyPr/>
+          <a:lstStyle/>
+          <a:p>
+            <a:fld id="{B29B0859-3CF9-4522-8BD4-7CFA1BC8768C}" type="slidenum">
+              <a:rPr lang="zh-CN" altLang="en-US" smtClean="0"/>
+              <a:t>17</a:t>
+            </a:fld>
+            <a:endParaRPr lang="zh-CN" altLang="en-US"/>
+          </a:p>
+        </p:txBody>
+      </p:sp>
+    </p:spTree>
+    <p:extLst>
+      <p:ext uri="{BB962C8B-B14F-4D97-AF65-F5344CB8AC3E}">
+        <p14:creationId xmlns:p14="http://schemas.microsoft.com/office/powerpoint/2010/main" val="3755674935"/>
+      </p:ext>
+    </p:extLst>
+  </p:cSld>
+  <p:clrMapOvr>
+    <a:masterClrMapping/>
+  </p:clrMapOvr>
+</p:notes>
+</file>
+
+<file path=ppt/notesSlides/notesSlide18.xml><?xml version="1.0" encoding="utf-8"?>
+<p:notes xmlns:a="http://schemas.openxmlformats.org/drawingml/2006/main" xmlns:r="http://schemas.openxmlformats.org/officeDocument/2006/relationships" xmlns:p="http://schemas.openxmlformats.org/presentationml/2006/main">
+  <p:cSld>
+    <p:spTree>
+      <p:nvGrpSpPr>
+        <p:cNvPr id="1" name=""/>
+        <p:cNvGrpSpPr/>
+        <p:nvPr/>
+      </p:nvGrpSpPr>
+      <p:grpSpPr>
+        <a:xfrm>
+          <a:off x="0" y="0"/>
+          <a:ext cx="0" cy="0"/>
+          <a:chOff x="0" y="0"/>
+          <a:chExt cx="0" cy="0"/>
+        </a:xfrm>
+      </p:grpSpPr>
+      <p:sp>
+        <p:nvSpPr>
+          <p:cNvPr id="2" name="幻灯片图像占位符 1"/>
+          <p:cNvSpPr>
+            <a:spLocks noGrp="1" noRot="1" noChangeAspect="1"/>
+          </p:cNvSpPr>
+          <p:nvPr>
+            <p:ph type="sldImg"/>
+          </p:nvPr>
+        </p:nvSpPr>
+        <p:spPr/>
+      </p:sp>
+      <p:sp>
+        <p:nvSpPr>
+          <p:cNvPr id="3" name="备注占位符 2"/>
+          <p:cNvSpPr>
+            <a:spLocks noGrp="1"/>
+          </p:cNvSpPr>
+          <p:nvPr>
+            <p:ph type="body" idx="1"/>
+          </p:nvPr>
+        </p:nvSpPr>
+        <p:spPr/>
+        <p:txBody>
+          <a:bodyPr/>
+          <a:lstStyle/>
+          <a:p>
+            <a:pPr marL="0" marR="0" indent="0" algn="l" defTabSz="914400" rtl="0" eaLnBrk="1" fontAlgn="auto" latinLnBrk="0" hangingPunct="1">
+              <a:lnSpc>
+                <a:spcPct val="100000"/>
+              </a:lnSpc>
+              <a:spcBef>
+                <a:spcPts val="0"/>
+              </a:spcBef>
+              <a:spcAft>
+                <a:spcPts val="0"/>
+              </a:spcAft>
+              <a:buClrTx/>
+              <a:buSzTx/>
+              <a:buFontTx/>
+              <a:buNone/>
+              <a:tabLst/>
+              <a:defRPr/>
+            </a:pPr>
+            <a:r>
+              <a:rPr lang="zh-CN" altLang="en-US" sz="1200" dirty="0">
+                <a:latin typeface="微软雅黑" panose="020B0503020204020204" pitchFamily="34" charset="-122"/>
+                <a:ea typeface="微软雅黑" panose="020B0503020204020204" pitchFamily="34" charset="-122"/>
+              </a:rPr>
+              <a:t>协商一致性和诚实性是共识的核心思想：决定一致的结果，一旦决定，就不能改变。</a:t>
+            </a:r>
+            <a:endParaRPr lang="en-US" altLang="zh-CN" sz="1200" dirty="0">
+              <a:latin typeface="微软雅黑" panose="020B0503020204020204" pitchFamily="34" charset="-122"/>
+              <a:ea typeface="微软雅黑" panose="020B0503020204020204" pitchFamily="34" charset="-122"/>
+            </a:endParaRPr>
+          </a:p>
+          <a:p>
+            <a:pPr marL="0" marR="0" indent="0" algn="l" defTabSz="914400" rtl="0" eaLnBrk="1" fontAlgn="auto" latinLnBrk="0" hangingPunct="1">
+              <a:lnSpc>
+                <a:spcPct val="100000"/>
+              </a:lnSpc>
+              <a:spcBef>
+                <a:spcPts val="0"/>
+              </a:spcBef>
+              <a:spcAft>
+                <a:spcPts val="0"/>
+              </a:spcAft>
+              <a:buClrTx/>
+              <a:buSzTx/>
+              <a:buFontTx/>
+              <a:buNone/>
+              <a:tabLst/>
+              <a:defRPr/>
+            </a:pPr>
+            <a:r>
+              <a:rPr lang="zh-CN" altLang="en-US" sz="1200" dirty="0">
+                <a:latin typeface="微软雅黑" panose="020B0503020204020204" pitchFamily="34" charset="-122"/>
+                <a:ea typeface="微软雅黑" panose="020B0503020204020204" pitchFamily="34" charset="-122"/>
+              </a:rPr>
+              <a:t>合法性：派出一些无意义的方案：</a:t>
+            </a:r>
+            <a:r>
+              <a:rPr lang="en-US" altLang="zh-CN" sz="1200" dirty="0">
+                <a:latin typeface="微软雅黑" panose="020B0503020204020204" pitchFamily="34" charset="-122"/>
+                <a:ea typeface="微软雅黑" panose="020B0503020204020204" pitchFamily="34" charset="-122"/>
+              </a:rPr>
+              <a:t>NULL</a:t>
+            </a:r>
+            <a:r>
+              <a:rPr lang="zh-CN" altLang="en-US" sz="1200" dirty="0">
+                <a:latin typeface="微软雅黑" panose="020B0503020204020204" pitchFamily="34" charset="-122"/>
+                <a:ea typeface="微软雅黑" panose="020B0503020204020204" pitchFamily="34" charset="-122"/>
+              </a:rPr>
+              <a:t>。</a:t>
+            </a:r>
+            <a:endParaRPr lang="en-US" altLang="zh-CN" sz="1200" dirty="0">
+              <a:latin typeface="微软雅黑" panose="020B0503020204020204" pitchFamily="34" charset="-122"/>
+              <a:ea typeface="微软雅黑" panose="020B0503020204020204" pitchFamily="34" charset="-122"/>
+            </a:endParaRPr>
+          </a:p>
+          <a:p>
+            <a:pPr marL="0" marR="0" indent="0" algn="l" defTabSz="914400" rtl="0" eaLnBrk="1" fontAlgn="auto" latinLnBrk="0" hangingPunct="1">
+              <a:lnSpc>
+                <a:spcPct val="100000"/>
+              </a:lnSpc>
+              <a:spcBef>
+                <a:spcPts val="0"/>
+              </a:spcBef>
+              <a:spcAft>
+                <a:spcPts val="0"/>
+              </a:spcAft>
+              <a:buClrTx/>
+              <a:buSzTx/>
+              <a:buFontTx/>
+              <a:buNone/>
+              <a:tabLst/>
+              <a:defRPr/>
+            </a:pPr>
+            <a:r>
+              <a:rPr lang="zh-CN" altLang="en-US" sz="1200" dirty="0">
+                <a:latin typeface="微软雅黑" panose="020B0503020204020204" pitchFamily="34" charset="-122"/>
+                <a:ea typeface="微软雅黑" panose="020B0503020204020204" pitchFamily="34" charset="-122"/>
+              </a:rPr>
+              <a:t>可终止性：容错，强调共识算法不能原地空转，必须取得实质性效果，即使某些节点出现故障，其他节点也必须最终做出决定。</a:t>
+            </a:r>
+            <a:endParaRPr lang="en-US" altLang="zh-CN" sz="1200" dirty="0">
+              <a:latin typeface="微软雅黑" panose="020B0503020204020204" pitchFamily="34" charset="-122"/>
+              <a:ea typeface="微软雅黑" panose="020B0503020204020204" pitchFamily="34" charset="-122"/>
+            </a:endParaRPr>
+          </a:p>
+          <a:p>
+            <a:endParaRPr lang="en-US" altLang="zh-CN" dirty="0"/>
+          </a:p>
+          <a:p>
+            <a:r>
+              <a:rPr lang="en-US" altLang="zh-CN" dirty="0">
+                <a:hlinkClick r:id="rId3"/>
+              </a:rPr>
+              <a:t>https://draveness.me/consensus</a:t>
+            </a:r>
+            <a:endParaRPr lang="en-US" altLang="zh-CN" dirty="0"/>
+          </a:p>
+          <a:p>
+            <a:r>
+              <a:rPr lang="en-US" altLang="zh-CN" dirty="0">
+                <a:hlinkClick r:id="rId4"/>
+              </a:rPr>
+              <a:t>https://matt33.com/2018/07/08/distribute-system-consistency-protocol/</a:t>
+            </a:r>
+            <a:endParaRPr lang="en-US" altLang="zh-CN" dirty="0"/>
+          </a:p>
+          <a:p>
+            <a:endParaRPr lang="en-US" altLang="zh-CN" dirty="0"/>
+          </a:p>
+          <a:p>
+            <a:endParaRPr lang="en-US" altLang="zh-CN" dirty="0"/>
+          </a:p>
+        </p:txBody>
+      </p:sp>
+      <p:sp>
+        <p:nvSpPr>
+          <p:cNvPr id="4" name="灯片编号占位符 3"/>
+          <p:cNvSpPr>
+            <a:spLocks noGrp="1"/>
+          </p:cNvSpPr>
+          <p:nvPr>
+            <p:ph type="sldNum" sz="quarter" idx="10"/>
+          </p:nvPr>
+        </p:nvSpPr>
+        <p:spPr/>
+        <p:txBody>
+          <a:bodyPr/>
+          <a:lstStyle/>
+          <a:p>
+            <a:fld id="{B29B0859-3CF9-4522-8BD4-7CFA1BC8768C}" type="slidenum">
+              <a:rPr lang="zh-CN" altLang="en-US" smtClean="0"/>
+              <a:t>18</a:t>
+            </a:fld>
+            <a:endParaRPr lang="zh-CN" altLang="en-US"/>
+          </a:p>
+        </p:txBody>
+      </p:sp>
+    </p:spTree>
+    <p:extLst>
+      <p:ext uri="{BB962C8B-B14F-4D97-AF65-F5344CB8AC3E}">
+        <p14:creationId xmlns:p14="http://schemas.microsoft.com/office/powerpoint/2010/main" val="2698087392"/>
+      </p:ext>
+    </p:extLst>
+  </p:cSld>
+  <p:clrMapOvr>
+    <a:masterClrMapping/>
+  </p:clrMapOvr>
+</p:notes>
+</file>
+
+<file path=ppt/notesSlides/notesSlide19.xml><?xml version="1.0" encoding="utf-8"?>
+<p:notes xmlns:a="http://schemas.openxmlformats.org/drawingml/2006/main" xmlns:r="http://schemas.openxmlformats.org/officeDocument/2006/relationships" xmlns:p="http://schemas.openxmlformats.org/presentationml/2006/main">
+  <p:cSld>
+    <p:spTree>
+      <p:nvGrpSpPr>
+        <p:cNvPr id="1" name=""/>
+        <p:cNvGrpSpPr/>
+        <p:nvPr/>
+      </p:nvGrpSpPr>
+      <p:grpSpPr>
+        <a:xfrm>
+          <a:off x="0" y="0"/>
+          <a:ext cx="0" cy="0"/>
+          <a:chOff x="0" y="0"/>
+          <a:chExt cx="0" cy="0"/>
+        </a:xfrm>
+      </p:grpSpPr>
+      <p:sp>
+        <p:nvSpPr>
+          <p:cNvPr id="2" name="幻灯片图像占位符 1"/>
+          <p:cNvSpPr>
+            <a:spLocks noGrp="1" noRot="1" noChangeAspect="1"/>
+          </p:cNvSpPr>
+          <p:nvPr>
+            <p:ph type="sldImg"/>
+          </p:nvPr>
+        </p:nvSpPr>
+        <p:spPr/>
+      </p:sp>
+      <p:sp>
+        <p:nvSpPr>
+          <p:cNvPr id="3" name="备注占位符 2"/>
+          <p:cNvSpPr>
+            <a:spLocks noGrp="1"/>
+          </p:cNvSpPr>
+          <p:nvPr>
+            <p:ph type="body" idx="1"/>
+          </p:nvPr>
+        </p:nvSpPr>
+        <p:spPr/>
+        <p:txBody>
+          <a:bodyPr/>
+          <a:lstStyle/>
+          <a:p>
+            <a:r>
+              <a:rPr lang="zh-CN" altLang="en-US" dirty="0"/>
+              <a:t>两阶段提交是一种共识算法，很多数据库和应用都有实现。下面看看它具体是如何实现的：</a:t>
+            </a:r>
+          </a:p>
+        </p:txBody>
+      </p:sp>
+      <p:sp>
+        <p:nvSpPr>
+          <p:cNvPr id="4" name="灯片编号占位符 3"/>
+          <p:cNvSpPr>
+            <a:spLocks noGrp="1"/>
+          </p:cNvSpPr>
+          <p:nvPr>
+            <p:ph type="sldNum" sz="quarter" idx="10"/>
+          </p:nvPr>
+        </p:nvSpPr>
+        <p:spPr/>
+        <p:txBody>
+          <a:bodyPr/>
+          <a:lstStyle/>
+          <a:p>
+            <a:fld id="{B29B0859-3CF9-4522-8BD4-7CFA1BC8768C}" type="slidenum">
+              <a:rPr lang="zh-CN" altLang="en-US" smtClean="0"/>
+              <a:t>19</a:t>
+            </a:fld>
+            <a:endParaRPr lang="zh-CN" altLang="en-US"/>
+          </a:p>
+        </p:txBody>
+      </p:sp>
+    </p:spTree>
+    <p:extLst>
+      <p:ext uri="{BB962C8B-B14F-4D97-AF65-F5344CB8AC3E}">
+        <p14:creationId xmlns:p14="http://schemas.microsoft.com/office/powerpoint/2010/main" val="3264194493"/>
       </p:ext>
     </p:extLst>
   </p:cSld>
@@ -1620,6 +2154,419 @@
     <p:extLst>
       <p:ext uri="{BB962C8B-B14F-4D97-AF65-F5344CB8AC3E}">
         <p14:creationId xmlns:p14="http://schemas.microsoft.com/office/powerpoint/2010/main" val="2518634217"/>
+      </p:ext>
+    </p:extLst>
+  </p:cSld>
+  <p:clrMapOvr>
+    <a:masterClrMapping/>
+  </p:clrMapOvr>
+</p:notes>
+</file>
+
+<file path=ppt/notesSlides/notesSlide20.xml><?xml version="1.0" encoding="utf-8"?>
+<p:notes xmlns:a="http://schemas.openxmlformats.org/drawingml/2006/main" xmlns:r="http://schemas.openxmlformats.org/officeDocument/2006/relationships" xmlns:p="http://schemas.openxmlformats.org/presentationml/2006/main">
+  <p:cSld>
+    <p:spTree>
+      <p:nvGrpSpPr>
+        <p:cNvPr id="1" name=""/>
+        <p:cNvGrpSpPr/>
+        <p:nvPr/>
+      </p:nvGrpSpPr>
+      <p:grpSpPr>
+        <a:xfrm>
+          <a:off x="0" y="0"/>
+          <a:ext cx="0" cy="0"/>
+          <a:chOff x="0" y="0"/>
+          <a:chExt cx="0" cy="0"/>
+        </a:xfrm>
+      </p:grpSpPr>
+      <p:sp>
+        <p:nvSpPr>
+          <p:cNvPr id="2" name="幻灯片图像占位符 1"/>
+          <p:cNvSpPr>
+            <a:spLocks noGrp="1" noRot="1" noChangeAspect="1"/>
+          </p:cNvSpPr>
+          <p:nvPr>
+            <p:ph type="sldImg"/>
+          </p:nvPr>
+        </p:nvSpPr>
+        <p:spPr/>
+      </p:sp>
+      <p:sp>
+        <p:nvSpPr>
+          <p:cNvPr id="3" name="备注占位符 2"/>
+          <p:cNvSpPr>
+            <a:spLocks noGrp="1"/>
+          </p:cNvSpPr>
+          <p:nvPr>
+            <p:ph type="body" idx="1"/>
+          </p:nvPr>
+        </p:nvSpPr>
+        <p:spPr/>
+        <p:txBody>
+          <a:bodyPr/>
+          <a:lstStyle/>
+          <a:p>
+            <a:r>
+              <a:rPr lang="zh-CN" altLang="en-US" dirty="0"/>
+              <a:t>由于 </a:t>
+            </a:r>
+            <a:r>
+              <a:rPr lang="en-US" altLang="zh-CN" dirty="0"/>
+              <a:t>3PC </a:t>
+            </a:r>
+            <a:r>
+              <a:rPr lang="zh-CN" altLang="en-US" dirty="0"/>
+              <a:t>的检测机制不可靠，大家还是普遍在使用</a:t>
+            </a:r>
+            <a:r>
+              <a:rPr lang="zh-CN" altLang="en-US" baseline="0" dirty="0"/>
+              <a:t> </a:t>
+            </a:r>
+            <a:r>
+              <a:rPr lang="en-US" altLang="zh-CN" baseline="0" dirty="0"/>
+              <a:t>2PC</a:t>
+            </a:r>
+            <a:r>
+              <a:rPr lang="zh-CN" altLang="en-US" baseline="0" dirty="0"/>
+              <a:t>。</a:t>
+            </a:r>
+            <a:endParaRPr lang="en-US" altLang="zh-CN" baseline="0" dirty="0"/>
+          </a:p>
+        </p:txBody>
+      </p:sp>
+      <p:sp>
+        <p:nvSpPr>
+          <p:cNvPr id="4" name="灯片编号占位符 3"/>
+          <p:cNvSpPr>
+            <a:spLocks noGrp="1"/>
+          </p:cNvSpPr>
+          <p:nvPr>
+            <p:ph type="sldNum" sz="quarter" idx="10"/>
+          </p:nvPr>
+        </p:nvSpPr>
+        <p:spPr/>
+        <p:txBody>
+          <a:bodyPr/>
+          <a:lstStyle/>
+          <a:p>
+            <a:fld id="{B29B0859-3CF9-4522-8BD4-7CFA1BC8768C}" type="slidenum">
+              <a:rPr lang="zh-CN" altLang="en-US" smtClean="0"/>
+              <a:t>20</a:t>
+            </a:fld>
+            <a:endParaRPr lang="zh-CN" altLang="en-US"/>
+          </a:p>
+        </p:txBody>
+      </p:sp>
+    </p:spTree>
+    <p:extLst>
+      <p:ext uri="{BB962C8B-B14F-4D97-AF65-F5344CB8AC3E}">
+        <p14:creationId xmlns:p14="http://schemas.microsoft.com/office/powerpoint/2010/main" val="2275787736"/>
+      </p:ext>
+    </p:extLst>
+  </p:cSld>
+  <p:clrMapOvr>
+    <a:masterClrMapping/>
+  </p:clrMapOvr>
+</p:notes>
+</file>
+
+<file path=ppt/notesSlides/notesSlide21.xml><?xml version="1.0" encoding="utf-8"?>
+<p:notes xmlns:a="http://schemas.openxmlformats.org/drawingml/2006/main" xmlns:r="http://schemas.openxmlformats.org/officeDocument/2006/relationships" xmlns:p="http://schemas.openxmlformats.org/presentationml/2006/main">
+  <p:cSld>
+    <p:spTree>
+      <p:nvGrpSpPr>
+        <p:cNvPr id="1" name=""/>
+        <p:cNvGrpSpPr/>
+        <p:nvPr/>
+      </p:nvGrpSpPr>
+      <p:grpSpPr>
+        <a:xfrm>
+          <a:off x="0" y="0"/>
+          <a:ext cx="0" cy="0"/>
+          <a:chOff x="0" y="0"/>
+          <a:chExt cx="0" cy="0"/>
+        </a:xfrm>
+      </p:grpSpPr>
+      <p:sp>
+        <p:nvSpPr>
+          <p:cNvPr id="2" name="幻灯片图像占位符 1"/>
+          <p:cNvSpPr>
+            <a:spLocks noGrp="1" noRot="1" noChangeAspect="1"/>
+          </p:cNvSpPr>
+          <p:nvPr>
+            <p:ph type="sldImg"/>
+          </p:nvPr>
+        </p:nvSpPr>
+        <p:spPr/>
+      </p:sp>
+      <p:sp>
+        <p:nvSpPr>
+          <p:cNvPr id="3" name="备注占位符 2"/>
+          <p:cNvSpPr>
+            <a:spLocks noGrp="1"/>
+          </p:cNvSpPr>
+          <p:nvPr>
+            <p:ph type="body" idx="1"/>
+          </p:nvPr>
+        </p:nvSpPr>
+        <p:spPr/>
+        <p:txBody>
+          <a:bodyPr/>
+          <a:lstStyle/>
+          <a:p>
+            <a:r>
+              <a:rPr lang="en-US" altLang="zh-CN" dirty="0"/>
+              <a:t>2PC </a:t>
+            </a:r>
+            <a:r>
+              <a:rPr lang="zh-CN" altLang="en-US" dirty="0"/>
+              <a:t>和 </a:t>
+            </a:r>
+            <a:r>
+              <a:rPr lang="en-US" altLang="zh-CN" dirty="0"/>
+              <a:t>3PC </a:t>
+            </a:r>
+            <a:r>
+              <a:rPr lang="zh-CN" altLang="en-US" dirty="0"/>
+              <a:t>都有一定的缺陷，那么有没有更好的共识算法呢？当然有，就是大名鼎鼎的：</a:t>
+            </a:r>
+            <a:r>
+              <a:rPr lang="en-US" altLang="zh-CN" dirty="0"/>
+              <a:t>Paxos</a:t>
+            </a:r>
+            <a:r>
+              <a:rPr lang="zh-CN" altLang="en-US" dirty="0"/>
+              <a:t>，</a:t>
+            </a:r>
+            <a:r>
+              <a:rPr lang="en-US" altLang="zh-CN" dirty="0"/>
+              <a:t>Raft</a:t>
+            </a:r>
+            <a:r>
+              <a:rPr lang="zh-CN" altLang="en-US" dirty="0"/>
+              <a:t>，</a:t>
+            </a:r>
+            <a:r>
+              <a:rPr lang="en-US" altLang="zh-CN" dirty="0"/>
+              <a:t>Zab </a:t>
+            </a:r>
+            <a:r>
+              <a:rPr lang="zh-CN" altLang="en-US" dirty="0"/>
+              <a:t>算法。</a:t>
+            </a:r>
+            <a:endParaRPr lang="en-US" altLang="zh-CN" dirty="0"/>
+          </a:p>
+          <a:p>
+            <a:r>
+              <a:rPr lang="en-US" altLang="zh-CN" dirty="0"/>
+              <a:t>Paxos</a:t>
+            </a:r>
+            <a:r>
+              <a:rPr lang="zh-CN" altLang="en-US" dirty="0"/>
+              <a:t>：</a:t>
+            </a:r>
+            <a:r>
+              <a:rPr lang="en-US" altLang="zh-CN" dirty="0"/>
+              <a:t>Google </a:t>
+            </a:r>
+            <a:r>
+              <a:rPr lang="zh-CN" altLang="en-US" dirty="0"/>
+              <a:t>的 </a:t>
+            </a:r>
+            <a:r>
+              <a:rPr lang="en-US" altLang="zh-CN" dirty="0"/>
+              <a:t>Chubby</a:t>
+            </a:r>
+            <a:r>
+              <a:rPr lang="zh-CN" altLang="en-US" baseline="0" dirty="0"/>
+              <a:t> 实现了该</a:t>
+            </a:r>
+            <a:r>
+              <a:rPr lang="zh-CN" altLang="en-US" dirty="0"/>
+              <a:t>算法。</a:t>
+            </a:r>
+            <a:endParaRPr lang="en-US" altLang="zh-CN" dirty="0"/>
+          </a:p>
+          <a:p>
+            <a:r>
+              <a:rPr lang="en-US" altLang="zh-CN" dirty="0"/>
+              <a:t>Raft</a:t>
+            </a:r>
+            <a:r>
+              <a:rPr lang="zh-CN" altLang="en-US" dirty="0"/>
+              <a:t>： </a:t>
+            </a:r>
+            <a:r>
+              <a:rPr lang="en-US" altLang="zh-CN" dirty="0"/>
+              <a:t>Paxos </a:t>
+            </a:r>
+            <a:r>
+              <a:rPr lang="zh-CN" altLang="en-US" dirty="0"/>
+              <a:t>的变体，比 </a:t>
+            </a:r>
+            <a:r>
+              <a:rPr lang="en-US" altLang="zh-CN" dirty="0"/>
+              <a:t>Paxos </a:t>
+            </a:r>
+            <a:r>
+              <a:rPr lang="zh-CN" altLang="en-US" dirty="0"/>
+              <a:t>更容易理解，百度的 </a:t>
+            </a:r>
+            <a:r>
+              <a:rPr lang="en-US" altLang="zh-CN" sz="1200" b="0" i="0" kern="1200" dirty="0">
+                <a:solidFill>
+                  <a:schemeClr val="tx1"/>
+                </a:solidFill>
+                <a:effectLst/>
+                <a:latin typeface="+mn-lt"/>
+                <a:ea typeface="+mn-ea"/>
+                <a:cs typeface="+mn-cs"/>
+              </a:rPr>
+              <a:t>braft </a:t>
+            </a:r>
+            <a:r>
+              <a:rPr lang="zh-CN" altLang="en-US" sz="1200" b="0" i="0" kern="1200" dirty="0">
+                <a:solidFill>
+                  <a:schemeClr val="tx1"/>
+                </a:solidFill>
+                <a:effectLst/>
+                <a:latin typeface="+mn-lt"/>
+                <a:ea typeface="+mn-ea"/>
+                <a:cs typeface="+mn-cs"/>
+              </a:rPr>
+              <a:t>实现了该算法。</a:t>
+            </a:r>
+            <a:endParaRPr lang="en-US" altLang="zh-CN" sz="1200" b="0" i="0" kern="1200" dirty="0">
+              <a:solidFill>
+                <a:schemeClr val="tx1"/>
+              </a:solidFill>
+              <a:effectLst/>
+              <a:latin typeface="+mn-lt"/>
+              <a:ea typeface="+mn-ea"/>
+              <a:cs typeface="+mn-cs"/>
+            </a:endParaRPr>
+          </a:p>
+          <a:p>
+            <a:r>
+              <a:rPr lang="en-US" altLang="zh-CN" sz="1200" b="0" i="0" kern="1200" dirty="0">
+                <a:solidFill>
+                  <a:schemeClr val="tx1"/>
+                </a:solidFill>
+                <a:effectLst/>
+                <a:latin typeface="+mn-lt"/>
+                <a:ea typeface="+mn-ea"/>
+                <a:cs typeface="+mn-cs"/>
+              </a:rPr>
+              <a:t>Zab</a:t>
+            </a:r>
+            <a:r>
+              <a:rPr lang="zh-CN" altLang="en-US" sz="1200" b="0" i="0" kern="1200" dirty="0">
+                <a:solidFill>
+                  <a:schemeClr val="tx1"/>
+                </a:solidFill>
+                <a:effectLst/>
+                <a:latin typeface="+mn-lt"/>
+                <a:ea typeface="+mn-ea"/>
+                <a:cs typeface="+mn-cs"/>
+              </a:rPr>
+              <a:t>：</a:t>
+            </a:r>
+            <a:r>
+              <a:rPr lang="en-US" altLang="zh-CN" sz="1200" b="0" i="0" kern="1200" dirty="0">
+                <a:solidFill>
+                  <a:schemeClr val="tx1"/>
+                </a:solidFill>
+                <a:effectLst/>
+                <a:latin typeface="+mn-lt"/>
+                <a:ea typeface="+mn-ea"/>
+                <a:cs typeface="+mn-cs"/>
+              </a:rPr>
+              <a:t>Apache ZooKeeper </a:t>
+            </a:r>
+            <a:r>
+              <a:rPr lang="zh-CN" altLang="en-US" sz="1200" b="0" i="0" kern="1200" dirty="0">
+                <a:solidFill>
+                  <a:schemeClr val="tx1"/>
+                </a:solidFill>
+                <a:effectLst/>
+                <a:latin typeface="+mn-lt"/>
+                <a:ea typeface="+mn-ea"/>
+                <a:cs typeface="+mn-cs"/>
+              </a:rPr>
+              <a:t>实现了该算法。</a:t>
+            </a:r>
+            <a:endParaRPr lang="en-US" altLang="zh-CN" sz="1200" b="0" i="0" kern="1200" dirty="0">
+              <a:solidFill>
+                <a:schemeClr val="tx1"/>
+              </a:solidFill>
+              <a:effectLst/>
+              <a:latin typeface="+mn-lt"/>
+              <a:ea typeface="+mn-ea"/>
+              <a:cs typeface="+mn-cs"/>
+            </a:endParaRPr>
+          </a:p>
+          <a:p>
+            <a:endParaRPr lang="en-US" altLang="zh-CN" sz="1200" b="0" i="0" kern="1200" dirty="0">
+              <a:solidFill>
+                <a:schemeClr val="tx1"/>
+              </a:solidFill>
+              <a:effectLst/>
+              <a:latin typeface="+mn-lt"/>
+              <a:ea typeface="+mn-ea"/>
+              <a:cs typeface="+mn-cs"/>
+            </a:endParaRPr>
+          </a:p>
+          <a:p>
+            <a:r>
+              <a:rPr lang="en-US" altLang="zh-CN" dirty="0">
+                <a:hlinkClick r:id="rId3"/>
+              </a:rPr>
+              <a:t>https://www.infoq.cn/article/2018/03/Baidu-open-source-Raft-algorithm</a:t>
+            </a:r>
+            <a:endParaRPr lang="en-US" altLang="zh-CN" dirty="0"/>
+          </a:p>
+          <a:p>
+            <a:r>
+              <a:rPr lang="en-US" altLang="zh-CN" dirty="0">
+                <a:hlinkClick r:id="rId4"/>
+              </a:rPr>
+              <a:t>https://github.com/brpc/braft/blob/master/docs/cn/zab_protocol.md</a:t>
+            </a:r>
+            <a:endParaRPr lang="en-US" altLang="zh-CN" dirty="0"/>
+          </a:p>
+          <a:p>
+            <a:endParaRPr lang="en-US" altLang="zh-CN" dirty="0"/>
+          </a:p>
+        </p:txBody>
+      </p:sp>
+      <p:sp>
+        <p:nvSpPr>
+          <p:cNvPr id="4" name="灯片编号占位符 3"/>
+          <p:cNvSpPr>
+            <a:spLocks noGrp="1"/>
+          </p:cNvSpPr>
+          <p:nvPr>
+            <p:ph type="sldNum" sz="quarter" idx="10"/>
+          </p:nvPr>
+        </p:nvSpPr>
+        <p:spPr/>
+        <p:txBody>
+          <a:bodyPr/>
+          <a:lstStyle/>
+          <a:p>
+            <a:fld id="{B29B0859-3CF9-4522-8BD4-7CFA1BC8768C}" type="slidenum">
+              <a:rPr lang="zh-CN" altLang="en-US" smtClean="0"/>
+              <a:t>21</a:t>
+            </a:fld>
+            <a:endParaRPr lang="zh-CN" altLang="en-US"/>
+          </a:p>
+        </p:txBody>
+      </p:sp>
+    </p:spTree>
+    <p:extLst>
+      <p:ext uri="{BB962C8B-B14F-4D97-AF65-F5344CB8AC3E}">
+        <p14:creationId xmlns:p14="http://schemas.microsoft.com/office/powerpoint/2010/main" val="3087445425"/>
       </p:ext>
     </p:extLst>
   </p:cSld>
@@ -1935,7 +2882,7 @@
                 <a:latin typeface="微软雅黑" panose="020B0503020204020204" pitchFamily="34" charset="-122"/>
                 <a:ea typeface="微软雅黑" panose="020B0503020204020204" pitchFamily="34" charset="-122"/>
               </a:rPr>
-              <a:t>即使断电或数据库奔溃也一直保存在磁盘中。</a:t>
+              <a:t>即使断电或数据库崩溃也一直保存在磁盘中。</a:t>
             </a:r>
             <a:endParaRPr lang="en-US" altLang="zh-CN" sz="1200" dirty="0"/>
           </a:p>
@@ -2229,7 +3176,7 @@
           <a:p>
             <a:fld id="{B29B0859-3CF9-4522-8BD4-7CFA1BC8768C}" type="slidenum">
               <a:rPr lang="zh-CN" altLang="en-US" smtClean="0"/>
-              <a:t>‹#›</a:t>
+              <a:t>6</a:t>
             </a:fld>
             <a:endParaRPr lang="zh-CN" altLang="en-US"/>
           </a:p>
@@ -2416,19 +3363,19 @@
           </a:p>
           <a:p>
             <a:r>
-              <a:rPr lang="zh-CN" altLang="en-US">
+              <a:rPr lang="zh-CN" altLang="en-US" dirty="0">
                 <a:ea typeface="等线"/>
               </a:rPr>
               <a:t>      </a:t>
             </a:r>
             <a:r>
-              <a:rPr lang="zh-CN" altLang="en-US" sz="1200">
+              <a:rPr lang="zh-CN" altLang="en-US" sz="1200" dirty="0">
                 <a:ea typeface="等线"/>
               </a:rPr>
               <a:t> 降低访问延迟：使数据在地理位置上更接近用户。</a:t>
             </a:r>
             <a:r>
-              <a:rPr lang="zh-CN" altLang="en-US">
+              <a:rPr lang="zh-CN" altLang="en-US" dirty="0">
                 <a:ea typeface="等线"/>
               </a:rPr>
               <a:t>（CDN 原理）</a:t>
@@ -5624,8 +6571,8 @@
         </p:nvSpPr>
         <p:spPr>
           <a:xfrm>
-            <a:off x="1001855" y="1885045"/>
-            <a:ext cx="9890837" cy="1631216"/>
+            <a:off x="816921" y="2411483"/>
+            <a:ext cx="10638765" cy="1323439"/>
           </a:xfrm>
           <a:prstGeom prst="rect">
             <a:avLst/>
@@ -5699,7 +6646,7 @@
         </p:nvSpPr>
         <p:spPr>
           <a:xfrm>
-            <a:off x="1001857" y="4569272"/>
+            <a:off x="816922" y="4548724"/>
             <a:ext cx="9890837" cy="400110"/>
           </a:xfrm>
           <a:prstGeom prst="rect">
@@ -5735,7 +6682,7 @@
         </p:nvSpPr>
         <p:spPr>
           <a:xfrm>
-            <a:off x="1001856" y="1218119"/>
+            <a:off x="816921" y="1197571"/>
             <a:ext cx="9890837" cy="400110"/>
           </a:xfrm>
           <a:prstGeom prst="rect">
@@ -5816,104 +6763,122 @@
           <a:lstStyle/>
           <a:p>
             <a:r>
-              <a:rPr lang="zh-CN" altLang="en-US" sz="2000">
-                <a:ea typeface="等线"/>
+              <a:rPr lang="zh-CN" altLang="en-US" sz="2000" dirty="0">
+                <a:latin typeface="微软雅黑" panose="020B0503020204020204" pitchFamily="34" charset="-122"/>
+                <a:ea typeface="微软雅黑" panose="020B0503020204020204" pitchFamily="34" charset="-122"/>
               </a:rPr>
               <a:t>请求可能已经丢失。</a:t>
             </a:r>
-            <a:endParaRPr lang="en-US" altLang="zh-CN" sz="2000">
-              <a:ea typeface="等线"/>
+            <a:endParaRPr lang="en-US" altLang="zh-CN" sz="2000" dirty="0">
+              <a:latin typeface="微软雅黑" panose="020B0503020204020204" pitchFamily="34" charset="-122"/>
+              <a:ea typeface="微软雅黑" panose="020B0503020204020204" pitchFamily="34" charset="-122"/>
             </a:endParaRPr>
           </a:p>
           <a:p>
             <a:r>
-              <a:rPr lang="zh-CN" altLang="en-US" sz="2000">
-                <a:ea typeface="等线"/>
+              <a:rPr lang="zh-CN" altLang="en-US" sz="2000" dirty="0">
+                <a:latin typeface="微软雅黑" panose="020B0503020204020204" pitchFamily="34" charset="-122"/>
+                <a:ea typeface="微软雅黑" panose="020B0503020204020204" pitchFamily="34" charset="-122"/>
               </a:rPr>
               <a:t>请求可能正在队列中等待</a:t>
             </a:r>
             <a:r>
-              <a:rPr lang="en-US" altLang="zh-CN" sz="2000">
-                <a:ea typeface="等线"/>
+              <a:rPr lang="en-US" altLang="zh-CN" sz="2000" dirty="0">
+                <a:latin typeface="微软雅黑" panose="020B0503020204020204" pitchFamily="34" charset="-122"/>
+                <a:ea typeface="微软雅黑" panose="020B0503020204020204" pitchFamily="34" charset="-122"/>
               </a:rPr>
               <a:t>，</a:t>
             </a:r>
             <a:r>
-              <a:rPr lang="zh-CN" altLang="en-US" sz="2000">
-                <a:ea typeface="等线"/>
+              <a:rPr lang="zh-CN" altLang="en-US" sz="2000" dirty="0">
+                <a:latin typeface="微软雅黑" panose="020B0503020204020204" pitchFamily="34" charset="-122"/>
+                <a:ea typeface="微软雅黑" panose="020B0503020204020204" pitchFamily="34" charset="-122"/>
               </a:rPr>
               <a:t>无法马上发送。</a:t>
             </a:r>
-            <a:endParaRPr lang="en-US" altLang="zh-CN" sz="2000">
-              <a:ea typeface="等线"/>
+            <a:endParaRPr lang="en-US" altLang="zh-CN" sz="2000" dirty="0">
+              <a:latin typeface="微软雅黑" panose="020B0503020204020204" pitchFamily="34" charset="-122"/>
+              <a:ea typeface="微软雅黑" panose="020B0503020204020204" pitchFamily="34" charset="-122"/>
             </a:endParaRPr>
           </a:p>
           <a:p>
             <a:r>
-              <a:rPr lang="zh-CN" altLang="en-US" sz="2000">
-                <a:ea typeface="等线"/>
+              <a:rPr lang="zh-CN" altLang="en-US" sz="2000" dirty="0">
+                <a:latin typeface="微软雅黑" panose="020B0503020204020204" pitchFamily="34" charset="-122"/>
+                <a:ea typeface="微软雅黑" panose="020B0503020204020204" pitchFamily="34" charset="-122"/>
               </a:rPr>
               <a:t>远程接收节点可能已经失效。</a:t>
             </a:r>
-            <a:endParaRPr lang="en-US" altLang="zh-CN" sz="2000">
-              <a:ea typeface="等线"/>
+            <a:endParaRPr lang="en-US" altLang="zh-CN" sz="2000" dirty="0">
+              <a:latin typeface="微软雅黑" panose="020B0503020204020204" pitchFamily="34" charset="-122"/>
+              <a:ea typeface="微软雅黑" panose="020B0503020204020204" pitchFamily="34" charset="-122"/>
             </a:endParaRPr>
           </a:p>
           <a:p>
             <a:r>
-              <a:rPr lang="zh-CN" altLang="en-US" sz="2000">
-                <a:ea typeface="等线"/>
+              <a:rPr lang="zh-CN" altLang="en-US" sz="2000" dirty="0">
+                <a:latin typeface="微软雅黑" panose="020B0503020204020204" pitchFamily="34" charset="-122"/>
+                <a:ea typeface="微软雅黑" panose="020B0503020204020204" pitchFamily="34" charset="-122"/>
               </a:rPr>
               <a:t>远程接收节点可能暂时无法响应。</a:t>
             </a:r>
-            <a:endParaRPr lang="en-US" altLang="zh-CN" sz="2000">
-              <a:ea typeface="等线"/>
+            <a:endParaRPr lang="en-US" altLang="zh-CN" sz="2000" dirty="0">
+              <a:latin typeface="微软雅黑" panose="020B0503020204020204" pitchFamily="34" charset="-122"/>
+              <a:ea typeface="微软雅黑" panose="020B0503020204020204" pitchFamily="34" charset="-122"/>
             </a:endParaRPr>
           </a:p>
           <a:p>
             <a:r>
-              <a:rPr lang="zh-CN" altLang="en-US" sz="2000">
-                <a:ea typeface="等线"/>
+              <a:rPr lang="zh-CN" altLang="en-US" sz="2000" dirty="0">
+                <a:latin typeface="微软雅黑" panose="020B0503020204020204" pitchFamily="34" charset="-122"/>
+                <a:ea typeface="微软雅黑" panose="020B0503020204020204" pitchFamily="34" charset="-122"/>
               </a:rPr>
               <a:t>远程接收节点已经完成了处理</a:t>
             </a:r>
             <a:r>
-              <a:rPr lang="en-US" altLang="zh-CN" sz="2000">
-                <a:ea typeface="等线"/>
+              <a:rPr lang="en-US" altLang="zh-CN" sz="2000" dirty="0">
+                <a:latin typeface="微软雅黑" panose="020B0503020204020204" pitchFamily="34" charset="-122"/>
+                <a:ea typeface="微软雅黑" panose="020B0503020204020204" pitchFamily="34" charset="-122"/>
               </a:rPr>
               <a:t>，</a:t>
             </a:r>
             <a:r>
-              <a:rPr lang="zh-CN" altLang="en-US" sz="2000">
-                <a:ea typeface="等线"/>
+              <a:rPr lang="zh-CN" altLang="en-US" sz="2000" dirty="0">
+                <a:latin typeface="微软雅黑" panose="020B0503020204020204" pitchFamily="34" charset="-122"/>
+                <a:ea typeface="微软雅黑" panose="020B0503020204020204" pitchFamily="34" charset="-122"/>
               </a:rPr>
               <a:t>但回复却在网络中丢失。</a:t>
             </a:r>
-            <a:endParaRPr lang="en-US" altLang="zh-CN" sz="2000">
-              <a:ea typeface="等线"/>
+            <a:endParaRPr lang="en-US" altLang="zh-CN" sz="2000" dirty="0">
+              <a:latin typeface="微软雅黑" panose="020B0503020204020204" pitchFamily="34" charset="-122"/>
+              <a:ea typeface="微软雅黑" panose="020B0503020204020204" pitchFamily="34" charset="-122"/>
             </a:endParaRPr>
           </a:p>
           <a:p>
             <a:r>
-              <a:rPr lang="zh-CN" altLang="en-US" sz="2000">
-                <a:ea typeface="等线"/>
+              <a:rPr lang="zh-CN" altLang="en-US" sz="2000" dirty="0">
+                <a:latin typeface="微软雅黑" panose="020B0503020204020204" pitchFamily="34" charset="-122"/>
+                <a:ea typeface="微软雅黑" panose="020B0503020204020204" pitchFamily="34" charset="-122"/>
               </a:rPr>
               <a:t>远程接收节点已经完成了处理</a:t>
             </a:r>
             <a:r>
-              <a:rPr lang="en-US" altLang="zh-CN" sz="2000">
-                <a:ea typeface="等线"/>
+              <a:rPr lang="en-US" altLang="zh-CN" sz="2000" dirty="0">
+                <a:latin typeface="微软雅黑" panose="020B0503020204020204" pitchFamily="34" charset="-122"/>
+                <a:ea typeface="微软雅黑" panose="020B0503020204020204" pitchFamily="34" charset="-122"/>
               </a:rPr>
               <a:t>，</a:t>
             </a:r>
             <a:r>
-              <a:rPr lang="zh-CN" altLang="en-US" sz="2000">
-                <a:ea typeface="等线"/>
+              <a:rPr lang="zh-CN" altLang="en-US" sz="2000" dirty="0">
+                <a:latin typeface="微软雅黑" panose="020B0503020204020204" pitchFamily="34" charset="-122"/>
+                <a:ea typeface="微软雅黑" panose="020B0503020204020204" pitchFamily="34" charset="-122"/>
               </a:rPr>
               <a:t>但回复却被延迟处理。</a:t>
             </a:r>
             <a:endParaRPr lang="en-US" altLang="zh-CN" sz="2000" dirty="0">
-              <a:ea typeface="等线"/>
+              <a:latin typeface="微软雅黑" panose="020B0503020204020204" pitchFamily="34" charset="-122"/>
+              <a:ea typeface="微软雅黑" panose="020B0503020204020204" pitchFamily="34" charset="-122"/>
             </a:endParaRPr>
           </a:p>
         </p:txBody>
@@ -6359,12 +7324,14 @@
           <a:p>
             <a:r>
               <a:rPr lang="zh-CN" altLang="en-US" sz="2000">
-                <a:ea typeface="等线"/>
+                <a:latin typeface="微软雅黑" panose="020B0503020204020204" pitchFamily="34" charset="-122"/>
+                <a:ea typeface="微软雅黑" panose="020B0503020204020204" pitchFamily="34" charset="-122"/>
               </a:rPr>
               <a:t>不可靠的网络：动态分配网络宽带的方式，请求会出现排队，响应超时等各种情况</a:t>
             </a:r>
             <a:endParaRPr lang="en-US" altLang="zh-CN" sz="2000">
-              <a:ea typeface="等线"/>
+              <a:latin typeface="微软雅黑" panose="020B0503020204020204" pitchFamily="34" charset="-122"/>
+              <a:ea typeface="微软雅黑" panose="020B0503020204020204" pitchFamily="34" charset="-122"/>
             </a:endParaRPr>
           </a:p>
         </p:txBody>
@@ -6834,30 +7801,35 @@
           <a:p>
             <a:r>
               <a:rPr lang="en-US" altLang="zh-CN" sz="2000">
-                <a:ea typeface="等线"/>
+                <a:latin typeface="微软雅黑" panose="020B0503020204020204" pitchFamily="34" charset="-122"/>
+                <a:ea typeface="微软雅黑" panose="020B0503020204020204" pitchFamily="34" charset="-122"/>
               </a:rPr>
               <a:t>NTP </a:t>
             </a:r>
             <a:r>
               <a:rPr lang="zh-CN" altLang="en-US" sz="2000">
-                <a:ea typeface="等线"/>
+                <a:latin typeface="微软雅黑" panose="020B0503020204020204" pitchFamily="34" charset="-122"/>
+                <a:ea typeface="微软雅黑" panose="020B0503020204020204" pitchFamily="34" charset="-122"/>
               </a:rPr>
               <a:t>同步受限于当时的网络环境。</a:t>
             </a:r>
             <a:endParaRPr lang="en-US" altLang="zh-CN" sz="2000">
-              <a:ea typeface="等线"/>
+              <a:latin typeface="微软雅黑" panose="020B0503020204020204" pitchFamily="34" charset="-122"/>
+              <a:ea typeface="微软雅黑" panose="020B0503020204020204" pitchFamily="34" charset="-122"/>
             </a:endParaRPr>
           </a:p>
           <a:p>
             <a:r>
               <a:rPr lang="en-US" altLang="zh-CN" sz="2000" dirty="0">
-                <a:ea typeface="等线"/>
+                <a:latin typeface="微软雅黑" panose="020B0503020204020204" pitchFamily="34" charset="-122"/>
+                <a:ea typeface="微软雅黑" panose="020B0503020204020204" pitchFamily="34" charset="-122"/>
               </a:rPr>
               <a:t>NTP </a:t>
             </a:r>
             <a:r>
               <a:rPr lang="zh-CN" altLang="en-US" sz="2000">
-                <a:ea typeface="等线"/>
+                <a:latin typeface="微软雅黑" panose="020B0503020204020204" pitchFamily="34" charset="-122"/>
+                <a:ea typeface="微软雅黑" panose="020B0503020204020204" pitchFamily="34" charset="-122"/>
               </a:rPr>
               <a:t>服务器本身问题。</a:t>
             </a:r>
@@ -6865,12 +7837,14 @@
           <a:p>
             <a:r>
               <a:rPr lang="zh-CN" altLang="en-US" sz="2000">
-                <a:ea typeface="等线"/>
+                <a:latin typeface="微软雅黑" panose="020B0503020204020204" pitchFamily="34" charset="-122"/>
+                <a:ea typeface="微软雅黑" panose="020B0503020204020204" pitchFamily="34" charset="-122"/>
               </a:rPr>
               <a:t>时钟漂移。</a:t>
             </a:r>
             <a:endParaRPr lang="zh-CN" altLang="en-US" sz="2000" dirty="0">
-              <a:ea typeface="等线"/>
+              <a:latin typeface="微软雅黑" panose="020B0503020204020204" pitchFamily="34" charset="-122"/>
+              <a:ea typeface="微软雅黑" panose="020B0503020204020204" pitchFamily="34" charset="-122"/>
             </a:endParaRPr>
           </a:p>
         </p:txBody>
@@ -6905,12 +7879,14 @@
           <a:p>
             <a:r>
               <a:rPr lang="zh-CN" altLang="en-US" sz="2000">
-                <a:ea typeface="等线"/>
+                <a:latin typeface="微软雅黑" panose="020B0503020204020204" pitchFamily="34" charset="-122"/>
+                <a:ea typeface="微软雅黑" panose="020B0503020204020204" pitchFamily="34" charset="-122"/>
               </a:rPr>
               <a:t>不可靠的时钟</a:t>
             </a:r>
             <a:endParaRPr lang="en-US" altLang="zh-CN" sz="2000" dirty="0">
-              <a:ea typeface="等线" panose="02010600030101010101" pitchFamily="2" charset="-122"/>
+              <a:latin typeface="微软雅黑" panose="020B0503020204020204" pitchFamily="34" charset="-122"/>
+              <a:ea typeface="微软雅黑" panose="020B0503020204020204" pitchFamily="34" charset="-122"/>
             </a:endParaRPr>
           </a:p>
         </p:txBody>
@@ -6969,12 +7945,14 @@
           <a:p>
             <a:r>
               <a:rPr lang="zh-CN" altLang="en-US" sz="2000">
-                <a:ea typeface="等线"/>
+                <a:latin typeface="微软雅黑" panose="020B0503020204020204" pitchFamily="34" charset="-122"/>
+                <a:ea typeface="微软雅黑" panose="020B0503020204020204" pitchFamily="34" charset="-122"/>
               </a:rPr>
               <a:t>拜占庭故障：某些节点不遵从协议，恶意攻击，干扰网络。</a:t>
             </a:r>
             <a:endParaRPr lang="en-US" altLang="zh-CN" sz="2000">
-              <a:ea typeface="等线"/>
+              <a:latin typeface="微软雅黑" panose="020B0503020204020204" pitchFamily="34" charset="-122"/>
+              <a:ea typeface="微软雅黑" panose="020B0503020204020204" pitchFamily="34" charset="-122"/>
             </a:endParaRPr>
           </a:p>
         </p:txBody>
@@ -7009,77 +7987,90 @@
           <a:p>
             <a:r>
               <a:rPr lang="zh-CN" altLang="en-US" sz="2000">
-                <a:ea typeface="等线"/>
+                <a:latin typeface="微软雅黑" panose="020B0503020204020204" pitchFamily="34" charset="-122"/>
+                <a:ea typeface="微软雅黑" panose="020B0503020204020204" pitchFamily="34" charset="-122"/>
               </a:rPr>
               <a:t>航空航天领域</a:t>
             </a:r>
             <a:r>
               <a:rPr lang="en-US" altLang="zh-CN" sz="2000">
-                <a:ea typeface="等线"/>
+                <a:latin typeface="微软雅黑" panose="020B0503020204020204" pitchFamily="34" charset="-122"/>
+                <a:ea typeface="微软雅黑" panose="020B0503020204020204" pitchFamily="34" charset="-122"/>
               </a:rPr>
               <a:t>：</a:t>
             </a:r>
             <a:r>
               <a:rPr lang="zh-CN" altLang="en-US" sz="2000">
-                <a:ea typeface="等线"/>
+                <a:latin typeface="微软雅黑" panose="020B0503020204020204" pitchFamily="34" charset="-122"/>
+                <a:ea typeface="微软雅黑" panose="020B0503020204020204" pitchFamily="34" charset="-122"/>
               </a:rPr>
               <a:t>飞行控制系统由于辐射发生故障，行为不可预知。</a:t>
             </a:r>
             <a:endParaRPr lang="en-US" altLang="zh-CN" sz="2000">
-              <a:ea typeface="等线"/>
+              <a:latin typeface="微软雅黑" panose="020B0503020204020204" pitchFamily="34" charset="-122"/>
+              <a:ea typeface="微软雅黑" panose="020B0503020204020204" pitchFamily="34" charset="-122"/>
             </a:endParaRPr>
           </a:p>
           <a:p>
             <a:r>
               <a:rPr lang="zh-CN" altLang="en-US" sz="2000">
-                <a:ea typeface="等线"/>
+                <a:latin typeface="微软雅黑" panose="020B0503020204020204" pitchFamily="34" charset="-122"/>
+                <a:ea typeface="微软雅黑" panose="020B0503020204020204" pitchFamily="34" charset="-122"/>
               </a:rPr>
               <a:t>区块链：去中心化，让互不信任的人就某项交易达成一致。</a:t>
             </a:r>
             <a:endParaRPr lang="en-US" altLang="zh-CN" sz="2000">
-              <a:ea typeface="等线"/>
+              <a:latin typeface="微软雅黑" panose="020B0503020204020204" pitchFamily="34" charset="-122"/>
+              <a:ea typeface="微软雅黑" panose="020B0503020204020204" pitchFamily="34" charset="-122"/>
             </a:endParaRPr>
           </a:p>
           <a:p>
             <a:pPr lvl="1"/>
             <a:r>
               <a:rPr lang="en-US" altLang="zh-CN" sz="2000" dirty="0">
-                <a:ea typeface="等线"/>
+                <a:latin typeface="微软雅黑" panose="020B0503020204020204" pitchFamily="34" charset="-122"/>
+                <a:ea typeface="微软雅黑" panose="020B0503020204020204" pitchFamily="34" charset="-122"/>
               </a:rPr>
               <a:t>POW - </a:t>
             </a:r>
             <a:r>
               <a:rPr lang="zh-CN" altLang="en-US" sz="2000" dirty="0">
-                <a:ea typeface="等线"/>
+                <a:latin typeface="微软雅黑" panose="020B0503020204020204" pitchFamily="34" charset="-122"/>
+                <a:ea typeface="微软雅黑" panose="020B0503020204020204" pitchFamily="34" charset="-122"/>
               </a:rPr>
               <a:t>工作量证明</a:t>
             </a:r>
             <a:r>
               <a:rPr lang="en-US" altLang="zh-CN" sz="2000" dirty="0">
-                <a:ea typeface="等线"/>
+                <a:latin typeface="微软雅黑" panose="020B0503020204020204" pitchFamily="34" charset="-122"/>
+                <a:ea typeface="微软雅黑" panose="020B0503020204020204" pitchFamily="34" charset="-122"/>
               </a:rPr>
               <a:t>：比特币</a:t>
             </a:r>
             <a:r>
               <a:rPr lang="zh-CN" altLang="en-US" sz="2000" dirty="0">
-                <a:ea typeface="等线"/>
+                <a:latin typeface="微软雅黑" panose="020B0503020204020204" pitchFamily="34" charset="-122"/>
+                <a:ea typeface="微软雅黑" panose="020B0503020204020204" pitchFamily="34" charset="-122"/>
               </a:rPr>
               <a:t>通过 </a:t>
             </a:r>
             <a:r>
               <a:rPr lang="en-US" altLang="zh-CN" sz="2000" dirty="0">
-                <a:ea typeface="等线"/>
+                <a:latin typeface="微软雅黑" panose="020B0503020204020204" pitchFamily="34" charset="-122"/>
+                <a:ea typeface="微软雅黑" panose="020B0503020204020204" pitchFamily="34" charset="-122"/>
               </a:rPr>
               <a:t>POW </a:t>
             </a:r>
             <a:r>
               <a:rPr lang="zh-CN" altLang="en-US" sz="2000">
-                <a:ea typeface="等线"/>
+                <a:latin typeface="微软雅黑" panose="020B0503020204020204" pitchFamily="34" charset="-122"/>
+                <a:ea typeface="微软雅黑" panose="020B0503020204020204" pitchFamily="34" charset="-122"/>
               </a:rPr>
               <a:t>获得记账权。</a:t>
             </a:r>
             <a:endParaRPr lang="en-US" altLang="zh-CN" sz="2000">
-              <a:ea typeface="等线"/>
+              <a:latin typeface="微软雅黑" panose="020B0503020204020204" pitchFamily="34" charset="-122"/>
+              <a:ea typeface="微软雅黑" panose="020B0503020204020204" pitchFamily="34" charset="-122"/>
             </a:endParaRPr>
           </a:p>
         </p:txBody>
@@ -7238,17 +8229,22 @@
           <a:p>
             <a:r>
               <a:rPr lang="zh-CN" altLang="en-US" sz="2000">
-                <a:ea typeface="等线"/>
+                <a:latin typeface="微软雅黑" panose="020B0503020204020204" pitchFamily="34" charset="-122"/>
+                <a:ea typeface="微软雅黑" panose="020B0503020204020204" pitchFamily="34" charset="-122"/>
               </a:rPr>
               <a:t>如何在复杂的分布式环境下做有意义的事情呢</a:t>
             </a:r>
             <a:r>
               <a:rPr lang="en-US" altLang="zh-CN" sz="2000">
-                <a:ea typeface="等线"/>
+                <a:latin typeface="微软雅黑" panose="020B0503020204020204" pitchFamily="34" charset="-122"/>
+                <a:ea typeface="微软雅黑" panose="020B0503020204020204" pitchFamily="34" charset="-122"/>
               </a:rPr>
               <a:t>?</a:t>
             </a:r>
-            <a:endParaRPr lang="en-US"/>
+            <a:endParaRPr lang="en-US">
+              <a:latin typeface="微软雅黑" panose="020B0503020204020204" pitchFamily="34" charset="-122"/>
+              <a:ea typeface="微软雅黑" panose="020B0503020204020204" pitchFamily="34" charset="-122"/>
+            </a:endParaRPr>
           </a:p>
         </p:txBody>
       </p:sp>
@@ -7376,12 +8372,14 @@
           <a:p>
             <a:r>
               <a:rPr lang="zh-CN" altLang="en-US" sz="2000">
-                <a:ea typeface="等线"/>
+                <a:latin typeface="微软雅黑" panose="020B0503020204020204" pitchFamily="34" charset="-122"/>
+                <a:ea typeface="微软雅黑" panose="020B0503020204020204" pitchFamily="34" charset="-122"/>
               </a:rPr>
               <a:t>墨菲定律：所有可能出错的事情一定会出错。</a:t>
             </a:r>
             <a:endParaRPr lang="en-US" altLang="zh-CN" sz="2000">
-              <a:ea typeface="等线"/>
+              <a:latin typeface="微软雅黑" panose="020B0503020204020204" pitchFamily="34" charset="-122"/>
+              <a:ea typeface="微软雅黑" panose="020B0503020204020204" pitchFamily="34" charset="-122"/>
             </a:endParaRPr>
           </a:p>
         </p:txBody>
@@ -7510,77 +8508,92 @@
           <a:p>
             <a:r>
               <a:rPr lang="zh-CN" sz="2000">
-                <a:ea typeface="等线"/>
+                <a:latin typeface="微软雅黑" panose="020B0503020204020204" pitchFamily="34" charset="-122"/>
+                <a:ea typeface="微软雅黑" panose="020B0503020204020204" pitchFamily="34" charset="-122"/>
               </a:rPr>
               <a:t>多节点数据系统存在复制滞后</a:t>
             </a:r>
             <a:r>
               <a:rPr lang="zh-CN" altLang="en-US" sz="2000">
-                <a:ea typeface="等线"/>
+                <a:latin typeface="微软雅黑" panose="020B0503020204020204" pitchFamily="34" charset="-122"/>
+                <a:ea typeface="微软雅黑" panose="020B0503020204020204" pitchFamily="34" charset="-122"/>
               </a:rPr>
               <a:t>、</a:t>
             </a:r>
             <a:r>
               <a:rPr lang="zh-CN" sz="2000">
-                <a:ea typeface="等线"/>
+                <a:latin typeface="微软雅黑" panose="020B0503020204020204" pitchFamily="34" charset="-122"/>
+                <a:ea typeface="微软雅黑" panose="020B0503020204020204" pitchFamily="34" charset="-122"/>
               </a:rPr>
               <a:t>节点失效</a:t>
             </a:r>
             <a:r>
               <a:rPr lang="zh-CN" altLang="en-US" sz="2000">
-                <a:ea typeface="等线"/>
+                <a:latin typeface="微软雅黑" panose="020B0503020204020204" pitchFamily="34" charset="-122"/>
+                <a:ea typeface="微软雅黑" panose="020B0503020204020204" pitchFamily="34" charset="-122"/>
               </a:rPr>
               <a:t>、</a:t>
             </a:r>
             <a:r>
               <a:rPr lang="zh-CN" sz="2000">
-                <a:ea typeface="等线"/>
+                <a:latin typeface="微软雅黑" panose="020B0503020204020204" pitchFamily="34" charset="-122"/>
+                <a:ea typeface="微软雅黑" panose="020B0503020204020204" pitchFamily="34" charset="-122"/>
               </a:rPr>
               <a:t>脑裂</a:t>
             </a:r>
             <a:r>
               <a:rPr lang="zh-CN" altLang="en-US" sz="2000">
-                <a:ea typeface="等线"/>
+                <a:latin typeface="微软雅黑" panose="020B0503020204020204" pitchFamily="34" charset="-122"/>
+                <a:ea typeface="微软雅黑" panose="020B0503020204020204" pitchFamily="34" charset="-122"/>
               </a:rPr>
               <a:t>、</a:t>
             </a:r>
             <a:r>
               <a:rPr lang="zh-CN" sz="2000">
-                <a:ea typeface="等线"/>
+                <a:latin typeface="微软雅黑" panose="020B0503020204020204" pitchFamily="34" charset="-122"/>
+                <a:ea typeface="微软雅黑" panose="020B0503020204020204" pitchFamily="34" charset="-122"/>
               </a:rPr>
               <a:t>网</a:t>
             </a:r>
             <a:r>
               <a:rPr lang="zh-CN" altLang="en-US" sz="2000">
-                <a:ea typeface="等线"/>
+                <a:latin typeface="微软雅黑" panose="020B0503020204020204" pitchFamily="34" charset="-122"/>
+                <a:ea typeface="微软雅黑" panose="020B0503020204020204" pitchFamily="34" charset="-122"/>
               </a:rPr>
               <a:t>络、</a:t>
             </a:r>
             <a:r>
               <a:rPr lang="zh-CN" sz="2000">
-                <a:ea typeface="等线"/>
+                <a:latin typeface="微软雅黑" panose="020B0503020204020204" pitchFamily="34" charset="-122"/>
+                <a:ea typeface="微软雅黑" panose="020B0503020204020204" pitchFamily="34" charset="-122"/>
               </a:rPr>
               <a:t>时钟</a:t>
             </a:r>
             <a:r>
               <a:rPr lang="zh-CN" altLang="en-US" sz="2000">
-                <a:ea typeface="等线"/>
+                <a:latin typeface="微软雅黑" panose="020B0503020204020204" pitchFamily="34" charset="-122"/>
+                <a:ea typeface="微软雅黑" panose="020B0503020204020204" pitchFamily="34" charset="-122"/>
               </a:rPr>
               <a:t>、</a:t>
             </a:r>
             <a:r>
               <a:rPr lang="zh-CN" sz="2000">
-                <a:ea typeface="等线"/>
+                <a:latin typeface="微软雅黑" panose="020B0503020204020204" pitchFamily="34" charset="-122"/>
+                <a:ea typeface="微软雅黑" panose="020B0503020204020204" pitchFamily="34" charset="-122"/>
               </a:rPr>
               <a:t>拜占庭故障等诸多问</a:t>
             </a:r>
             <a:r>
               <a:rPr lang="zh-CN" altLang="en-US" sz="2000">
-                <a:ea typeface="等线"/>
+                <a:latin typeface="微软雅黑" panose="020B0503020204020204" pitchFamily="34" charset="-122"/>
+                <a:ea typeface="微软雅黑" panose="020B0503020204020204" pitchFamily="34" charset="-122"/>
               </a:rPr>
               <a:t>题。</a:t>
             </a:r>
-            <a:endParaRPr lang="en-US"/>
+            <a:endParaRPr lang="en-US">
+              <a:latin typeface="微软雅黑" panose="020B0503020204020204" pitchFamily="34" charset="-122"/>
+              <a:ea typeface="微软雅黑" panose="020B0503020204020204" pitchFamily="34" charset="-122"/>
+            </a:endParaRPr>
           </a:p>
         </p:txBody>
       </p:sp>
@@ -7628,8 +8641,8 @@
         </p:nvSpPr>
         <p:spPr>
           <a:xfrm>
-            <a:off x="622402" y="2593604"/>
-            <a:ext cx="11139470" cy="1015663"/>
+            <a:off x="622402" y="2758196"/>
+            <a:ext cx="10893285" cy="1015663"/>
           </a:xfrm>
           <a:prstGeom prst="rect">
             <a:avLst/>
@@ -7737,120 +8750,122 @@
           </a:lstStyle>
           <a:p>
             <a:r>
-              <a:rPr lang="zh-CN" altLang="en-US" sz="2000">
-                <a:ea typeface="等线"/>
-              </a:rPr>
-              <a:t>没有拜占庭故障：所有节点都在自己的数据中心里</a:t>
-            </a:r>
-            <a:r>
-              <a:rPr lang="en-US" altLang="zh-CN" sz="2000">
-                <a:ea typeface="等线"/>
+              <a:rPr lang="zh-CN" altLang="en-US" sz="2000" dirty="0">
+                <a:latin typeface="微软雅黑" panose="020B0503020204020204" pitchFamily="34" charset="-122"/>
+                <a:ea typeface="微软雅黑" panose="020B0503020204020204" pitchFamily="34" charset="-122"/>
+              </a:rPr>
+              <a:t>没有拜占庭故障：所有节点都在自己的数据中心里，由一个可信任的组织集中控制</a:t>
+            </a:r>
+            <a:r>
+              <a:rPr lang="en-US" altLang="zh-CN" sz="2000" dirty="0">
+                <a:latin typeface="微软雅黑" panose="020B0503020204020204" pitchFamily="34" charset="-122"/>
+                <a:ea typeface="微软雅黑" panose="020B0503020204020204" pitchFamily="34" charset="-122"/>
+              </a:rPr>
+              <a:t>。</a:t>
+            </a:r>
+            <a:endParaRPr lang="zh-CN" altLang="en-US" sz="2000" dirty="0">
+              <a:latin typeface="微软雅黑" panose="020B0503020204020204" pitchFamily="34" charset="-122"/>
+              <a:ea typeface="微软雅黑" panose="020B0503020204020204" pitchFamily="34" charset="-122"/>
+            </a:endParaRPr>
+          </a:p>
+          <a:p>
+            <a:r>
+              <a:rPr lang="zh-CN" altLang="en-US" sz="2000" dirty="0">
+                <a:latin typeface="微软雅黑" panose="020B0503020204020204" pitchFamily="34" charset="-122"/>
+                <a:ea typeface="微软雅黑" panose="020B0503020204020204" pitchFamily="34" charset="-122"/>
+              </a:rPr>
+              <a:t>计时方面</a:t>
+            </a:r>
+            <a:r>
+              <a:rPr lang="en-US" altLang="zh-CN" sz="2000" dirty="0">
+                <a:latin typeface="微软雅黑" panose="020B0503020204020204" pitchFamily="34" charset="-122"/>
+                <a:ea typeface="微软雅黑" panose="020B0503020204020204" pitchFamily="34" charset="-122"/>
+              </a:rPr>
+              <a:t>：</a:t>
+            </a:r>
+            <a:r>
+              <a:rPr lang="zh-CN" altLang="en-US" sz="2000" dirty="0">
+                <a:latin typeface="微软雅黑" panose="020B0503020204020204" pitchFamily="34" charset="-122"/>
+                <a:ea typeface="微软雅黑" panose="020B0503020204020204" pitchFamily="34" charset="-122"/>
+              </a:rPr>
+              <a:t>假定进程暂停和时钟漂移有上界</a:t>
+            </a:r>
+            <a:r>
+              <a:rPr lang="en-US" altLang="zh-CN" sz="2000" dirty="0">
+                <a:latin typeface="微软雅黑" panose="020B0503020204020204" pitchFamily="34" charset="-122"/>
+                <a:ea typeface="微软雅黑" panose="020B0503020204020204" pitchFamily="34" charset="-122"/>
               </a:rPr>
               <a:t>，</a:t>
             </a:r>
             <a:r>
-              <a:rPr lang="zh-CN" altLang="en-US" sz="2000">
-                <a:ea typeface="等线"/>
-              </a:rPr>
-              <a:t>由一个可信任的组织集中控制</a:t>
+              <a:rPr lang="zh-CN" altLang="en-US" sz="2000" dirty="0">
+                <a:latin typeface="微软雅黑" panose="020B0503020204020204" pitchFamily="34" charset="-122"/>
+                <a:ea typeface="微软雅黑" panose="020B0503020204020204" pitchFamily="34" charset="-122"/>
+              </a:rPr>
+              <a:t>大多数情况下</a:t>
             </a:r>
             <a:r>
               <a:rPr lang="en-US" altLang="zh-CN" sz="2000" dirty="0">
-                <a:ea typeface="等线"/>
+                <a:latin typeface="微软雅黑" panose="020B0503020204020204" pitchFamily="34" charset="-122"/>
+                <a:ea typeface="微软雅黑" panose="020B0503020204020204" pitchFamily="34" charset="-122"/>
+              </a:rPr>
+              <a:t>，</a:t>
+            </a:r>
+            <a:r>
+              <a:rPr lang="zh-CN" altLang="en-US" sz="2000" dirty="0">
+                <a:latin typeface="微软雅黑" panose="020B0503020204020204" pitchFamily="34" charset="-122"/>
+                <a:ea typeface="微软雅黑" panose="020B0503020204020204" pitchFamily="34" charset="-122"/>
+              </a:rPr>
+              <a:t>网络和进程都比较稳定</a:t>
+            </a:r>
+            <a:r>
+              <a:rPr lang="en-US" altLang="zh-CN" sz="2000" dirty="0">
+                <a:latin typeface="微软雅黑" panose="020B0503020204020204" pitchFamily="34" charset="-122"/>
+                <a:ea typeface="微软雅黑" panose="020B0503020204020204" pitchFamily="34" charset="-122"/>
               </a:rPr>
               <a:t>。</a:t>
             </a:r>
-            <a:endParaRPr lang="zh-CN" altLang="en-US" sz="2000" dirty="0">
-              <a:ea typeface="等线"/>
+          </a:p>
+          <a:p>
+            <a:r>
+              <a:rPr lang="zh-CN" altLang="en-US" sz="2000" dirty="0">
+                <a:latin typeface="微软雅黑" panose="020B0503020204020204" pitchFamily="34" charset="-122"/>
+                <a:ea typeface="微软雅黑" panose="020B0503020204020204" pitchFamily="34" charset="-122"/>
+              </a:rPr>
+              <a:t>节点失效方面</a:t>
+            </a:r>
+            <a:r>
+              <a:rPr lang="en-US" altLang="zh-CN" sz="2000" dirty="0">
+                <a:latin typeface="微软雅黑" panose="020B0503020204020204" pitchFamily="34" charset="-122"/>
+                <a:ea typeface="微软雅黑" panose="020B0503020204020204" pitchFamily="34" charset="-122"/>
+              </a:rPr>
+              <a:t>：</a:t>
+            </a:r>
+            <a:r>
+              <a:rPr lang="zh-CN" altLang="en-US" sz="2000" dirty="0">
+                <a:latin typeface="微软雅黑" panose="020B0503020204020204" pitchFamily="34" charset="-122"/>
+                <a:ea typeface="微软雅黑" panose="020B0503020204020204" pitchFamily="34" charset="-122"/>
+              </a:rPr>
+              <a:t>假定节点可能会奔溃</a:t>
+            </a:r>
+            <a:r>
+              <a:rPr lang="en-US" altLang="zh-CN" sz="2000" dirty="0">
+                <a:latin typeface="微软雅黑" panose="020B0503020204020204" pitchFamily="34" charset="-122"/>
+                <a:ea typeface="微软雅黑" panose="020B0503020204020204" pitchFamily="34" charset="-122"/>
+              </a:rPr>
+              <a:t>，</a:t>
+            </a:r>
+            <a:r>
+              <a:rPr lang="zh-CN" altLang="en-US" sz="2000" dirty="0">
+                <a:latin typeface="微软雅黑" panose="020B0503020204020204" pitchFamily="34" charset="-122"/>
+                <a:ea typeface="微软雅黑" panose="020B0503020204020204" pitchFamily="34" charset="-122"/>
+              </a:rPr>
+              <a:t>并且会在一段时间后再其次响应。</a:t>
+            </a:r>
+            <a:endParaRPr lang="en-US" altLang="zh-CN" sz="2000" dirty="0">
+              <a:latin typeface="微软雅黑" panose="020B0503020204020204" pitchFamily="34" charset="-122"/>
+              <a:ea typeface="微软雅黑" panose="020B0503020204020204" pitchFamily="34" charset="-122"/>
             </a:endParaRPr>
-          </a:p>
-          <a:p>
-            <a:r>
-              <a:rPr lang="zh-CN" altLang="en-US" sz="2000">
-                <a:ea typeface="等线"/>
-              </a:rPr>
-              <a:t>计时方面</a:t>
-            </a:r>
-            <a:r>
-              <a:rPr lang="en-US" altLang="zh-CN" sz="2000">
-                <a:ea typeface="等线"/>
-              </a:rPr>
-              <a:t>：</a:t>
-            </a:r>
-            <a:r>
-              <a:rPr lang="zh-CN" altLang="en-US" sz="2000">
-                <a:ea typeface="等线"/>
-              </a:rPr>
-              <a:t>假定进程暂停和时钟漂移有上界</a:t>
-            </a:r>
-            <a:r>
-              <a:rPr lang="en-US" altLang="zh-CN" sz="2000">
-                <a:ea typeface="等线"/>
-              </a:rPr>
-              <a:t>，</a:t>
-            </a:r>
-            <a:r>
-              <a:rPr lang="zh-CN" altLang="en-US" sz="2000">
-                <a:ea typeface="等线"/>
-              </a:rPr>
-              <a:t>大多数情况下</a:t>
-            </a:r>
-            <a:r>
-              <a:rPr lang="en-US" altLang="zh-CN" sz="2000">
-                <a:ea typeface="等线"/>
-              </a:rPr>
-              <a:t>，</a:t>
-            </a:r>
-            <a:r>
-              <a:rPr lang="zh-CN" altLang="en-US" sz="2000">
-                <a:ea typeface="等线"/>
-              </a:rPr>
-              <a:t>网络和进程都比较稳定</a:t>
-            </a:r>
-            <a:r>
-              <a:rPr lang="en-US" altLang="zh-CN" sz="2000">
-                <a:ea typeface="等线"/>
-              </a:rPr>
-              <a:t>。</a:t>
-            </a:r>
-          </a:p>
-          <a:p>
-            <a:r>
-              <a:rPr lang="zh-CN" altLang="en-US" sz="2000">
-                <a:ea typeface="等线"/>
-              </a:rPr>
-              <a:t>节点失效方面</a:t>
-            </a:r>
-            <a:r>
-              <a:rPr lang="en-US" altLang="zh-CN" sz="2000">
-                <a:ea typeface="等线"/>
-              </a:rPr>
-              <a:t>：</a:t>
-            </a:r>
-            <a:r>
-              <a:rPr lang="zh-CN" altLang="en-US" sz="2000">
-                <a:ea typeface="等线"/>
-              </a:rPr>
-              <a:t>假定节点可能会奔溃</a:t>
-            </a:r>
-            <a:r>
-              <a:rPr lang="en-US" altLang="zh-CN" sz="2000">
-                <a:ea typeface="等线"/>
-              </a:rPr>
-              <a:t>，</a:t>
-            </a:r>
-            <a:r>
-              <a:rPr lang="zh-CN" altLang="en-US" sz="2000">
-                <a:ea typeface="等线"/>
-              </a:rPr>
-              <a:t>并且会在一段时间后再其次响应</a:t>
-            </a:r>
-            <a:r>
-              <a:rPr lang="en-US" altLang="zh-CN" sz="2000">
-                <a:ea typeface="等线"/>
-              </a:rPr>
-              <a:t>。</a:t>
-            </a:r>
           </a:p>
         </p:txBody>
       </p:sp>
@@ -7978,13 +8993,68 @@
           <a:p>
             <a:r>
               <a:rPr lang="zh-CN" altLang="en-US" sz="2000">
-                <a:ea typeface="等线"/>
+                <a:latin typeface="微软雅黑" panose="020B0503020204020204" pitchFamily="34" charset="-122"/>
+                <a:ea typeface="微软雅黑" panose="020B0503020204020204" pitchFamily="34" charset="-122"/>
               </a:rPr>
               <a:t>系统模型</a:t>
             </a:r>
             <a:endParaRPr lang="en-US" altLang="zh-CN" sz="2000">
-              <a:ea typeface="等线"/>
+              <a:latin typeface="微软雅黑" panose="020B0503020204020204" pitchFamily="34" charset="-122"/>
+              <a:ea typeface="微软雅黑" panose="020B0503020204020204" pitchFamily="34" charset="-122"/>
             </a:endParaRPr>
+          </a:p>
+        </p:txBody>
+      </p:sp>
+      <p:sp>
+        <p:nvSpPr>
+          <p:cNvPr id="6" name="文本框 5"/>
+          <p:cNvSpPr txBox="1"/>
+          <p:nvPr/>
+        </p:nvSpPr>
+        <p:spPr>
+          <a:xfrm>
+            <a:off x="622401" y="4837025"/>
+            <a:ext cx="10319481" cy="400110"/>
+          </a:xfrm>
+          <a:prstGeom prst="rect">
+            <a:avLst/>
+          </a:prstGeom>
+          <a:noFill/>
+        </p:spPr>
+        <p:txBody>
+          <a:bodyPr wrap="square" rtlCol="0">
+            <a:spAutoFit/>
+          </a:bodyPr>
+          <a:lstStyle/>
+          <a:p>
+            <a:r>
+              <a:rPr lang="zh-CN" altLang="en-US" sz="2000" dirty="0">
+                <a:latin typeface="微软雅黑" panose="020B0503020204020204" pitchFamily="34" charset="-122"/>
+                <a:ea typeface="微软雅黑" panose="020B0503020204020204" pitchFamily="34" charset="-122"/>
+              </a:rPr>
+              <a:t>在这种模型下</a:t>
+            </a:r>
+            <a:r>
+              <a:rPr lang="en-US" altLang="zh-CN" sz="2000" dirty="0">
+                <a:latin typeface="微软雅黑" panose="020B0503020204020204" pitchFamily="34" charset="-122"/>
+                <a:ea typeface="微软雅黑" panose="020B0503020204020204" pitchFamily="34" charset="-122"/>
+              </a:rPr>
+              <a:t>, </a:t>
+            </a:r>
+            <a:r>
+              <a:rPr lang="zh-CN" altLang="en-US" sz="2000" dirty="0">
+                <a:latin typeface="微软雅黑" panose="020B0503020204020204" pitchFamily="34" charset="-122"/>
+                <a:ea typeface="微软雅黑" panose="020B0503020204020204" pitchFamily="34" charset="-122"/>
+              </a:rPr>
+              <a:t>期望能够解决什么问题呢</a:t>
+            </a:r>
+            <a:r>
+              <a:rPr lang="en-US" altLang="zh-CN" sz="2000" dirty="0">
+                <a:latin typeface="微软雅黑" panose="020B0503020204020204" pitchFamily="34" charset="-122"/>
+                <a:ea typeface="微软雅黑" panose="020B0503020204020204" pitchFamily="34" charset="-122"/>
+              </a:rPr>
+              <a:t>? </a:t>
+            </a:r>
           </a:p>
         </p:txBody>
       </p:sp>
@@ -8020,14 +9090,14 @@
       </p:grpSpPr>
       <p:sp>
         <p:nvSpPr>
-          <p:cNvPr id="4" name="文本框 3"/>
+          <p:cNvPr id="5" name="文本框 4"/>
           <p:cNvSpPr txBox="1"/>
           <p:nvPr/>
         </p:nvSpPr>
         <p:spPr>
           <a:xfrm>
-            <a:off x="907761" y="787179"/>
-            <a:ext cx="10319481" cy="369332"/>
+            <a:off x="905368" y="1873080"/>
+            <a:ext cx="10319481" cy="707886"/>
           </a:xfrm>
           <a:prstGeom prst="rect">
             <a:avLst/>
@@ -8041,228 +9111,29 @@
           <a:lstStyle/>
           <a:p>
             <a:r>
-              <a:rPr lang="zh-CN" altLang="en-US" dirty="0"/>
-              <a:t>在这种模型下</a:t>
-            </a:r>
-            <a:r>
-              <a:rPr lang="en-US" altLang="zh-CN" dirty="0"/>
-              <a:t>, </a:t>
-            </a:r>
-            <a:r>
-              <a:rPr lang="zh-CN" altLang="en-US" dirty="0"/>
-              <a:t>期望能够解决什么问题呢</a:t>
-            </a:r>
-            <a:r>
-              <a:rPr lang="en-US" altLang="zh-CN" dirty="0"/>
-              <a:t>? </a:t>
-            </a:r>
-          </a:p>
-        </p:txBody>
-      </p:sp>
-      <p:sp>
-        <p:nvSpPr>
-          <p:cNvPr id="5" name="文本框 4"/>
-          <p:cNvSpPr txBox="1"/>
-          <p:nvPr/>
-        </p:nvSpPr>
-        <p:spPr>
-          <a:xfrm>
-            <a:off x="905369" y="1892814"/>
-            <a:ext cx="10319481" cy="2031325"/>
-          </a:xfrm>
-          <a:prstGeom prst="rect">
-            <a:avLst/>
-          </a:prstGeom>
-          <a:noFill/>
-        </p:spPr>
-        <p:txBody>
-          <a:bodyPr wrap="square" rtlCol="0">
-            <a:spAutoFit/>
-          </a:bodyPr>
-          <a:lstStyle/>
-          <a:p>
-            <a:r>
-              <a:rPr lang="zh-CN" altLang="en-US" dirty="0"/>
-              <a:t>复仇者联盟</a:t>
-            </a:r>
-            <a:r>
-              <a:rPr lang="en-US" altLang="zh-CN" dirty="0"/>
-              <a:t>4: </a:t>
-            </a:r>
-            <a:r>
-              <a:rPr lang="zh-CN" altLang="en-US" dirty="0"/>
-              <a:t>时空劫持</a:t>
-            </a:r>
-            <a:r>
-              <a:rPr lang="en-US" altLang="zh-CN" dirty="0"/>
-              <a:t>: </a:t>
-            </a:r>
-            <a:r>
-              <a:rPr lang="zh-CN" altLang="en-US" dirty="0"/>
-              <a:t>宇宙还是同一个宇宙</a:t>
-            </a:r>
-            <a:r>
-              <a:rPr lang="en-US" altLang="zh-CN" dirty="0"/>
-              <a:t>, </a:t>
-            </a:r>
-            <a:r>
-              <a:rPr lang="zh-CN" altLang="en-US" dirty="0"/>
-              <a:t>回到的过去就是现在的未来</a:t>
-            </a:r>
-            <a:r>
-              <a:rPr lang="en-US" altLang="zh-CN" dirty="0"/>
-              <a:t>, </a:t>
-            </a:r>
-            <a:r>
-              <a:rPr lang="zh-CN" altLang="en-US" dirty="0"/>
-              <a:t>我们的现在就是未来的过去</a:t>
-            </a:r>
-            <a:r>
-              <a:rPr lang="en-US" altLang="zh-CN" dirty="0"/>
-              <a:t>.</a:t>
-            </a:r>
-            <a:r>
-              <a:rPr lang="zh-CN" altLang="en-US" dirty="0"/>
-              <a:t>钢铁侠还专门做了一个莫比乌斯环的模型</a:t>
-            </a:r>
-            <a:r>
-              <a:rPr lang="en-US" altLang="zh-CN" dirty="0"/>
-              <a:t>. </a:t>
-            </a:r>
-            <a:r>
-              <a:rPr lang="zh-CN" altLang="en-US" dirty="0"/>
-              <a:t>验证其正确性</a:t>
-            </a:r>
-            <a:r>
-              <a:rPr lang="en-US" altLang="zh-CN" dirty="0"/>
-              <a:t>.</a:t>
-            </a:r>
-          </a:p>
-          <a:p>
-            <a:r>
-              <a:rPr lang="zh-CN" altLang="en-US" dirty="0"/>
-              <a:t>回到过去拿宝石</a:t>
-            </a:r>
-            <a:r>
-              <a:rPr lang="en-US" altLang="zh-CN" dirty="0"/>
-              <a:t>, </a:t>
-            </a:r>
-            <a:r>
-              <a:rPr lang="zh-CN" altLang="en-US" dirty="0"/>
-              <a:t>胜利后还是要把宝石还回去</a:t>
-            </a:r>
-            <a:r>
-              <a:rPr lang="en-US" altLang="zh-CN" dirty="0"/>
-              <a:t>, </a:t>
-            </a:r>
-            <a:r>
-              <a:rPr lang="zh-CN" altLang="en-US" dirty="0"/>
-              <a:t>确保不会产生平行宇宙</a:t>
-            </a:r>
-            <a:r>
-              <a:rPr lang="en-US" altLang="zh-CN" dirty="0"/>
-              <a:t>. </a:t>
-            </a:r>
-            <a:r>
-              <a:rPr lang="zh-CN" altLang="en-US" dirty="0"/>
-              <a:t>强调不要做对过去有重大影响的事情</a:t>
-            </a:r>
-            <a:r>
-              <a:rPr lang="en-US" altLang="zh-CN" dirty="0"/>
-              <a:t>. </a:t>
-            </a:r>
-            <a:r>
-              <a:rPr lang="zh-CN" altLang="en-US" dirty="0"/>
-              <a:t>侧面说明了顺序和因果关系的重要性</a:t>
-            </a:r>
-            <a:r>
-              <a:rPr lang="en-US" altLang="zh-CN" dirty="0"/>
-              <a:t>.</a:t>
-            </a:r>
-          </a:p>
-          <a:p>
-            <a:r>
-              <a:rPr lang="zh-CN" altLang="en-US" dirty="0"/>
-              <a:t>这个在单节点系统中可以通过事务实现</a:t>
-            </a:r>
-            <a:r>
-              <a:rPr lang="en-US" altLang="zh-CN" dirty="0"/>
-              <a:t>. </a:t>
-            </a:r>
-            <a:r>
-              <a:rPr lang="zh-CN" altLang="en-US" dirty="0"/>
-              <a:t>在分布式系统中</a:t>
-            </a:r>
-            <a:r>
-              <a:rPr lang="en-US" altLang="zh-CN" dirty="0"/>
-              <a:t>,</a:t>
-            </a:r>
-            <a:r>
-              <a:rPr lang="zh-CN" altLang="en-US" dirty="0"/>
-              <a:t>多个节点由于网络和时间的复杂性</a:t>
-            </a:r>
-            <a:r>
-              <a:rPr lang="en-US" altLang="zh-CN" dirty="0"/>
-              <a:t>, </a:t>
-            </a:r>
-            <a:r>
-              <a:rPr lang="zh-CN" altLang="en-US" dirty="0"/>
-              <a:t>更需要确保顺序和因果关系</a:t>
-            </a:r>
-            <a:r>
-              <a:rPr lang="en-US" altLang="zh-CN" dirty="0"/>
-              <a:t>.  </a:t>
-            </a:r>
-            <a:r>
-              <a:rPr lang="zh-CN" altLang="en-US" dirty="0"/>
-              <a:t>比如</a:t>
-            </a:r>
-            <a:r>
-              <a:rPr lang="en-US" altLang="zh-CN" dirty="0"/>
-              <a:t>: </a:t>
-            </a:r>
-            <a:r>
-              <a:rPr lang="zh-CN" altLang="en-US" dirty="0"/>
-              <a:t>看直播</a:t>
-            </a:r>
-            <a:r>
-              <a:rPr lang="en-US" altLang="zh-CN" dirty="0"/>
-              <a:t>, </a:t>
-            </a:r>
-            <a:r>
-              <a:rPr lang="zh-CN" altLang="en-US" dirty="0"/>
-              <a:t>中国队赢了</a:t>
-            </a:r>
-            <a:r>
-              <a:rPr lang="en-US" altLang="zh-CN" dirty="0"/>
-              <a:t>, </a:t>
-            </a:r>
-            <a:r>
-              <a:rPr lang="zh-CN" altLang="en-US" dirty="0"/>
-              <a:t>平局哦</a:t>
-            </a:r>
-            <a:r>
-              <a:rPr lang="en-US" altLang="zh-CN" dirty="0"/>
-              <a:t>.</a:t>
-            </a:r>
-          </a:p>
-          <a:p>
-            <a:r>
-              <a:rPr lang="zh-CN" altLang="en-US" dirty="0"/>
-              <a:t>使得整个系统看起来好像只有一个数据副本</a:t>
-            </a:r>
-            <a:r>
-              <a:rPr lang="en-US" altLang="zh-CN" dirty="0"/>
-              <a:t>. </a:t>
-            </a:r>
-            <a:r>
-              <a:rPr lang="zh-CN" altLang="en-US" dirty="0"/>
-              <a:t>称为可线性化</a:t>
-            </a:r>
-            <a:r>
-              <a:rPr lang="en-US" altLang="zh-CN" dirty="0"/>
-              <a:t>.</a:t>
-            </a:r>
+              <a:rPr lang="zh-CN" altLang="en-US" sz="2000" dirty="0">
+                <a:latin typeface="微软雅黑" panose="020B0503020204020204" pitchFamily="34" charset="-122"/>
+                <a:ea typeface="微软雅黑" panose="020B0503020204020204" pitchFamily="34" charset="-122"/>
+              </a:rPr>
+              <a:t>这个在单节点系统中可以通过事务实现。</a:t>
+            </a:r>
+            <a:endParaRPr lang="en-US" altLang="zh-CN" sz="2000" dirty="0">
+              <a:latin typeface="微软雅黑" panose="020B0503020204020204" pitchFamily="34" charset="-122"/>
+              <a:ea typeface="微软雅黑" panose="020B0503020204020204" pitchFamily="34" charset="-122"/>
+            </a:endParaRPr>
+          </a:p>
+          <a:p>
+            <a:r>
+              <a:rPr lang="zh-CN" altLang="en-US" sz="2000" dirty="0">
+                <a:latin typeface="微软雅黑" panose="020B0503020204020204" pitchFamily="34" charset="-122"/>
+                <a:ea typeface="微软雅黑" panose="020B0503020204020204" pitchFamily="34" charset="-122"/>
+              </a:rPr>
+              <a:t>在分布式系统中，多个节点由于网络和时间的复杂性，更需要确保顺序和因果关系。</a:t>
+            </a:r>
+            <a:endParaRPr lang="en-US" altLang="zh-CN" sz="2000" dirty="0">
+              <a:latin typeface="微软雅黑" panose="020B0503020204020204" pitchFamily="34" charset="-122"/>
+              <a:ea typeface="微软雅黑" panose="020B0503020204020204" pitchFamily="34" charset="-122"/>
+            </a:endParaRPr>
           </a:p>
         </p:txBody>
       </p:sp>
@@ -8677,6 +9548,78 @@
           </a:fontRef>
         </p:style>
       </p:cxnSp>
+      <p:sp>
+        <p:nvSpPr>
+          <p:cNvPr id="17" name="文本框 16"/>
+          <p:cNvSpPr txBox="1"/>
+          <p:nvPr/>
+        </p:nvSpPr>
+        <p:spPr>
+          <a:xfrm>
+            <a:off x="905368" y="1136265"/>
+            <a:ext cx="10319481" cy="400110"/>
+          </a:xfrm>
+          <a:prstGeom prst="rect">
+            <a:avLst/>
+          </a:prstGeom>
+          <a:noFill/>
+        </p:spPr>
+        <p:txBody>
+          <a:bodyPr wrap="square" rtlCol="0">
+            <a:spAutoFit/>
+          </a:bodyPr>
+          <a:lstStyle/>
+          <a:p>
+            <a:r>
+              <a:rPr lang="zh-CN" altLang="en-US" sz="2000" dirty="0">
+                <a:latin typeface="微软雅黑" panose="020B0503020204020204" pitchFamily="34" charset="-122"/>
+                <a:ea typeface="微软雅黑" panose="020B0503020204020204" pitchFamily="34" charset="-122"/>
+              </a:rPr>
+              <a:t>顺序和因果关系</a:t>
+            </a:r>
+            <a:endParaRPr lang="en-US" altLang="zh-CN" sz="2000" dirty="0">
+              <a:latin typeface="微软雅黑" panose="020B0503020204020204" pitchFamily="34" charset="-122"/>
+              <a:ea typeface="微软雅黑" panose="020B0503020204020204" pitchFamily="34" charset="-122"/>
+            </a:endParaRPr>
+          </a:p>
+        </p:txBody>
+      </p:sp>
+      <p:sp>
+        <p:nvSpPr>
+          <p:cNvPr id="19" name="文本框 18"/>
+          <p:cNvSpPr txBox="1"/>
+          <p:nvPr/>
+        </p:nvSpPr>
+        <p:spPr>
+          <a:xfrm>
+            <a:off x="905368" y="3052235"/>
+            <a:ext cx="10319481" cy="400110"/>
+          </a:xfrm>
+          <a:prstGeom prst="rect">
+            <a:avLst/>
+          </a:prstGeom>
+          <a:noFill/>
+        </p:spPr>
+        <p:txBody>
+          <a:bodyPr wrap="square" rtlCol="0">
+            <a:spAutoFit/>
+          </a:bodyPr>
+          <a:lstStyle/>
+          <a:p>
+            <a:r>
+              <a:rPr lang="zh-CN" altLang="en-US" sz="2000" dirty="0">
+                <a:latin typeface="微软雅黑" panose="020B0503020204020204" pitchFamily="34" charset="-122"/>
+                <a:ea typeface="微软雅黑" panose="020B0503020204020204" pitchFamily="34" charset="-122"/>
+              </a:rPr>
+              <a:t>可线性化：使得整个系统看起来好像只有一个数据副本，符合顺序和因果关系。</a:t>
+            </a:r>
+            <a:endParaRPr lang="en-US" altLang="zh-CN" sz="2000" dirty="0">
+              <a:latin typeface="微软雅黑" panose="020B0503020204020204" pitchFamily="34" charset="-122"/>
+              <a:ea typeface="微软雅黑" panose="020B0503020204020204" pitchFamily="34" charset="-122"/>
+            </a:endParaRPr>
+          </a:p>
+        </p:txBody>
+      </p:sp>
     </p:spTree>
     <p:extLst>
       <p:ext uri="{BB962C8B-B14F-4D97-AF65-F5344CB8AC3E}">
@@ -8715,8 +9658,8 @@
         </p:nvSpPr>
         <p:spPr>
           <a:xfrm>
-            <a:off x="907761" y="787179"/>
-            <a:ext cx="10319481" cy="646331"/>
+            <a:off x="898134" y="1412821"/>
+            <a:ext cx="10319481" cy="707886"/>
           </a:xfrm>
           <a:prstGeom prst="rect">
             <a:avLst/>
@@ -8730,47 +9673,29 @@
           <a:lstStyle/>
           <a:p>
             <a:r>
-              <a:rPr lang="zh-CN" altLang="en-US" dirty="0"/>
+              <a:rPr lang="zh-CN" altLang="en-US" sz="2000" dirty="0">
+                <a:latin typeface="微软雅黑" panose="020B0503020204020204" pitchFamily="34" charset="-122"/>
+                <a:ea typeface="微软雅黑" panose="020B0503020204020204" pitchFamily="34" charset="-122"/>
+              </a:rPr>
               <a:t>原子提交</a:t>
             </a:r>
-            <a:r>
-              <a:rPr lang="en-US" altLang="zh-CN" dirty="0"/>
-              <a:t>.</a:t>
-            </a:r>
-          </a:p>
-          <a:p>
-            <a:r>
-              <a:rPr lang="zh-CN" altLang="en-US" dirty="0"/>
-              <a:t>单节点执行事务时</a:t>
-            </a:r>
-            <a:r>
-              <a:rPr lang="en-US" altLang="zh-CN" dirty="0"/>
-              <a:t>, </a:t>
-            </a:r>
-            <a:r>
-              <a:rPr lang="zh-CN" altLang="en-US" dirty="0"/>
-              <a:t>要么全部成功</a:t>
-            </a:r>
-            <a:r>
-              <a:rPr lang="en-US" altLang="zh-CN" dirty="0"/>
-              <a:t>, </a:t>
-            </a:r>
-            <a:r>
-              <a:rPr lang="zh-CN" altLang="en-US" dirty="0"/>
-              <a:t>要么全部失败</a:t>
-            </a:r>
-            <a:r>
-              <a:rPr lang="en-US" altLang="zh-CN" dirty="0"/>
-              <a:t>, </a:t>
-            </a:r>
-            <a:r>
-              <a:rPr lang="zh-CN" altLang="en-US" dirty="0"/>
-              <a:t>希望在多节点上也能满足原子性</a:t>
-            </a:r>
-            <a:r>
-              <a:rPr lang="en-US" altLang="zh-CN" dirty="0"/>
-              <a:t>.</a:t>
-            </a:r>
+            <a:endParaRPr lang="en-US" altLang="zh-CN" sz="2000" dirty="0">
+              <a:latin typeface="微软雅黑" panose="020B0503020204020204" pitchFamily="34" charset="-122"/>
+              <a:ea typeface="微软雅黑" panose="020B0503020204020204" pitchFamily="34" charset="-122"/>
+            </a:endParaRPr>
+          </a:p>
+          <a:p>
+            <a:r>
+              <a:rPr lang="zh-CN" altLang="en-US" sz="2000" dirty="0">
+                <a:latin typeface="微软雅黑" panose="020B0503020204020204" pitchFamily="34" charset="-122"/>
+                <a:ea typeface="微软雅黑" panose="020B0503020204020204" pitchFamily="34" charset="-122"/>
+              </a:rPr>
+              <a:t>单节点执行事务时，要么全部成功，要么全部失败，希望在多节点上也能满足原子性。</a:t>
+            </a:r>
+            <a:endParaRPr lang="en-US" altLang="zh-CN" sz="2000" dirty="0">
+              <a:latin typeface="微软雅黑" panose="020B0503020204020204" pitchFamily="34" charset="-122"/>
+              <a:ea typeface="微软雅黑" panose="020B0503020204020204" pitchFamily="34" charset="-122"/>
+            </a:endParaRPr>
           </a:p>
         </p:txBody>
       </p:sp>
@@ -8782,8 +9707,8 @@
         </p:nvSpPr>
         <p:spPr>
           <a:xfrm>
-            <a:off x="907760" y="1997102"/>
-            <a:ext cx="10319481" cy="646331"/>
+            <a:off x="898133" y="2622744"/>
+            <a:ext cx="10319481" cy="707886"/>
           </a:xfrm>
           <a:prstGeom prst="rect">
             <a:avLst/>
@@ -8797,47 +9722,43 @@
           <a:lstStyle/>
           <a:p>
             <a:r>
-              <a:rPr lang="zh-CN" altLang="en-US" dirty="0"/>
+              <a:rPr lang="zh-CN" altLang="en-US" sz="2000" dirty="0">
+                <a:latin typeface="微软雅黑" panose="020B0503020204020204" pitchFamily="34" charset="-122"/>
+                <a:ea typeface="微软雅黑" panose="020B0503020204020204" pitchFamily="34" charset="-122"/>
+              </a:rPr>
               <a:t>锁与租约 </a:t>
             </a:r>
             <a:r>
-              <a:rPr lang="en-US" altLang="zh-CN" dirty="0"/>
+              <a:rPr lang="en-US" altLang="zh-CN" sz="2000" dirty="0">
+                <a:latin typeface="微软雅黑" panose="020B0503020204020204" pitchFamily="34" charset="-122"/>
+                <a:ea typeface="微软雅黑" panose="020B0503020204020204" pitchFamily="34" charset="-122"/>
+              </a:rPr>
               <a:t>/ </a:t>
             </a:r>
             <a:r>
-              <a:rPr lang="zh-CN" altLang="en-US" dirty="0"/>
+              <a:rPr lang="zh-CN" altLang="en-US" sz="2000" dirty="0">
+                <a:latin typeface="微软雅黑" panose="020B0503020204020204" pitchFamily="34" charset="-122"/>
+                <a:ea typeface="微软雅黑" panose="020B0503020204020204" pitchFamily="34" charset="-122"/>
+              </a:rPr>
               <a:t>唯一性约束</a:t>
             </a:r>
-            <a:r>
-              <a:rPr lang="en-US" altLang="zh-CN" dirty="0"/>
-              <a:t>.</a:t>
-            </a:r>
-          </a:p>
-          <a:p>
-            <a:r>
-              <a:rPr lang="zh-CN" altLang="en-US" dirty="0"/>
-              <a:t>客户端争夺锁时</a:t>
-            </a:r>
-            <a:r>
-              <a:rPr lang="en-US" altLang="zh-CN" dirty="0"/>
-              <a:t>, </a:t>
-            </a:r>
-            <a:r>
-              <a:rPr lang="zh-CN" altLang="en-US" dirty="0"/>
-              <a:t>要决定其中的一个成功</a:t>
-            </a:r>
-            <a:r>
-              <a:rPr lang="en-US" altLang="zh-CN" dirty="0"/>
-              <a:t>, </a:t>
-            </a:r>
-            <a:r>
-              <a:rPr lang="zh-CN" altLang="en-US" dirty="0"/>
-              <a:t>其他失败</a:t>
-            </a:r>
-            <a:r>
-              <a:rPr lang="en-US" altLang="zh-CN" dirty="0"/>
-              <a:t>.</a:t>
-            </a:r>
+            <a:endParaRPr lang="en-US" altLang="zh-CN" sz="2000" dirty="0">
+              <a:latin typeface="微软雅黑" panose="020B0503020204020204" pitchFamily="34" charset="-122"/>
+              <a:ea typeface="微软雅黑" panose="020B0503020204020204" pitchFamily="34" charset="-122"/>
+            </a:endParaRPr>
+          </a:p>
+          <a:p>
+            <a:r>
+              <a:rPr lang="zh-CN" altLang="en-US" sz="2000" dirty="0">
+                <a:latin typeface="微软雅黑" panose="020B0503020204020204" pitchFamily="34" charset="-122"/>
+                <a:ea typeface="微软雅黑" panose="020B0503020204020204" pitchFamily="34" charset="-122"/>
+              </a:rPr>
+              <a:t>客户端争夺锁时，要决定其中的一个成功，其他失败。</a:t>
+            </a:r>
+            <a:endParaRPr lang="en-US" altLang="zh-CN" sz="2000" dirty="0">
+              <a:latin typeface="微软雅黑" panose="020B0503020204020204" pitchFamily="34" charset="-122"/>
+              <a:ea typeface="微软雅黑" panose="020B0503020204020204" pitchFamily="34" charset="-122"/>
+            </a:endParaRPr>
           </a:p>
         </p:txBody>
       </p:sp>
@@ -8849,8 +9770,8 @@
         </p:nvSpPr>
         <p:spPr>
           <a:xfrm>
-            <a:off x="907759" y="3207025"/>
-            <a:ext cx="10319481" cy="646331"/>
+            <a:off x="898132" y="3832667"/>
+            <a:ext cx="10319481" cy="707886"/>
           </a:xfrm>
           <a:prstGeom prst="rect">
             <a:avLst/>
@@ -8864,39 +9785,43 @@
           <a:lstStyle/>
           <a:p>
             <a:r>
-              <a:rPr lang="zh-CN" altLang="en-US" dirty="0"/>
+              <a:rPr lang="zh-CN" altLang="en-US" sz="2000" dirty="0">
+                <a:latin typeface="微软雅黑" panose="020B0503020204020204" pitchFamily="34" charset="-122"/>
+                <a:ea typeface="微软雅黑" panose="020B0503020204020204" pitchFamily="34" charset="-122"/>
+              </a:rPr>
               <a:t>成员 </a:t>
             </a:r>
             <a:r>
-              <a:rPr lang="en-US" altLang="zh-CN" dirty="0"/>
+              <a:rPr lang="en-US" altLang="zh-CN" sz="2000" dirty="0">
+                <a:latin typeface="微软雅黑" panose="020B0503020204020204" pitchFamily="34" charset="-122"/>
+                <a:ea typeface="微软雅黑" panose="020B0503020204020204" pitchFamily="34" charset="-122"/>
+              </a:rPr>
               <a:t>/ </a:t>
             </a:r>
             <a:r>
-              <a:rPr lang="zh-CN" altLang="en-US" dirty="0"/>
+              <a:rPr lang="zh-CN" altLang="en-US" sz="2000" dirty="0">
+                <a:latin typeface="微软雅黑" panose="020B0503020204020204" pitchFamily="34" charset="-122"/>
+                <a:ea typeface="微软雅黑" panose="020B0503020204020204" pitchFamily="34" charset="-122"/>
+              </a:rPr>
               <a:t>协调服务</a:t>
             </a:r>
-            <a:r>
-              <a:rPr lang="en-US" altLang="zh-CN" dirty="0"/>
-              <a:t>.</a:t>
-            </a:r>
-          </a:p>
-          <a:p>
-            <a:r>
-              <a:rPr lang="zh-CN" altLang="en-US" dirty="0"/>
-              <a:t>确定哪些节点处于活动状态</a:t>
-            </a:r>
-            <a:r>
-              <a:rPr lang="en-US" altLang="zh-CN" dirty="0"/>
-              <a:t>, </a:t>
-            </a:r>
-            <a:r>
-              <a:rPr lang="zh-CN" altLang="en-US" dirty="0"/>
-              <a:t>让所有节点就节点的存活状态达成一致</a:t>
-            </a:r>
-            <a:r>
-              <a:rPr lang="en-US" altLang="zh-CN" dirty="0"/>
-              <a:t>.</a:t>
-            </a:r>
+            <a:endParaRPr lang="en-US" altLang="zh-CN" sz="2000" dirty="0">
+              <a:latin typeface="微软雅黑" panose="020B0503020204020204" pitchFamily="34" charset="-122"/>
+              <a:ea typeface="微软雅黑" panose="020B0503020204020204" pitchFamily="34" charset="-122"/>
+            </a:endParaRPr>
+          </a:p>
+          <a:p>
+            <a:r>
+              <a:rPr lang="zh-CN" altLang="en-US" sz="2000" dirty="0">
+                <a:latin typeface="微软雅黑" panose="020B0503020204020204" pitchFamily="34" charset="-122"/>
+                <a:ea typeface="微软雅黑" panose="020B0503020204020204" pitchFamily="34" charset="-122"/>
+              </a:rPr>
+              <a:t>确定哪些节点处于活动状态，让所有节点就节点的存活状态达成一致。</a:t>
+            </a:r>
+            <a:endParaRPr lang="en-US" altLang="zh-CN" sz="2000" dirty="0">
+              <a:latin typeface="微软雅黑" panose="020B0503020204020204" pitchFamily="34" charset="-122"/>
+              <a:ea typeface="微软雅黑" panose="020B0503020204020204" pitchFamily="34" charset="-122"/>
+            </a:endParaRPr>
           </a:p>
         </p:txBody>
       </p:sp>
@@ -8908,8 +9833,8 @@
         </p:nvSpPr>
         <p:spPr>
           <a:xfrm>
-            <a:off x="907759" y="4980540"/>
-            <a:ext cx="10319481" cy="646331"/>
+            <a:off x="898132" y="5206219"/>
+            <a:ext cx="10319481" cy="400110"/>
           </a:xfrm>
           <a:prstGeom prst="rect">
             <a:avLst/>
@@ -8923,31 +9848,52 @@
           <a:lstStyle/>
           <a:p>
             <a:r>
-              <a:rPr lang="zh-CN" altLang="en-US" dirty="0"/>
-              <a:t>抽象出一个更统一的概念</a:t>
-            </a:r>
-            <a:r>
-              <a:rPr lang="en-US" altLang="zh-CN" dirty="0"/>
-              <a:t>:</a:t>
-            </a:r>
-          </a:p>
-          <a:p>
-            <a:r>
-              <a:rPr lang="zh-CN" altLang="en-US" dirty="0"/>
-              <a:t>共识</a:t>
-            </a:r>
-            <a:r>
-              <a:rPr lang="en-US" altLang="zh-CN" dirty="0"/>
-              <a:t>: </a:t>
-            </a:r>
-            <a:r>
-              <a:rPr lang="zh-CN" altLang="en-US" dirty="0"/>
-              <a:t>让多个节点就某一项提议达成一致</a:t>
-            </a:r>
-            <a:r>
-              <a:rPr lang="en-US" altLang="zh-CN" dirty="0"/>
-              <a:t>.</a:t>
-            </a:r>
+              <a:rPr lang="zh-CN" altLang="en-US" sz="2000" dirty="0">
+                <a:latin typeface="微软雅黑" panose="020B0503020204020204" pitchFamily="34" charset="-122"/>
+                <a:ea typeface="微软雅黑" panose="020B0503020204020204" pitchFamily="34" charset="-122"/>
+              </a:rPr>
+              <a:t>共识：让多个节点就某一项提议达成一致。</a:t>
+            </a:r>
+            <a:endParaRPr lang="en-US" altLang="zh-CN" sz="2000" dirty="0">
+              <a:latin typeface="微软雅黑" panose="020B0503020204020204" pitchFamily="34" charset="-122"/>
+              <a:ea typeface="微软雅黑" panose="020B0503020204020204" pitchFamily="34" charset="-122"/>
+            </a:endParaRPr>
+          </a:p>
+        </p:txBody>
+      </p:sp>
+      <p:sp>
+        <p:nvSpPr>
+          <p:cNvPr id="6" name="文本框 5"/>
+          <p:cNvSpPr txBox="1"/>
+          <p:nvPr/>
+        </p:nvSpPr>
+        <p:spPr>
+          <a:xfrm>
+            <a:off x="898132" y="561638"/>
+            <a:ext cx="10319481" cy="400110"/>
+          </a:xfrm>
+          <a:prstGeom prst="rect">
+            <a:avLst/>
+          </a:prstGeom>
+          <a:noFill/>
+        </p:spPr>
+        <p:txBody>
+          <a:bodyPr wrap="square" rtlCol="0">
+            <a:spAutoFit/>
+          </a:bodyPr>
+          <a:lstStyle/>
+          <a:p>
+            <a:r>
+              <a:rPr lang="zh-CN" altLang="en-US" sz="2000" dirty="0">
+                <a:latin typeface="微软雅黑" panose="020B0503020204020204" pitchFamily="34" charset="-122"/>
+                <a:ea typeface="微软雅黑" panose="020B0503020204020204" pitchFamily="34" charset="-122"/>
+              </a:rPr>
+              <a:t>可线性化</a:t>
+            </a:r>
+            <a:endParaRPr lang="en-US" altLang="zh-CN" sz="2000" dirty="0">
+              <a:latin typeface="微软雅黑" panose="020B0503020204020204" pitchFamily="34" charset="-122"/>
+              <a:ea typeface="微软雅黑" panose="020B0503020204020204" pitchFamily="34" charset="-122"/>
+            </a:endParaRPr>
           </a:p>
         </p:txBody>
       </p:sp>
@@ -8989,8 +9935,8 @@
         </p:nvSpPr>
         <p:spPr>
           <a:xfrm>
-            <a:off x="837523" y="727544"/>
-            <a:ext cx="10319481" cy="1477328"/>
+            <a:off x="989242" y="1740583"/>
+            <a:ext cx="10319481" cy="400110"/>
           </a:xfrm>
           <a:prstGeom prst="rect">
             <a:avLst/>
@@ -9004,105 +9950,43 @@
           <a:lstStyle/>
           <a:p>
             <a:r>
-              <a:rPr lang="zh-CN" altLang="en-US" dirty="0"/>
-              <a:t>共识算法需要满足以下性质</a:t>
-            </a:r>
-            <a:r>
-              <a:rPr lang="en-US" altLang="zh-CN" dirty="0"/>
-              <a:t>:</a:t>
-            </a:r>
-          </a:p>
-          <a:p>
-            <a:pPr marL="285750" indent="-285750">
-              <a:buFontTx/>
-              <a:buChar char="-"/>
-            </a:pPr>
-            <a:r>
-              <a:rPr lang="zh-CN" altLang="en-US" dirty="0"/>
-              <a:t>协商一致性</a:t>
-            </a:r>
-            <a:endParaRPr lang="en-US" altLang="zh-CN" dirty="0"/>
-          </a:p>
-          <a:p>
-            <a:pPr marL="285750" indent="-285750">
-              <a:buFontTx/>
-              <a:buChar char="-"/>
-            </a:pPr>
-            <a:r>
-              <a:rPr lang="zh-CN" altLang="en-US" dirty="0"/>
-              <a:t>诚实性</a:t>
-            </a:r>
-            <a:endParaRPr lang="en-US" altLang="zh-CN" dirty="0"/>
-          </a:p>
-          <a:p>
-            <a:pPr marL="285750" indent="-285750">
-              <a:buFontTx/>
-              <a:buChar char="-"/>
-            </a:pPr>
-            <a:r>
-              <a:rPr lang="zh-CN" altLang="en-US" dirty="0"/>
-              <a:t>合法性</a:t>
-            </a:r>
-            <a:endParaRPr lang="en-US" altLang="zh-CN" dirty="0"/>
-          </a:p>
-          <a:p>
-            <a:pPr marL="285750" indent="-285750">
-              <a:buFontTx/>
-              <a:buChar char="-"/>
-            </a:pPr>
-            <a:r>
-              <a:rPr lang="zh-CN" altLang="en-US" dirty="0"/>
-              <a:t>可终止性</a:t>
-            </a:r>
-            <a:r>
-              <a:rPr lang="en-US" altLang="zh-CN" dirty="0"/>
-              <a:t>: </a:t>
-            </a:r>
-            <a:r>
-              <a:rPr lang="zh-CN" altLang="en-US" dirty="0"/>
-              <a:t>容错</a:t>
-            </a:r>
-            <a:r>
-              <a:rPr lang="en-US" altLang="zh-CN" dirty="0"/>
-              <a:t>, </a:t>
-            </a:r>
-            <a:r>
-              <a:rPr lang="zh-CN" altLang="en-US" dirty="0"/>
-              <a:t>强调共识算法不能原地空转</a:t>
-            </a:r>
-            <a:r>
-              <a:rPr lang="en-US" altLang="zh-CN" dirty="0"/>
-              <a:t>, </a:t>
-            </a:r>
-            <a:r>
-              <a:rPr lang="zh-CN" altLang="en-US" dirty="0"/>
-              <a:t>即使出现某些节点故障</a:t>
-            </a:r>
-            <a:r>
-              <a:rPr lang="en-US" altLang="zh-CN" dirty="0"/>
-              <a:t>, </a:t>
-            </a:r>
-            <a:r>
-              <a:rPr lang="zh-CN" altLang="en-US" dirty="0"/>
-              <a:t>其他节点也必须最终做出决定</a:t>
-            </a:r>
-            <a:r>
-              <a:rPr lang="en-US" altLang="zh-CN" dirty="0"/>
-              <a:t>.</a:t>
-            </a:r>
-          </a:p>
-        </p:txBody>
-      </p:sp>
-      <p:sp>
-        <p:nvSpPr>
-          <p:cNvPr id="5" name="文本框 4"/>
+              <a:rPr lang="zh-CN" altLang="en-US" sz="2000" dirty="0">
+                <a:latin typeface="微软雅黑" panose="020B0503020204020204" pitchFamily="34" charset="-122"/>
+                <a:ea typeface="微软雅黑" panose="020B0503020204020204" pitchFamily="34" charset="-122"/>
+              </a:rPr>
+              <a:t>共识 </a:t>
+            </a:r>
+            <a:r>
+              <a:rPr lang="en-US" altLang="zh-CN" sz="2000" dirty="0">
+                <a:latin typeface="微软雅黑" panose="020B0503020204020204" pitchFamily="34" charset="-122"/>
+                <a:ea typeface="微软雅黑" panose="020B0503020204020204" pitchFamily="34" charset="-122"/>
+              </a:rPr>
+              <a:t>/ </a:t>
+            </a:r>
+            <a:r>
+              <a:rPr lang="zh-CN" altLang="en-US" sz="2000" dirty="0">
+                <a:latin typeface="微软雅黑" panose="020B0503020204020204" pitchFamily="34" charset="-122"/>
+                <a:ea typeface="微软雅黑" panose="020B0503020204020204" pitchFamily="34" charset="-122"/>
+              </a:rPr>
+              <a:t>统一共识算法需要满足以下性质</a:t>
+            </a:r>
+            <a:endParaRPr lang="en-US" altLang="zh-CN" sz="2000" dirty="0">
+              <a:latin typeface="微软雅黑" panose="020B0503020204020204" pitchFamily="34" charset="-122"/>
+              <a:ea typeface="微软雅黑" panose="020B0503020204020204" pitchFamily="34" charset="-122"/>
+            </a:endParaRPr>
+          </a:p>
+        </p:txBody>
+      </p:sp>
+      <p:sp>
+        <p:nvSpPr>
+          <p:cNvPr id="18" name="文本框 17"/>
           <p:cNvSpPr txBox="1"/>
           <p:nvPr/>
         </p:nvSpPr>
         <p:spPr>
           <a:xfrm>
-            <a:off x="837523" y="3684478"/>
-            <a:ext cx="10319481" cy="369332"/>
+            <a:off x="989242" y="2563513"/>
+            <a:ext cx="10319481" cy="1323439"/>
           </a:xfrm>
           <a:prstGeom prst="rect">
             <a:avLst/>
@@ -9116,468 +10000,86 @@
           <a:lstStyle/>
           <a:p>
             <a:r>
-              <a:rPr lang="zh-CN" altLang="en-US" dirty="0"/>
-              <a:t>两阶段提交 </a:t>
-            </a:r>
-            <a:r>
-              <a:rPr lang="en-US" altLang="zh-CN" dirty="0"/>
-              <a:t>(two-phase commit, 2PC)</a:t>
-            </a:r>
-          </a:p>
-        </p:txBody>
-      </p:sp>
-      <p:sp>
-        <p:nvSpPr>
-          <p:cNvPr id="6" name="文本框 5"/>
-          <p:cNvSpPr txBox="1"/>
-          <p:nvPr/>
-        </p:nvSpPr>
-        <p:spPr>
-          <a:xfrm>
-            <a:off x="837523" y="2691890"/>
-            <a:ext cx="10319481" cy="646331"/>
-          </a:xfrm>
-          <a:prstGeom prst="rect">
-            <a:avLst/>
-          </a:prstGeom>
-          <a:noFill/>
-        </p:spPr>
-        <p:txBody>
-          <a:bodyPr wrap="square" rtlCol="0">
-            <a:spAutoFit/>
-          </a:bodyPr>
-          <a:lstStyle/>
-          <a:p>
-            <a:r>
-              <a:rPr lang="en-US" altLang="zh-CN" dirty="0">
-                <a:hlinkClick r:id="rId2"/>
-              </a:rPr>
-              <a:t>https://draveness.me/consensus</a:t>
-            </a:r>
-            <a:endParaRPr lang="en-US" altLang="zh-CN" dirty="0"/>
-          </a:p>
-          <a:p>
-            <a:r>
-              <a:rPr lang="en-US" altLang="zh-CN" dirty="0">
-                <a:hlinkClick r:id="rId3"/>
-              </a:rPr>
-              <a:t>https://matt33.com/2018/07/08/distribute-system-consistency-protocol/</a:t>
-            </a:r>
-            <a:endParaRPr lang="en-US" altLang="zh-CN" dirty="0"/>
-          </a:p>
-        </p:txBody>
-      </p:sp>
-      <p:sp>
-        <p:nvSpPr>
-          <p:cNvPr id="7" name="矩形 6"/>
-          <p:cNvSpPr/>
-          <p:nvPr/>
-        </p:nvSpPr>
-        <p:spPr>
-          <a:xfrm>
-            <a:off x="837523" y="4400067"/>
-            <a:ext cx="9277855" cy="2048858"/>
-          </a:xfrm>
-          <a:prstGeom prst="rect">
-            <a:avLst/>
-          </a:prstGeom>
-          <a:noFill/>
-          <a:ln>
-            <a:prstDash val="sysDot"/>
-          </a:ln>
-        </p:spPr>
-        <p:style>
-          <a:lnRef idx="2">
-            <a:schemeClr val="accent1">
-              <a:shade val="50000"/>
-            </a:schemeClr>
-          </a:lnRef>
-          <a:fillRef idx="1">
-            <a:schemeClr val="accent1"/>
-          </a:fillRef>
-          <a:effectRef idx="0">
-            <a:schemeClr val="accent1"/>
-          </a:effectRef>
-          <a:fontRef idx="minor">
-            <a:schemeClr val="lt1"/>
-          </a:fontRef>
-        </p:style>
-        <p:txBody>
-          <a:bodyPr rtlCol="0" anchor="ctr"/>
-          <a:lstStyle/>
-          <a:p>
-            <a:pPr algn="ctr"/>
-            <a:endParaRPr lang="zh-CN" altLang="en-US"/>
-          </a:p>
-        </p:txBody>
-      </p:sp>
-      <p:cxnSp>
-        <p:nvCxnSpPr>
-          <p:cNvPr id="8" name="直接连接符 7"/>
-          <p:cNvCxnSpPr/>
-          <p:nvPr/>
-        </p:nvCxnSpPr>
-        <p:spPr>
-          <a:xfrm>
-            <a:off x="2099938" y="4825063"/>
-            <a:ext cx="7362908" cy="0"/>
-          </a:xfrm>
-          <a:prstGeom prst="line">
-            <a:avLst/>
-          </a:prstGeom>
-          <a:ln w="9525">
-            <a:solidFill>
-              <a:schemeClr val="tx1"/>
-            </a:solidFill>
-            <a:prstDash val="lgDash"/>
-            <a:headEnd type="none" w="med" len="med"/>
-            <a:tailEnd type="triangle" w="med" len="med"/>
-          </a:ln>
-        </p:spPr>
-        <p:style>
-          <a:lnRef idx="1">
-            <a:schemeClr val="accent1"/>
-          </a:lnRef>
-          <a:fillRef idx="0">
-            <a:schemeClr val="accent1"/>
-          </a:fillRef>
-          <a:effectRef idx="0">
-            <a:schemeClr val="accent1"/>
-          </a:effectRef>
-          <a:fontRef idx="minor">
-            <a:schemeClr val="tx1"/>
-          </a:fontRef>
-        </p:style>
-      </p:cxnSp>
-      <p:cxnSp>
-        <p:nvCxnSpPr>
-          <p:cNvPr id="9" name="直接连接符 8"/>
-          <p:cNvCxnSpPr/>
-          <p:nvPr/>
-        </p:nvCxnSpPr>
-        <p:spPr>
-          <a:xfrm>
-            <a:off x="2099938" y="5469118"/>
-            <a:ext cx="7362908" cy="0"/>
-          </a:xfrm>
-          <a:prstGeom prst="line">
-            <a:avLst/>
-          </a:prstGeom>
-          <a:ln w="9525">
-            <a:solidFill>
-              <a:schemeClr val="tx1"/>
-            </a:solidFill>
-            <a:prstDash val="lgDash"/>
-            <a:headEnd type="none" w="med" len="med"/>
-            <a:tailEnd type="triangle" w="med" len="med"/>
-          </a:ln>
-        </p:spPr>
-        <p:style>
-          <a:lnRef idx="1">
-            <a:schemeClr val="accent1"/>
-          </a:lnRef>
-          <a:fillRef idx="0">
-            <a:schemeClr val="accent1"/>
-          </a:fillRef>
-          <a:effectRef idx="0">
-            <a:schemeClr val="accent1"/>
-          </a:effectRef>
-          <a:fontRef idx="minor">
-            <a:schemeClr val="tx1"/>
-          </a:fontRef>
-        </p:style>
-      </p:cxnSp>
-      <p:cxnSp>
-        <p:nvCxnSpPr>
-          <p:cNvPr id="10" name="直接连接符 9"/>
-          <p:cNvCxnSpPr/>
-          <p:nvPr/>
-        </p:nvCxnSpPr>
-        <p:spPr>
-          <a:xfrm>
-            <a:off x="2099938" y="6072166"/>
-            <a:ext cx="7362908" cy="0"/>
-          </a:xfrm>
-          <a:prstGeom prst="line">
-            <a:avLst/>
-          </a:prstGeom>
-          <a:ln w="9525">
-            <a:solidFill>
-              <a:schemeClr val="tx1"/>
-            </a:solidFill>
-            <a:prstDash val="lgDash"/>
-            <a:headEnd type="none" w="med" len="med"/>
-            <a:tailEnd type="triangle" w="med" len="med"/>
-          </a:ln>
-        </p:spPr>
-        <p:style>
-          <a:lnRef idx="1">
-            <a:schemeClr val="accent1"/>
-          </a:lnRef>
-          <a:fillRef idx="0">
-            <a:schemeClr val="accent1"/>
-          </a:fillRef>
-          <a:effectRef idx="0">
-            <a:schemeClr val="accent1"/>
-          </a:effectRef>
-          <a:fontRef idx="minor">
-            <a:schemeClr val="tx1"/>
-          </a:fontRef>
-        </p:style>
-      </p:cxnSp>
-      <p:cxnSp>
-        <p:nvCxnSpPr>
-          <p:cNvPr id="11" name="直接连接符 10"/>
-          <p:cNvCxnSpPr/>
-          <p:nvPr/>
-        </p:nvCxnSpPr>
-        <p:spPr>
-          <a:xfrm>
-            <a:off x="3634540" y="4825063"/>
-            <a:ext cx="3617843" cy="0"/>
-          </a:xfrm>
-          <a:prstGeom prst="line">
-            <a:avLst/>
-          </a:prstGeom>
-          <a:ln w="12700">
-            <a:solidFill>
-              <a:schemeClr val="tx1"/>
-            </a:solidFill>
-          </a:ln>
-        </p:spPr>
-        <p:style>
-          <a:lnRef idx="1">
-            <a:schemeClr val="accent1"/>
-          </a:lnRef>
-          <a:fillRef idx="0">
-            <a:schemeClr val="accent1"/>
-          </a:fillRef>
-          <a:effectRef idx="0">
-            <a:schemeClr val="accent1"/>
-          </a:effectRef>
-          <a:fontRef idx="minor">
-            <a:schemeClr val="tx1"/>
-          </a:fontRef>
-        </p:style>
-      </p:cxnSp>
-      <p:cxnSp>
-        <p:nvCxnSpPr>
-          <p:cNvPr id="12" name="直接箭头连接符 11"/>
-          <p:cNvCxnSpPr/>
-          <p:nvPr/>
-        </p:nvCxnSpPr>
-        <p:spPr>
-          <a:xfrm>
-            <a:off x="3702489" y="4835547"/>
-            <a:ext cx="588396" cy="644056"/>
-          </a:xfrm>
-          <a:prstGeom prst="straightConnector1">
-            <a:avLst/>
-          </a:prstGeom>
-          <a:ln w="12700">
-            <a:solidFill>
-              <a:schemeClr val="tx1"/>
-            </a:solidFill>
-            <a:headEnd type="none" w="med" len="med"/>
-            <a:tailEnd type="triangle" w="med" len="med"/>
-          </a:ln>
-        </p:spPr>
-        <p:style>
-          <a:lnRef idx="1">
-            <a:schemeClr val="accent1"/>
-          </a:lnRef>
-          <a:fillRef idx="0">
-            <a:schemeClr val="accent1"/>
-          </a:fillRef>
-          <a:effectRef idx="0">
-            <a:schemeClr val="accent1"/>
-          </a:effectRef>
-          <a:fontRef idx="minor">
-            <a:schemeClr val="tx1"/>
-          </a:fontRef>
-        </p:style>
-      </p:cxnSp>
-      <p:cxnSp>
-        <p:nvCxnSpPr>
-          <p:cNvPr id="13" name="直接连接符 12"/>
-          <p:cNvCxnSpPr/>
-          <p:nvPr/>
-        </p:nvCxnSpPr>
-        <p:spPr>
-          <a:xfrm>
-            <a:off x="4290885" y="5469117"/>
-            <a:ext cx="1953339" cy="0"/>
-          </a:xfrm>
-          <a:prstGeom prst="line">
-            <a:avLst/>
-          </a:prstGeom>
-          <a:ln w="12700">
-            <a:solidFill>
-              <a:schemeClr val="tx1"/>
-            </a:solidFill>
-          </a:ln>
-        </p:spPr>
-        <p:style>
-          <a:lnRef idx="1">
-            <a:schemeClr val="accent1"/>
-          </a:lnRef>
-          <a:fillRef idx="0">
-            <a:schemeClr val="accent1"/>
-          </a:fillRef>
-          <a:effectRef idx="0">
-            <a:schemeClr val="accent1"/>
-          </a:effectRef>
-          <a:fontRef idx="minor">
-            <a:schemeClr val="tx1"/>
-          </a:fontRef>
-        </p:style>
-      </p:cxnSp>
-      <p:cxnSp>
-        <p:nvCxnSpPr>
-          <p:cNvPr id="14" name="直接箭头连接符 13"/>
-          <p:cNvCxnSpPr/>
-          <p:nvPr/>
-        </p:nvCxnSpPr>
-        <p:spPr>
-          <a:xfrm flipV="1">
-            <a:off x="6244224" y="4823738"/>
-            <a:ext cx="516466" cy="645380"/>
-          </a:xfrm>
-          <a:prstGeom prst="straightConnector1">
-            <a:avLst/>
-          </a:prstGeom>
-          <a:ln w="12700">
-            <a:solidFill>
-              <a:schemeClr val="tx1"/>
-            </a:solidFill>
-            <a:headEnd type="none" w="med" len="med"/>
-            <a:tailEnd type="triangle" w="med" len="med"/>
-          </a:ln>
-        </p:spPr>
-        <p:style>
-          <a:lnRef idx="1">
-            <a:schemeClr val="accent1"/>
-          </a:lnRef>
-          <a:fillRef idx="0">
-            <a:schemeClr val="accent1"/>
-          </a:fillRef>
-          <a:effectRef idx="0">
-            <a:schemeClr val="accent1"/>
-          </a:effectRef>
-          <a:fontRef idx="minor">
-            <a:schemeClr val="tx1"/>
-          </a:fontRef>
-        </p:style>
-      </p:cxnSp>
-      <p:cxnSp>
-        <p:nvCxnSpPr>
-          <p:cNvPr id="15" name="直接箭头连接符 14"/>
-          <p:cNvCxnSpPr/>
-          <p:nvPr/>
-        </p:nvCxnSpPr>
-        <p:spPr>
-          <a:xfrm>
-            <a:off x="4610194" y="5480648"/>
-            <a:ext cx="570290" cy="588255"/>
-          </a:xfrm>
-          <a:prstGeom prst="straightConnector1">
-            <a:avLst/>
-          </a:prstGeom>
-          <a:ln w="12700">
-            <a:solidFill>
-              <a:schemeClr val="tx1"/>
-            </a:solidFill>
-            <a:headEnd type="none" w="med" len="med"/>
-            <a:tailEnd type="triangle" w="med" len="med"/>
-          </a:ln>
-        </p:spPr>
-        <p:style>
-          <a:lnRef idx="1">
-            <a:schemeClr val="accent1"/>
-          </a:lnRef>
-          <a:fillRef idx="0">
-            <a:schemeClr val="accent1"/>
-          </a:fillRef>
-          <a:effectRef idx="0">
-            <a:schemeClr val="accent1"/>
-          </a:effectRef>
-          <a:fontRef idx="minor">
-            <a:schemeClr val="tx1"/>
-          </a:fontRef>
-        </p:style>
-      </p:cxnSp>
-      <p:cxnSp>
-        <p:nvCxnSpPr>
-          <p:cNvPr id="16" name="直接连接符 15"/>
-          <p:cNvCxnSpPr/>
-          <p:nvPr/>
-        </p:nvCxnSpPr>
-        <p:spPr>
-          <a:xfrm>
-            <a:off x="5180484" y="6073314"/>
-            <a:ext cx="325967" cy="1"/>
-          </a:xfrm>
-          <a:prstGeom prst="line">
-            <a:avLst/>
-          </a:prstGeom>
-          <a:ln w="12700">
-            <a:solidFill>
-              <a:schemeClr val="tx1"/>
-            </a:solidFill>
-          </a:ln>
-        </p:spPr>
-        <p:style>
-          <a:lnRef idx="1">
-            <a:schemeClr val="accent1"/>
-          </a:lnRef>
-          <a:fillRef idx="0">
-            <a:schemeClr val="accent1"/>
-          </a:fillRef>
-          <a:effectRef idx="0">
-            <a:schemeClr val="accent1"/>
-          </a:effectRef>
-          <a:fontRef idx="minor">
-            <a:schemeClr val="tx1"/>
-          </a:fontRef>
-        </p:style>
-      </p:cxnSp>
-      <p:cxnSp>
-        <p:nvCxnSpPr>
-          <p:cNvPr id="17" name="直接箭头连接符 16"/>
-          <p:cNvCxnSpPr/>
-          <p:nvPr/>
-        </p:nvCxnSpPr>
-        <p:spPr>
-          <a:xfrm flipV="1">
-            <a:off x="5506451" y="5464885"/>
-            <a:ext cx="488421" cy="610545"/>
-          </a:xfrm>
-          <a:prstGeom prst="straightConnector1">
-            <a:avLst/>
-          </a:prstGeom>
-          <a:ln w="12700">
-            <a:solidFill>
-              <a:schemeClr val="tx1"/>
-            </a:solidFill>
-            <a:headEnd type="none" w="med" len="med"/>
-            <a:tailEnd type="triangle" w="med" len="med"/>
-          </a:ln>
-        </p:spPr>
-        <p:style>
-          <a:lnRef idx="1">
-            <a:schemeClr val="accent1"/>
-          </a:lnRef>
-          <a:fillRef idx="0">
-            <a:schemeClr val="accent1"/>
-          </a:fillRef>
-          <a:effectRef idx="0">
-            <a:schemeClr val="accent1"/>
-          </a:effectRef>
-          <a:fontRef idx="minor">
-            <a:schemeClr val="tx1"/>
-          </a:fontRef>
-        </p:style>
-      </p:cxnSp>
+              <a:rPr lang="zh-CN" altLang="en-US" sz="2000" dirty="0">
+                <a:latin typeface="微软雅黑" panose="020B0503020204020204" pitchFamily="34" charset="-122"/>
+                <a:ea typeface="微软雅黑" panose="020B0503020204020204" pitchFamily="34" charset="-122"/>
+              </a:rPr>
+              <a:t>协商一致性：所有节点接收相同的决议。</a:t>
+            </a:r>
+            <a:endParaRPr lang="en-US" altLang="zh-CN" sz="2000" dirty="0">
+              <a:latin typeface="微软雅黑" panose="020B0503020204020204" pitchFamily="34" charset="-122"/>
+              <a:ea typeface="微软雅黑" panose="020B0503020204020204" pitchFamily="34" charset="-122"/>
+            </a:endParaRPr>
+          </a:p>
+          <a:p>
+            <a:r>
+              <a:rPr lang="zh-CN" altLang="en-US" sz="2000" dirty="0">
+                <a:latin typeface="微软雅黑" panose="020B0503020204020204" pitchFamily="34" charset="-122"/>
+                <a:ea typeface="微软雅黑" panose="020B0503020204020204" pitchFamily="34" charset="-122"/>
+              </a:rPr>
+              <a:t>诚实性：所有节点不能反悔，即对一项提议不能有两次决定。</a:t>
+            </a:r>
+            <a:endParaRPr lang="en-US" altLang="zh-CN" sz="2000" dirty="0">
+              <a:latin typeface="微软雅黑" panose="020B0503020204020204" pitchFamily="34" charset="-122"/>
+              <a:ea typeface="微软雅黑" panose="020B0503020204020204" pitchFamily="34" charset="-122"/>
+            </a:endParaRPr>
+          </a:p>
+          <a:p>
+            <a:r>
+              <a:rPr lang="zh-CN" altLang="en-US" sz="2000" dirty="0">
+                <a:latin typeface="微软雅黑" panose="020B0503020204020204" pitchFamily="34" charset="-122"/>
+                <a:ea typeface="微软雅黑" panose="020B0503020204020204" pitchFamily="34" charset="-122"/>
+              </a:rPr>
+              <a:t>合法性：如果决定了 </a:t>
+            </a:r>
+            <a:r>
+              <a:rPr lang="en-US" altLang="zh-CN" sz="2000" dirty="0">
+                <a:latin typeface="微软雅黑" panose="020B0503020204020204" pitchFamily="34" charset="-122"/>
+                <a:ea typeface="微软雅黑" panose="020B0503020204020204" pitchFamily="34" charset="-122"/>
+              </a:rPr>
+              <a:t>v</a:t>
+            </a:r>
+            <a:r>
+              <a:rPr lang="zh-CN" altLang="en-US" sz="2000" dirty="0">
+                <a:latin typeface="微软雅黑" panose="020B0503020204020204" pitchFamily="34" charset="-122"/>
+                <a:ea typeface="微软雅黑" panose="020B0503020204020204" pitchFamily="34" charset="-122"/>
+              </a:rPr>
+              <a:t>，则 </a:t>
+            </a:r>
+            <a:r>
+              <a:rPr lang="en-US" altLang="zh-CN" sz="2000" dirty="0">
+                <a:latin typeface="微软雅黑" panose="020B0503020204020204" pitchFamily="34" charset="-122"/>
+                <a:ea typeface="微软雅黑" panose="020B0503020204020204" pitchFamily="34" charset="-122"/>
+              </a:rPr>
+              <a:t>v </a:t>
+            </a:r>
+            <a:r>
+              <a:rPr lang="zh-CN" altLang="en-US" sz="2000" dirty="0">
+                <a:latin typeface="微软雅黑" panose="020B0503020204020204" pitchFamily="34" charset="-122"/>
+                <a:ea typeface="微软雅黑" panose="020B0503020204020204" pitchFamily="34" charset="-122"/>
+              </a:rPr>
+              <a:t>一定是由某个节点所提议的。</a:t>
+            </a:r>
+            <a:endParaRPr lang="en-US" altLang="zh-CN" sz="2000" dirty="0">
+              <a:latin typeface="微软雅黑" panose="020B0503020204020204" pitchFamily="34" charset="-122"/>
+              <a:ea typeface="微软雅黑" panose="020B0503020204020204" pitchFamily="34" charset="-122"/>
+            </a:endParaRPr>
+          </a:p>
+          <a:p>
+            <a:r>
+              <a:rPr lang="zh-CN" altLang="en-US" sz="2000" dirty="0">
+                <a:latin typeface="微软雅黑" panose="020B0503020204020204" pitchFamily="34" charset="-122"/>
+                <a:ea typeface="微软雅黑" panose="020B0503020204020204" pitchFamily="34" charset="-122"/>
+              </a:rPr>
+              <a:t>可终止性：节点如果不崩溃则最终一定可以达成决议。</a:t>
+            </a:r>
+            <a:endParaRPr lang="en-US" altLang="zh-CN" sz="2000" dirty="0">
+              <a:latin typeface="微软雅黑" panose="020B0503020204020204" pitchFamily="34" charset="-122"/>
+              <a:ea typeface="微软雅黑" panose="020B0503020204020204" pitchFamily="34" charset="-122"/>
+            </a:endParaRPr>
+          </a:p>
+        </p:txBody>
+      </p:sp>
     </p:spTree>
     <p:extLst>
       <p:ext uri="{BB962C8B-B14F-4D97-AF65-F5344CB8AC3E}">
@@ -9616,8 +10118,8 @@
         </p:nvSpPr>
         <p:spPr>
           <a:xfrm>
-            <a:off x="734157" y="718641"/>
-            <a:ext cx="10319481" cy="923330"/>
+            <a:off x="827249" y="629104"/>
+            <a:ext cx="10319481" cy="400110"/>
           </a:xfrm>
           <a:prstGeom prst="rect">
             <a:avLst/>
@@ -9631,132 +10133,49 @@
           <a:lstStyle/>
           <a:p>
             <a:r>
-              <a:rPr lang="zh-CN" altLang="en-US" dirty="0"/>
-              <a:t>两阶段提交核心</a:t>
-            </a:r>
-            <a:r>
-              <a:rPr lang="en-US" altLang="zh-CN" dirty="0"/>
-              <a:t>:</a:t>
-            </a:r>
-          </a:p>
-          <a:p>
-            <a:pPr marL="285750" indent="-285750">
-              <a:buFontTx/>
-              <a:buChar char="-"/>
-            </a:pPr>
-            <a:r>
-              <a:rPr lang="zh-CN" altLang="en-US" dirty="0"/>
-              <a:t>当参与者投票 </a:t>
-            </a:r>
-            <a:r>
-              <a:rPr lang="en-US" altLang="zh-CN" dirty="0"/>
-              <a:t>`</a:t>
-            </a:r>
-            <a:r>
-              <a:rPr lang="zh-CN" altLang="en-US" dirty="0"/>
-              <a:t>是</a:t>
-            </a:r>
-            <a:r>
-              <a:rPr lang="en-US" altLang="zh-CN" dirty="0"/>
-              <a:t>`, </a:t>
-            </a:r>
-            <a:r>
-              <a:rPr lang="zh-CN" altLang="en-US" dirty="0"/>
-              <a:t>做出了肯定的承诺</a:t>
-            </a:r>
-            <a:r>
-              <a:rPr lang="en-US" altLang="zh-CN" dirty="0"/>
-              <a:t>.</a:t>
-            </a:r>
-          </a:p>
-          <a:p>
-            <a:pPr marL="285750" indent="-285750">
-              <a:buFontTx/>
-              <a:buChar char="-"/>
-            </a:pPr>
-            <a:r>
-              <a:rPr lang="zh-CN" altLang="en-US" dirty="0"/>
-              <a:t>当协调者做出决定</a:t>
-            </a:r>
-            <a:r>
-              <a:rPr lang="en-US" altLang="zh-CN" dirty="0"/>
-              <a:t>, </a:t>
-            </a:r>
-            <a:r>
-              <a:rPr lang="zh-CN" altLang="en-US" dirty="0"/>
-              <a:t>这个决定也是不可撤销的</a:t>
-            </a:r>
-            <a:r>
-              <a:rPr lang="en-US" altLang="zh-CN" dirty="0"/>
-              <a:t>.</a:t>
-            </a:r>
-          </a:p>
-        </p:txBody>
-      </p:sp>
-      <p:sp>
-        <p:nvSpPr>
-          <p:cNvPr id="5" name="文本框 4"/>
-          <p:cNvSpPr txBox="1"/>
-          <p:nvPr/>
-        </p:nvSpPr>
-        <p:spPr>
-          <a:xfrm>
-            <a:off x="731764" y="2286024"/>
-            <a:ext cx="10319481" cy="646331"/>
-          </a:xfrm>
-          <a:prstGeom prst="rect">
-            <a:avLst/>
-          </a:prstGeom>
-          <a:noFill/>
-        </p:spPr>
-        <p:txBody>
-          <a:bodyPr wrap="square" rtlCol="0">
-            <a:spAutoFit/>
-          </a:bodyPr>
-          <a:lstStyle/>
-          <a:p>
-            <a:r>
-              <a:rPr lang="zh-CN" altLang="en-US" dirty="0"/>
-              <a:t>两阶段提交的缺陷</a:t>
-            </a:r>
-            <a:r>
-              <a:rPr lang="en-US" altLang="zh-CN" dirty="0"/>
-              <a:t>:</a:t>
-            </a:r>
-          </a:p>
-          <a:p>
-            <a:pPr marL="285750" indent="-285750">
-              <a:buFontTx/>
-              <a:buChar char="-"/>
-            </a:pPr>
-            <a:r>
-              <a:rPr lang="zh-CN" altLang="en-US" dirty="0"/>
-              <a:t>协调者发生故障</a:t>
-            </a:r>
-            <a:r>
-              <a:rPr lang="en-US" altLang="zh-CN" dirty="0"/>
-              <a:t>, </a:t>
-            </a:r>
-            <a:r>
-              <a:rPr lang="zh-CN" altLang="en-US" dirty="0"/>
-              <a:t>参与者只能持续等待</a:t>
-            </a:r>
-            <a:r>
-              <a:rPr lang="en-US" altLang="zh-CN" dirty="0"/>
-              <a:t>.</a:t>
-            </a:r>
-          </a:p>
-        </p:txBody>
-      </p:sp>
-      <p:sp>
-        <p:nvSpPr>
-          <p:cNvPr id="6" name="矩形 5"/>
+              <a:rPr lang="en-US" altLang="zh-CN" sz="2000" dirty="0">
+                <a:latin typeface="微软雅黑" panose="020B0503020204020204" pitchFamily="34" charset="-122"/>
+                <a:ea typeface="微软雅黑" panose="020B0503020204020204" pitchFamily="34" charset="-122"/>
+              </a:rPr>
+              <a:t>two-phase commit - 2PC</a:t>
+            </a:r>
+            <a:r>
+              <a:rPr lang="zh-CN" altLang="en-US" sz="2000" dirty="0">
+                <a:latin typeface="微软雅黑" panose="020B0503020204020204" pitchFamily="34" charset="-122"/>
+                <a:ea typeface="微软雅黑" panose="020B0503020204020204" pitchFamily="34" charset="-122"/>
+              </a:rPr>
+              <a:t> </a:t>
+            </a:r>
+            <a:r>
+              <a:rPr lang="en-US" altLang="zh-CN" sz="2000" dirty="0">
+                <a:latin typeface="微软雅黑" panose="020B0503020204020204" pitchFamily="34" charset="-122"/>
+                <a:ea typeface="微软雅黑" panose="020B0503020204020204" pitchFamily="34" charset="-122"/>
+              </a:rPr>
+              <a:t>- </a:t>
+            </a:r>
+            <a:r>
+              <a:rPr lang="zh-CN" altLang="en-US" sz="2000" dirty="0">
+                <a:latin typeface="微软雅黑" panose="020B0503020204020204" pitchFamily="34" charset="-122"/>
+                <a:ea typeface="微软雅黑" panose="020B0503020204020204" pitchFamily="34" charset="-122"/>
+              </a:rPr>
+              <a:t>两阶段提交</a:t>
+            </a:r>
+            <a:endParaRPr lang="en-US" altLang="zh-CN" sz="2000" dirty="0">
+              <a:latin typeface="微软雅黑" panose="020B0503020204020204" pitchFamily="34" charset="-122"/>
+              <a:ea typeface="微软雅黑" panose="020B0503020204020204" pitchFamily="34" charset="-122"/>
+            </a:endParaRPr>
+          </a:p>
+        </p:txBody>
+      </p:sp>
+      <p:sp>
+        <p:nvSpPr>
+          <p:cNvPr id="5" name="矩形 4"/>
           <p:cNvSpPr/>
           <p:nvPr/>
         </p:nvSpPr>
         <p:spPr>
           <a:xfrm>
-            <a:off x="734156" y="3541326"/>
+            <a:off x="827249" y="1687691"/>
             <a:ext cx="9277855" cy="2048858"/>
           </a:xfrm>
           <a:prstGeom prst="rect">
@@ -9794,13 +10213,51 @@
       </p:sp>
       <p:cxnSp>
         <p:nvCxnSpPr>
+          <p:cNvPr id="6" name="直接连接符 5"/>
+          <p:cNvCxnSpPr/>
+          <p:nvPr/>
+        </p:nvCxnSpPr>
+        <p:spPr>
+          <a:xfrm>
+            <a:off x="2089664" y="2112687"/>
+            <a:ext cx="7362908" cy="0"/>
+          </a:xfrm>
+          <a:prstGeom prst="line">
+            <a:avLst/>
+          </a:prstGeom>
+          <a:ln w="9525">
+            <a:solidFill>
+              <a:schemeClr val="tx1"/>
+            </a:solidFill>
+            <a:prstDash val="lgDash"/>
+            <a:headEnd type="none" w="med" len="med"/>
+            <a:tailEnd type="triangle" w="med" len="med"/>
+          </a:ln>
+        </p:spPr>
+        <p:style>
+          <a:lnRef idx="1">
+            <a:schemeClr val="accent1"/>
+          </a:lnRef>
+          <a:fillRef idx="0">
+            <a:schemeClr val="accent1"/>
+          </a:fillRef>
+          <a:effectRef idx="0">
+            <a:schemeClr val="accent1"/>
+          </a:effectRef>
+          <a:fontRef idx="minor">
+            <a:schemeClr val="tx1"/>
+          </a:fontRef>
+        </p:style>
+      </p:cxnSp>
+      <p:cxnSp>
+        <p:nvCxnSpPr>
           <p:cNvPr id="7" name="直接连接符 6"/>
           <p:cNvCxnSpPr/>
           <p:nvPr/>
         </p:nvCxnSpPr>
         <p:spPr>
           <a:xfrm>
-            <a:off x="1996571" y="3966322"/>
+            <a:off x="2089664" y="2756742"/>
             <a:ext cx="7362908" cy="0"/>
           </a:xfrm>
           <a:prstGeom prst="line">
@@ -9838,7 +10295,7 @@
         </p:nvCxnSpPr>
         <p:spPr>
           <a:xfrm>
-            <a:off x="1996571" y="4610377"/>
+            <a:off x="2089664" y="3359790"/>
             <a:ext cx="7362908" cy="0"/>
           </a:xfrm>
           <a:prstGeom prst="line">
@@ -9876,19 +10333,16 @@
         </p:nvCxnSpPr>
         <p:spPr>
           <a:xfrm>
-            <a:off x="1996571" y="5213425"/>
-            <a:ext cx="7362908" cy="0"/>
+            <a:off x="3624266" y="2112687"/>
+            <a:ext cx="3617843" cy="0"/>
           </a:xfrm>
           <a:prstGeom prst="line">
             <a:avLst/>
           </a:prstGeom>
-          <a:ln w="9525">
+          <a:ln w="12700">
             <a:solidFill>
               <a:schemeClr val="tx1"/>
             </a:solidFill>
-            <a:prstDash val="lgDash"/>
-            <a:headEnd type="none" w="med" len="med"/>
-            <a:tailEnd type="triangle" w="med" len="med"/>
           </a:ln>
         </p:spPr>
         <p:style>
@@ -9908,22 +10362,24 @@
       </p:cxnSp>
       <p:cxnSp>
         <p:nvCxnSpPr>
-          <p:cNvPr id="10" name="直接连接符 9"/>
+          <p:cNvPr id="10" name="直接箭头连接符 9"/>
           <p:cNvCxnSpPr/>
           <p:nvPr/>
         </p:nvCxnSpPr>
         <p:spPr>
           <a:xfrm>
-            <a:off x="3531173" y="3966322"/>
-            <a:ext cx="3617843" cy="0"/>
-          </a:xfrm>
-          <a:prstGeom prst="line">
+            <a:off x="3692215" y="2123171"/>
+            <a:ext cx="588396" cy="644056"/>
+          </a:xfrm>
+          <a:prstGeom prst="straightConnector1">
             <a:avLst/>
           </a:prstGeom>
           <a:ln w="12700">
             <a:solidFill>
               <a:schemeClr val="tx1"/>
             </a:solidFill>
+            <a:headEnd type="none" w="med" len="med"/>
+            <a:tailEnd type="triangle" w="med" len="med"/>
           </a:ln>
         </p:spPr>
         <p:style>
@@ -9943,24 +10399,22 @@
       </p:cxnSp>
       <p:cxnSp>
         <p:nvCxnSpPr>
-          <p:cNvPr id="11" name="直接箭头连接符 10"/>
+          <p:cNvPr id="11" name="直接连接符 10"/>
           <p:cNvCxnSpPr/>
           <p:nvPr/>
         </p:nvCxnSpPr>
         <p:spPr>
           <a:xfrm>
-            <a:off x="3599122" y="3976806"/>
-            <a:ext cx="588396" cy="644056"/>
-          </a:xfrm>
-          <a:prstGeom prst="straightConnector1">
+            <a:off x="4280611" y="2756741"/>
+            <a:ext cx="1953339" cy="0"/>
+          </a:xfrm>
+          <a:prstGeom prst="line">
             <a:avLst/>
           </a:prstGeom>
           <a:ln w="12700">
             <a:solidFill>
               <a:schemeClr val="tx1"/>
             </a:solidFill>
-            <a:headEnd type="none" w="med" len="med"/>
-            <a:tailEnd type="triangle" w="med" len="med"/>
           </a:ln>
         </p:spPr>
         <p:style>
@@ -9980,22 +10434,24 @@
       </p:cxnSp>
       <p:cxnSp>
         <p:nvCxnSpPr>
-          <p:cNvPr id="12" name="直接连接符 11"/>
+          <p:cNvPr id="12" name="直接箭头连接符 11"/>
           <p:cNvCxnSpPr/>
           <p:nvPr/>
         </p:nvCxnSpPr>
         <p:spPr>
-          <a:xfrm>
-            <a:off x="4187518" y="4610376"/>
-            <a:ext cx="1953339" cy="0"/>
-          </a:xfrm>
-          <a:prstGeom prst="line">
+          <a:xfrm flipV="1">
+            <a:off x="6233950" y="2111362"/>
+            <a:ext cx="516466" cy="645380"/>
+          </a:xfrm>
+          <a:prstGeom prst="straightConnector1">
             <a:avLst/>
           </a:prstGeom>
           <a:ln w="12700">
             <a:solidFill>
               <a:schemeClr val="tx1"/>
             </a:solidFill>
+            <a:headEnd type="none" w="med" len="med"/>
+            <a:tailEnd type="triangle" w="med" len="med"/>
           </a:ln>
         </p:spPr>
         <p:style>
@@ -10020,9 +10476,9 @@
           <p:nvPr/>
         </p:nvCxnSpPr>
         <p:spPr>
-          <a:xfrm flipV="1">
-            <a:off x="6140857" y="3964997"/>
-            <a:ext cx="516466" cy="645380"/>
+          <a:xfrm>
+            <a:off x="4599920" y="2768272"/>
+            <a:ext cx="570290" cy="588255"/>
           </a:xfrm>
           <a:prstGeom prst="straightConnector1">
             <a:avLst/>
@@ -10052,24 +10508,22 @@
       </p:cxnSp>
       <p:cxnSp>
         <p:nvCxnSpPr>
-          <p:cNvPr id="14" name="直接箭头连接符 13"/>
+          <p:cNvPr id="14" name="直接连接符 13"/>
           <p:cNvCxnSpPr/>
           <p:nvPr/>
         </p:nvCxnSpPr>
         <p:spPr>
           <a:xfrm>
-            <a:off x="4506827" y="4621907"/>
-            <a:ext cx="570290" cy="588255"/>
-          </a:xfrm>
-          <a:prstGeom prst="straightConnector1">
+            <a:off x="5170210" y="3360938"/>
+            <a:ext cx="325967" cy="1"/>
+          </a:xfrm>
+          <a:prstGeom prst="line">
             <a:avLst/>
           </a:prstGeom>
           <a:ln w="12700">
             <a:solidFill>
               <a:schemeClr val="tx1"/>
             </a:solidFill>
-            <a:headEnd type="none" w="med" len="med"/>
-            <a:tailEnd type="triangle" w="med" len="med"/>
           </a:ln>
         </p:spPr>
         <p:style>
@@ -10089,48 +10543,13 @@
       </p:cxnSp>
       <p:cxnSp>
         <p:nvCxnSpPr>
-          <p:cNvPr id="15" name="直接连接符 14"/>
+          <p:cNvPr id="15" name="直接箭头连接符 14"/>
           <p:cNvCxnSpPr/>
           <p:nvPr/>
         </p:nvCxnSpPr>
         <p:spPr>
-          <a:xfrm>
-            <a:off x="5077117" y="5214573"/>
-            <a:ext cx="325967" cy="1"/>
-          </a:xfrm>
-          <a:prstGeom prst="line">
-            <a:avLst/>
-          </a:prstGeom>
-          <a:ln w="12700">
-            <a:solidFill>
-              <a:schemeClr val="tx1"/>
-            </a:solidFill>
-          </a:ln>
-        </p:spPr>
-        <p:style>
-          <a:lnRef idx="1">
-            <a:schemeClr val="accent1"/>
-          </a:lnRef>
-          <a:fillRef idx="0">
-            <a:schemeClr val="accent1"/>
-          </a:fillRef>
-          <a:effectRef idx="0">
-            <a:schemeClr val="accent1"/>
-          </a:effectRef>
-          <a:fontRef idx="minor">
-            <a:schemeClr val="tx1"/>
-          </a:fontRef>
-        </p:style>
-      </p:cxnSp>
-      <p:cxnSp>
-        <p:nvCxnSpPr>
-          <p:cNvPr id="16" name="直接箭头连接符 15"/>
-          <p:cNvCxnSpPr/>
-          <p:nvPr/>
-        </p:nvCxnSpPr>
-        <p:spPr>
           <a:xfrm flipV="1">
-            <a:off x="5403084" y="4606144"/>
+            <a:off x="5496177" y="2752509"/>
             <a:ext cx="488421" cy="610545"/>
           </a:xfrm>
           <a:prstGeom prst="straightConnector1">
@@ -10159,10 +10578,114 @@
           </a:fontRef>
         </p:style>
       </p:cxnSp>
+      <p:sp>
+        <p:nvSpPr>
+          <p:cNvPr id="16" name="文本框 15"/>
+          <p:cNvSpPr txBox="1"/>
+          <p:nvPr/>
+        </p:nvSpPr>
+        <p:spPr>
+          <a:xfrm>
+            <a:off x="824857" y="4604793"/>
+            <a:ext cx="10319481" cy="1015663"/>
+          </a:xfrm>
+          <a:prstGeom prst="rect">
+            <a:avLst/>
+          </a:prstGeom>
+          <a:noFill/>
+        </p:spPr>
+        <p:txBody>
+          <a:bodyPr wrap="square" rtlCol="0">
+            <a:spAutoFit/>
+          </a:bodyPr>
+          <a:lstStyle/>
+          <a:p>
+            <a:r>
+              <a:rPr lang="zh-CN" altLang="en-US" sz="2000" dirty="0">
+                <a:latin typeface="微软雅黑" panose="020B0503020204020204" pitchFamily="34" charset="-122"/>
+                <a:ea typeface="微软雅黑" panose="020B0503020204020204" pitchFamily="34" charset="-122"/>
+              </a:rPr>
+              <a:t>核心</a:t>
+            </a:r>
+            <a:endParaRPr lang="en-US" altLang="zh-CN" sz="2000" dirty="0">
+              <a:latin typeface="微软雅黑" panose="020B0503020204020204" pitchFamily="34" charset="-122"/>
+              <a:ea typeface="微软雅黑" panose="020B0503020204020204" pitchFamily="34" charset="-122"/>
+            </a:endParaRPr>
+          </a:p>
+          <a:p>
+            <a:r>
+              <a:rPr lang="zh-CN" altLang="en-US" sz="2000" dirty="0">
+                <a:latin typeface="微软雅黑" panose="020B0503020204020204" pitchFamily="34" charset="-122"/>
+                <a:ea typeface="微软雅黑" panose="020B0503020204020204" pitchFamily="34" charset="-122"/>
+              </a:rPr>
+              <a:t>当参与者投票 </a:t>
+            </a:r>
+            <a:r>
+              <a:rPr lang="en-US" altLang="zh-CN" sz="2000" dirty="0">
+                <a:latin typeface="微软雅黑" panose="020B0503020204020204" pitchFamily="34" charset="-122"/>
+                <a:ea typeface="微软雅黑" panose="020B0503020204020204" pitchFamily="34" charset="-122"/>
+              </a:rPr>
+              <a:t>`</a:t>
+            </a:r>
+            <a:r>
+              <a:rPr lang="zh-CN" altLang="en-US" sz="2000" dirty="0">
+                <a:latin typeface="微软雅黑" panose="020B0503020204020204" pitchFamily="34" charset="-122"/>
+                <a:ea typeface="微软雅黑" panose="020B0503020204020204" pitchFamily="34" charset="-122"/>
+              </a:rPr>
+              <a:t>是</a:t>
+            </a:r>
+            <a:r>
+              <a:rPr lang="en-US" altLang="zh-CN" sz="2000" dirty="0">
+                <a:latin typeface="微软雅黑" panose="020B0503020204020204" pitchFamily="34" charset="-122"/>
+                <a:ea typeface="微软雅黑" panose="020B0503020204020204" pitchFamily="34" charset="-122"/>
+              </a:rPr>
+              <a:t>`</a:t>
+            </a:r>
+            <a:r>
+              <a:rPr lang="zh-CN" altLang="en-US" sz="2000" dirty="0">
+                <a:latin typeface="微软雅黑" panose="020B0503020204020204" pitchFamily="34" charset="-122"/>
+                <a:ea typeface="微软雅黑" panose="020B0503020204020204" pitchFamily="34" charset="-122"/>
+              </a:rPr>
+              <a:t>，</a:t>
+            </a:r>
+            <a:r>
+              <a:rPr lang="en-US" altLang="zh-CN" sz="2000" dirty="0">
+                <a:latin typeface="微软雅黑" panose="020B0503020204020204" pitchFamily="34" charset="-122"/>
+                <a:ea typeface="微软雅黑" panose="020B0503020204020204" pitchFamily="34" charset="-122"/>
+              </a:rPr>
+              <a:t> </a:t>
+            </a:r>
+            <a:r>
+              <a:rPr lang="zh-CN" altLang="en-US" sz="2000" dirty="0">
+                <a:latin typeface="微软雅黑" panose="020B0503020204020204" pitchFamily="34" charset="-122"/>
+                <a:ea typeface="微软雅黑" panose="020B0503020204020204" pitchFamily="34" charset="-122"/>
+              </a:rPr>
+              <a:t>做出了肯定的承诺。</a:t>
+            </a:r>
+            <a:endParaRPr lang="en-US" altLang="zh-CN" sz="2000" dirty="0">
+              <a:latin typeface="微软雅黑" panose="020B0503020204020204" pitchFamily="34" charset="-122"/>
+              <a:ea typeface="微软雅黑" panose="020B0503020204020204" pitchFamily="34" charset="-122"/>
+            </a:endParaRPr>
+          </a:p>
+          <a:p>
+            <a:r>
+              <a:rPr lang="zh-CN" altLang="en-US" sz="2000" dirty="0">
+                <a:latin typeface="微软雅黑" panose="020B0503020204020204" pitchFamily="34" charset="-122"/>
+                <a:ea typeface="微软雅黑" panose="020B0503020204020204" pitchFamily="34" charset="-122"/>
+              </a:rPr>
+              <a:t>当协调者做出决定，这个决定也是不可撤销的。</a:t>
+            </a:r>
+            <a:endParaRPr lang="en-US" altLang="zh-CN" sz="2000" dirty="0">
+              <a:latin typeface="微软雅黑" panose="020B0503020204020204" pitchFamily="34" charset="-122"/>
+              <a:ea typeface="微软雅黑" panose="020B0503020204020204" pitchFamily="34" charset="-122"/>
+            </a:endParaRPr>
+          </a:p>
+        </p:txBody>
+      </p:sp>
     </p:spTree>
     <p:extLst>
       <p:ext uri="{BB962C8B-B14F-4D97-AF65-F5344CB8AC3E}">
-        <p14:creationId xmlns:p14="http://schemas.microsoft.com/office/powerpoint/2010/main" val="3562123374"/>
+        <p14:creationId xmlns:p14="http://schemas.microsoft.com/office/powerpoint/2010/main" val="1761270642"/>
       </p:ext>
     </p:extLst>
   </p:cSld>
@@ -10253,14 +10776,14 @@
       </p:grpSpPr>
       <p:sp>
         <p:nvSpPr>
-          <p:cNvPr id="4" name="文本框 3"/>
+          <p:cNvPr id="5" name="文本框 4"/>
           <p:cNvSpPr txBox="1"/>
           <p:nvPr/>
         </p:nvSpPr>
         <p:spPr>
           <a:xfrm>
-            <a:off x="827180" y="735520"/>
-            <a:ext cx="10319481" cy="646331"/>
+            <a:off x="762586" y="662932"/>
+            <a:ext cx="10319481" cy="707886"/>
           </a:xfrm>
           <a:prstGeom prst="rect">
             <a:avLst/>
@@ -10274,56 +10797,453 @@
           <a:lstStyle/>
           <a:p>
             <a:r>
-              <a:rPr lang="en-US" altLang="zh-CN" dirty="0"/>
-              <a:t>Paxos, Raft, Zab </a:t>
-            </a:r>
-            <a:r>
-              <a:rPr lang="zh-CN" altLang="en-US" dirty="0"/>
-              <a:t>算法</a:t>
-            </a:r>
-            <a:r>
-              <a:rPr lang="en-US" altLang="zh-CN" dirty="0"/>
-              <a:t>.</a:t>
-            </a:r>
-          </a:p>
-          <a:p>
-            <a:r>
-              <a:rPr lang="zh-CN" altLang="en-US" dirty="0"/>
-              <a:t>共同的设计思想</a:t>
-            </a:r>
-            <a:r>
-              <a:rPr lang="en-US" altLang="zh-CN" dirty="0"/>
-              <a:t>: </a:t>
-            </a:r>
-            <a:r>
-              <a:rPr lang="zh-CN" altLang="en-US" dirty="0"/>
-              <a:t>采用全序关系广播 </a:t>
-            </a:r>
-            <a:r>
-              <a:rPr lang="en-US" altLang="zh-CN" dirty="0"/>
-              <a:t>/ </a:t>
-            </a:r>
-            <a:r>
-              <a:rPr lang="zh-CN" altLang="en-US" dirty="0"/>
-              <a:t>原子广播</a:t>
-            </a:r>
-            <a:r>
-              <a:rPr lang="en-US" altLang="zh-CN" dirty="0"/>
-              <a:t>.</a:t>
-            </a:r>
-          </a:p>
-        </p:txBody>
-      </p:sp>
-      <p:sp>
-        <p:nvSpPr>
-          <p:cNvPr id="5" name="文本框 4"/>
+              <a:rPr lang="zh-CN" altLang="en-US" sz="2000" dirty="0">
+                <a:latin typeface="微软雅黑" panose="020B0503020204020204" pitchFamily="34" charset="-122"/>
+                <a:ea typeface="微软雅黑" panose="020B0503020204020204" pitchFamily="34" charset="-122"/>
+              </a:rPr>
+              <a:t>缺陷</a:t>
+            </a:r>
+            <a:endParaRPr lang="en-US" altLang="zh-CN" sz="2000" dirty="0">
+              <a:latin typeface="微软雅黑" panose="020B0503020204020204" pitchFamily="34" charset="-122"/>
+              <a:ea typeface="微软雅黑" panose="020B0503020204020204" pitchFamily="34" charset="-122"/>
+            </a:endParaRPr>
+          </a:p>
+          <a:p>
+            <a:r>
+              <a:rPr lang="zh-CN" altLang="en-US" sz="2000" dirty="0">
+                <a:latin typeface="微软雅黑" panose="020B0503020204020204" pitchFamily="34" charset="-122"/>
+                <a:ea typeface="微软雅黑" panose="020B0503020204020204" pitchFamily="34" charset="-122"/>
+              </a:rPr>
+              <a:t>阻塞式原子提交：协调者发生故障，参与者只能持续等待。</a:t>
+            </a:r>
+            <a:endParaRPr lang="en-US" altLang="zh-CN" sz="2000" dirty="0">
+              <a:latin typeface="微软雅黑" panose="020B0503020204020204" pitchFamily="34" charset="-122"/>
+              <a:ea typeface="微软雅黑" panose="020B0503020204020204" pitchFamily="34" charset="-122"/>
+            </a:endParaRPr>
+          </a:p>
+        </p:txBody>
+      </p:sp>
+      <p:sp>
+        <p:nvSpPr>
+          <p:cNvPr id="6" name="矩形 5"/>
+          <p:cNvSpPr/>
+          <p:nvPr/>
+        </p:nvSpPr>
+        <p:spPr>
+          <a:xfrm>
+            <a:off x="762586" y="1924816"/>
+            <a:ext cx="9277855" cy="2048858"/>
+          </a:xfrm>
+          <a:prstGeom prst="rect">
+            <a:avLst/>
+          </a:prstGeom>
+          <a:noFill/>
+          <a:ln>
+            <a:prstDash val="sysDot"/>
+          </a:ln>
+        </p:spPr>
+        <p:style>
+          <a:lnRef idx="2">
+            <a:schemeClr val="accent1">
+              <a:shade val="50000"/>
+            </a:schemeClr>
+          </a:lnRef>
+          <a:fillRef idx="1">
+            <a:schemeClr val="accent1"/>
+          </a:fillRef>
+          <a:effectRef idx="0">
+            <a:schemeClr val="accent1"/>
+          </a:effectRef>
+          <a:fontRef idx="minor">
+            <a:schemeClr val="lt1"/>
+          </a:fontRef>
+        </p:style>
+        <p:txBody>
+          <a:bodyPr rtlCol="0" anchor="ctr"/>
+          <a:lstStyle/>
+          <a:p>
+            <a:pPr algn="ctr"/>
+            <a:endParaRPr lang="zh-CN" altLang="en-US"/>
+          </a:p>
+        </p:txBody>
+      </p:sp>
+      <p:cxnSp>
+        <p:nvCxnSpPr>
+          <p:cNvPr id="7" name="直接连接符 6"/>
+          <p:cNvCxnSpPr/>
+          <p:nvPr/>
+        </p:nvCxnSpPr>
+        <p:spPr>
+          <a:xfrm>
+            <a:off x="2025001" y="2349812"/>
+            <a:ext cx="7362908" cy="0"/>
+          </a:xfrm>
+          <a:prstGeom prst="line">
+            <a:avLst/>
+          </a:prstGeom>
+          <a:ln w="9525">
+            <a:solidFill>
+              <a:schemeClr val="tx1"/>
+            </a:solidFill>
+            <a:prstDash val="lgDash"/>
+            <a:headEnd type="none" w="med" len="med"/>
+            <a:tailEnd type="triangle" w="med" len="med"/>
+          </a:ln>
+        </p:spPr>
+        <p:style>
+          <a:lnRef idx="1">
+            <a:schemeClr val="accent1"/>
+          </a:lnRef>
+          <a:fillRef idx="0">
+            <a:schemeClr val="accent1"/>
+          </a:fillRef>
+          <a:effectRef idx="0">
+            <a:schemeClr val="accent1"/>
+          </a:effectRef>
+          <a:fontRef idx="minor">
+            <a:schemeClr val="tx1"/>
+          </a:fontRef>
+        </p:style>
+      </p:cxnSp>
+      <p:cxnSp>
+        <p:nvCxnSpPr>
+          <p:cNvPr id="8" name="直接连接符 7"/>
+          <p:cNvCxnSpPr/>
+          <p:nvPr/>
+        </p:nvCxnSpPr>
+        <p:spPr>
+          <a:xfrm>
+            <a:off x="2025001" y="2993867"/>
+            <a:ext cx="7362908" cy="0"/>
+          </a:xfrm>
+          <a:prstGeom prst="line">
+            <a:avLst/>
+          </a:prstGeom>
+          <a:ln w="9525">
+            <a:solidFill>
+              <a:schemeClr val="tx1"/>
+            </a:solidFill>
+            <a:prstDash val="lgDash"/>
+            <a:headEnd type="none" w="med" len="med"/>
+            <a:tailEnd type="triangle" w="med" len="med"/>
+          </a:ln>
+        </p:spPr>
+        <p:style>
+          <a:lnRef idx="1">
+            <a:schemeClr val="accent1"/>
+          </a:lnRef>
+          <a:fillRef idx="0">
+            <a:schemeClr val="accent1"/>
+          </a:fillRef>
+          <a:effectRef idx="0">
+            <a:schemeClr val="accent1"/>
+          </a:effectRef>
+          <a:fontRef idx="minor">
+            <a:schemeClr val="tx1"/>
+          </a:fontRef>
+        </p:style>
+      </p:cxnSp>
+      <p:cxnSp>
+        <p:nvCxnSpPr>
+          <p:cNvPr id="9" name="直接连接符 8"/>
+          <p:cNvCxnSpPr/>
+          <p:nvPr/>
+        </p:nvCxnSpPr>
+        <p:spPr>
+          <a:xfrm>
+            <a:off x="2025001" y="3596915"/>
+            <a:ext cx="7362908" cy="0"/>
+          </a:xfrm>
+          <a:prstGeom prst="line">
+            <a:avLst/>
+          </a:prstGeom>
+          <a:ln w="9525">
+            <a:solidFill>
+              <a:schemeClr val="tx1"/>
+            </a:solidFill>
+            <a:prstDash val="lgDash"/>
+            <a:headEnd type="none" w="med" len="med"/>
+            <a:tailEnd type="triangle" w="med" len="med"/>
+          </a:ln>
+        </p:spPr>
+        <p:style>
+          <a:lnRef idx="1">
+            <a:schemeClr val="accent1"/>
+          </a:lnRef>
+          <a:fillRef idx="0">
+            <a:schemeClr val="accent1"/>
+          </a:fillRef>
+          <a:effectRef idx="0">
+            <a:schemeClr val="accent1"/>
+          </a:effectRef>
+          <a:fontRef idx="minor">
+            <a:schemeClr val="tx1"/>
+          </a:fontRef>
+        </p:style>
+      </p:cxnSp>
+      <p:cxnSp>
+        <p:nvCxnSpPr>
+          <p:cNvPr id="10" name="直接连接符 9"/>
+          <p:cNvCxnSpPr/>
+          <p:nvPr/>
+        </p:nvCxnSpPr>
+        <p:spPr>
+          <a:xfrm>
+            <a:off x="3559603" y="2349812"/>
+            <a:ext cx="3617843" cy="0"/>
+          </a:xfrm>
+          <a:prstGeom prst="line">
+            <a:avLst/>
+          </a:prstGeom>
+          <a:ln w="12700">
+            <a:solidFill>
+              <a:schemeClr val="tx1"/>
+            </a:solidFill>
+          </a:ln>
+        </p:spPr>
+        <p:style>
+          <a:lnRef idx="1">
+            <a:schemeClr val="accent1"/>
+          </a:lnRef>
+          <a:fillRef idx="0">
+            <a:schemeClr val="accent1"/>
+          </a:fillRef>
+          <a:effectRef idx="0">
+            <a:schemeClr val="accent1"/>
+          </a:effectRef>
+          <a:fontRef idx="minor">
+            <a:schemeClr val="tx1"/>
+          </a:fontRef>
+        </p:style>
+      </p:cxnSp>
+      <p:cxnSp>
+        <p:nvCxnSpPr>
+          <p:cNvPr id="11" name="直接箭头连接符 10"/>
+          <p:cNvCxnSpPr/>
+          <p:nvPr/>
+        </p:nvCxnSpPr>
+        <p:spPr>
+          <a:xfrm>
+            <a:off x="3627552" y="2360296"/>
+            <a:ext cx="588396" cy="644056"/>
+          </a:xfrm>
+          <a:prstGeom prst="straightConnector1">
+            <a:avLst/>
+          </a:prstGeom>
+          <a:ln w="12700">
+            <a:solidFill>
+              <a:schemeClr val="tx1"/>
+            </a:solidFill>
+            <a:headEnd type="none" w="med" len="med"/>
+            <a:tailEnd type="triangle" w="med" len="med"/>
+          </a:ln>
+        </p:spPr>
+        <p:style>
+          <a:lnRef idx="1">
+            <a:schemeClr val="accent1"/>
+          </a:lnRef>
+          <a:fillRef idx="0">
+            <a:schemeClr val="accent1"/>
+          </a:fillRef>
+          <a:effectRef idx="0">
+            <a:schemeClr val="accent1"/>
+          </a:effectRef>
+          <a:fontRef idx="minor">
+            <a:schemeClr val="tx1"/>
+          </a:fontRef>
+        </p:style>
+      </p:cxnSp>
+      <p:cxnSp>
+        <p:nvCxnSpPr>
+          <p:cNvPr id="12" name="直接连接符 11"/>
+          <p:cNvCxnSpPr/>
+          <p:nvPr/>
+        </p:nvCxnSpPr>
+        <p:spPr>
+          <a:xfrm>
+            <a:off x="4215948" y="2993866"/>
+            <a:ext cx="1953339" cy="0"/>
+          </a:xfrm>
+          <a:prstGeom prst="line">
+            <a:avLst/>
+          </a:prstGeom>
+          <a:ln w="12700">
+            <a:solidFill>
+              <a:schemeClr val="tx1"/>
+            </a:solidFill>
+          </a:ln>
+        </p:spPr>
+        <p:style>
+          <a:lnRef idx="1">
+            <a:schemeClr val="accent1"/>
+          </a:lnRef>
+          <a:fillRef idx="0">
+            <a:schemeClr val="accent1"/>
+          </a:fillRef>
+          <a:effectRef idx="0">
+            <a:schemeClr val="accent1"/>
+          </a:effectRef>
+          <a:fontRef idx="minor">
+            <a:schemeClr val="tx1"/>
+          </a:fontRef>
+        </p:style>
+      </p:cxnSp>
+      <p:cxnSp>
+        <p:nvCxnSpPr>
+          <p:cNvPr id="13" name="直接箭头连接符 12"/>
+          <p:cNvCxnSpPr/>
+          <p:nvPr/>
+        </p:nvCxnSpPr>
+        <p:spPr>
+          <a:xfrm flipV="1">
+            <a:off x="6169287" y="2348487"/>
+            <a:ext cx="516466" cy="645380"/>
+          </a:xfrm>
+          <a:prstGeom prst="straightConnector1">
+            <a:avLst/>
+          </a:prstGeom>
+          <a:ln w="12700">
+            <a:solidFill>
+              <a:schemeClr val="tx1"/>
+            </a:solidFill>
+            <a:headEnd type="none" w="med" len="med"/>
+            <a:tailEnd type="triangle" w="med" len="med"/>
+          </a:ln>
+        </p:spPr>
+        <p:style>
+          <a:lnRef idx="1">
+            <a:schemeClr val="accent1"/>
+          </a:lnRef>
+          <a:fillRef idx="0">
+            <a:schemeClr val="accent1"/>
+          </a:fillRef>
+          <a:effectRef idx="0">
+            <a:schemeClr val="accent1"/>
+          </a:effectRef>
+          <a:fontRef idx="minor">
+            <a:schemeClr val="tx1"/>
+          </a:fontRef>
+        </p:style>
+      </p:cxnSp>
+      <p:cxnSp>
+        <p:nvCxnSpPr>
+          <p:cNvPr id="14" name="直接箭头连接符 13"/>
+          <p:cNvCxnSpPr/>
+          <p:nvPr/>
+        </p:nvCxnSpPr>
+        <p:spPr>
+          <a:xfrm>
+            <a:off x="4535257" y="3005397"/>
+            <a:ext cx="570290" cy="588255"/>
+          </a:xfrm>
+          <a:prstGeom prst="straightConnector1">
+            <a:avLst/>
+          </a:prstGeom>
+          <a:ln w="12700">
+            <a:solidFill>
+              <a:schemeClr val="tx1"/>
+            </a:solidFill>
+            <a:headEnd type="none" w="med" len="med"/>
+            <a:tailEnd type="triangle" w="med" len="med"/>
+          </a:ln>
+        </p:spPr>
+        <p:style>
+          <a:lnRef idx="1">
+            <a:schemeClr val="accent1"/>
+          </a:lnRef>
+          <a:fillRef idx="0">
+            <a:schemeClr val="accent1"/>
+          </a:fillRef>
+          <a:effectRef idx="0">
+            <a:schemeClr val="accent1"/>
+          </a:effectRef>
+          <a:fontRef idx="minor">
+            <a:schemeClr val="tx1"/>
+          </a:fontRef>
+        </p:style>
+      </p:cxnSp>
+      <p:cxnSp>
+        <p:nvCxnSpPr>
+          <p:cNvPr id="15" name="直接连接符 14"/>
+          <p:cNvCxnSpPr/>
+          <p:nvPr/>
+        </p:nvCxnSpPr>
+        <p:spPr>
+          <a:xfrm>
+            <a:off x="5105547" y="3598063"/>
+            <a:ext cx="325967" cy="1"/>
+          </a:xfrm>
+          <a:prstGeom prst="line">
+            <a:avLst/>
+          </a:prstGeom>
+          <a:ln w="12700">
+            <a:solidFill>
+              <a:schemeClr val="tx1"/>
+            </a:solidFill>
+          </a:ln>
+        </p:spPr>
+        <p:style>
+          <a:lnRef idx="1">
+            <a:schemeClr val="accent1"/>
+          </a:lnRef>
+          <a:fillRef idx="0">
+            <a:schemeClr val="accent1"/>
+          </a:fillRef>
+          <a:effectRef idx="0">
+            <a:schemeClr val="accent1"/>
+          </a:effectRef>
+          <a:fontRef idx="minor">
+            <a:schemeClr val="tx1"/>
+          </a:fontRef>
+        </p:style>
+      </p:cxnSp>
+      <p:cxnSp>
+        <p:nvCxnSpPr>
+          <p:cNvPr id="16" name="直接箭头连接符 15"/>
+          <p:cNvCxnSpPr/>
+          <p:nvPr/>
+        </p:nvCxnSpPr>
+        <p:spPr>
+          <a:xfrm flipV="1">
+            <a:off x="5431514" y="2989634"/>
+            <a:ext cx="488421" cy="610545"/>
+          </a:xfrm>
+          <a:prstGeom prst="straightConnector1">
+            <a:avLst/>
+          </a:prstGeom>
+          <a:ln w="12700">
+            <a:solidFill>
+              <a:schemeClr val="tx1"/>
+            </a:solidFill>
+            <a:headEnd type="none" w="med" len="med"/>
+            <a:tailEnd type="triangle" w="med" len="med"/>
+          </a:ln>
+        </p:spPr>
+        <p:style>
+          <a:lnRef idx="1">
+            <a:schemeClr val="accent1"/>
+          </a:lnRef>
+          <a:fillRef idx="0">
+            <a:schemeClr val="accent1"/>
+          </a:fillRef>
+          <a:effectRef idx="0">
+            <a:schemeClr val="accent1"/>
+          </a:effectRef>
+          <a:fontRef idx="minor">
+            <a:schemeClr val="tx1"/>
+          </a:fontRef>
+        </p:style>
+      </p:cxnSp>
+      <p:sp>
+        <p:nvSpPr>
+          <p:cNvPr id="17" name="文本框 16"/>
           <p:cNvSpPr txBox="1"/>
           <p:nvPr/>
         </p:nvSpPr>
         <p:spPr>
           <a:xfrm>
-            <a:off x="827180" y="1909662"/>
-            <a:ext cx="10319481" cy="1754326"/>
+            <a:off x="762586" y="4754758"/>
+            <a:ext cx="10319481" cy="400110"/>
           </a:xfrm>
           <a:prstGeom prst="rect">
             <a:avLst/>
@@ -10337,146 +11257,50 @@
           <a:lstStyle/>
           <a:p>
             <a:r>
-              <a:rPr lang="zh-CN" altLang="en-US" dirty="0"/>
-              <a:t>全序关系广播需要满足以下两个基本安全属性</a:t>
-            </a:r>
-            <a:r>
-              <a:rPr lang="en-US" altLang="zh-CN" dirty="0"/>
-              <a:t>:</a:t>
-            </a:r>
-          </a:p>
-          <a:p>
-            <a:pPr marL="285750" indent="-285750">
-              <a:buFontTx/>
-              <a:buChar char="-"/>
-            </a:pPr>
-            <a:r>
-              <a:rPr lang="zh-CN" altLang="en-US" dirty="0"/>
-              <a:t>可靠发送</a:t>
-            </a:r>
-            <a:r>
-              <a:rPr lang="en-US" altLang="zh-CN" dirty="0"/>
-              <a:t>: </a:t>
-            </a:r>
-            <a:r>
-              <a:rPr lang="zh-CN" altLang="en-US" dirty="0"/>
-              <a:t>没有消息丢失</a:t>
-            </a:r>
-            <a:r>
-              <a:rPr lang="en-US" altLang="zh-CN" dirty="0"/>
-              <a:t>, </a:t>
-            </a:r>
-            <a:r>
-              <a:rPr lang="zh-CN" altLang="en-US" dirty="0"/>
-              <a:t>如果消息到达了某一个节点</a:t>
-            </a:r>
-            <a:r>
-              <a:rPr lang="en-US" altLang="zh-CN" dirty="0"/>
-              <a:t>, </a:t>
-            </a:r>
-            <a:r>
-              <a:rPr lang="zh-CN" altLang="en-US" dirty="0"/>
-              <a:t>则它一定要发送到所有节点</a:t>
-            </a:r>
-            <a:r>
-              <a:rPr lang="en-US" altLang="zh-CN" dirty="0"/>
-              <a:t>.</a:t>
-            </a:r>
-          </a:p>
-          <a:p>
-            <a:pPr marL="285750" indent="-285750">
-              <a:buFontTx/>
-              <a:buChar char="-"/>
-            </a:pPr>
-            <a:r>
-              <a:rPr lang="zh-CN" altLang="en-US" dirty="0"/>
-              <a:t>严格有序</a:t>
-            </a:r>
-            <a:r>
-              <a:rPr lang="en-US" altLang="zh-CN" dirty="0"/>
-              <a:t>: </a:t>
-            </a:r>
-            <a:r>
-              <a:rPr lang="zh-CN" altLang="en-US" dirty="0"/>
-              <a:t>消息总是以相同的顺序发送给每个节点</a:t>
-            </a:r>
-            <a:r>
-              <a:rPr lang="en-US" altLang="zh-CN" dirty="0"/>
-              <a:t>.</a:t>
-            </a:r>
-          </a:p>
-          <a:p>
-            <a:r>
-              <a:rPr lang="zh-CN" altLang="en-US" dirty="0"/>
-              <a:t>即使节点或网络故障</a:t>
-            </a:r>
-            <a:r>
-              <a:rPr lang="en-US" altLang="zh-CN" dirty="0"/>
-              <a:t>, </a:t>
-            </a:r>
-            <a:r>
-              <a:rPr lang="zh-CN" altLang="en-US" dirty="0"/>
-              <a:t>全序关系广播也必须保证以上两条</a:t>
-            </a:r>
-            <a:r>
-              <a:rPr lang="en-US" altLang="zh-CN" dirty="0"/>
-              <a:t>. </a:t>
-            </a:r>
-            <a:r>
-              <a:rPr lang="zh-CN" altLang="en-US" dirty="0"/>
-              <a:t>算法要求继续重试</a:t>
-            </a:r>
-            <a:r>
-              <a:rPr lang="en-US" altLang="zh-CN" dirty="0"/>
-              <a:t>, </a:t>
-            </a:r>
-            <a:r>
-              <a:rPr lang="zh-CN" altLang="en-US" dirty="0"/>
-              <a:t>直到最终网络修复</a:t>
-            </a:r>
-            <a:r>
-              <a:rPr lang="en-US" altLang="zh-CN" dirty="0"/>
-              <a:t>, </a:t>
-            </a:r>
-            <a:r>
-              <a:rPr lang="zh-CN" altLang="en-US" dirty="0"/>
-              <a:t>消息以正确的顺序发送成功</a:t>
-            </a:r>
-            <a:r>
-              <a:rPr lang="en-US" altLang="zh-CN" dirty="0"/>
-              <a:t>.</a:t>
-            </a:r>
-          </a:p>
-          <a:p>
-            <a:r>
-              <a:rPr lang="zh-CN" altLang="en-US" dirty="0"/>
-              <a:t>消息的传递可以认为是追加一条日志</a:t>
-            </a:r>
-            <a:r>
-              <a:rPr lang="en-US" altLang="zh-CN" dirty="0"/>
-              <a:t>, </a:t>
-            </a:r>
-            <a:r>
-              <a:rPr lang="zh-CN" altLang="en-US" dirty="0"/>
-              <a:t>将日志发送到所有的节点</a:t>
-            </a:r>
-            <a:r>
-              <a:rPr lang="en-US" altLang="zh-CN" dirty="0"/>
-              <a:t>.</a:t>
-            </a:r>
-          </a:p>
-        </p:txBody>
-      </p:sp>
-      <p:sp>
-        <p:nvSpPr>
-          <p:cNvPr id="6" name="文本框 5"/>
+              <a:rPr lang="en-US" altLang="zh-CN" sz="2000" dirty="0">
+                <a:latin typeface="微软雅黑" panose="020B0503020204020204" pitchFamily="34" charset="-122"/>
+                <a:ea typeface="微软雅黑" panose="020B0503020204020204" pitchFamily="34" charset="-122"/>
+              </a:rPr>
+              <a:t>three-phase commit - 3PC</a:t>
+            </a:r>
+            <a:r>
+              <a:rPr lang="zh-CN" altLang="en-US" sz="2000" dirty="0">
+                <a:latin typeface="微软雅黑" panose="020B0503020204020204" pitchFamily="34" charset="-122"/>
+                <a:ea typeface="微软雅黑" panose="020B0503020204020204" pitchFamily="34" charset="-122"/>
+              </a:rPr>
+              <a:t> </a:t>
+            </a:r>
+            <a:r>
+              <a:rPr lang="en-US" altLang="zh-CN" sz="2000" dirty="0">
+                <a:latin typeface="微软雅黑" panose="020B0503020204020204" pitchFamily="34" charset="-122"/>
+                <a:ea typeface="微软雅黑" panose="020B0503020204020204" pitchFamily="34" charset="-122"/>
+              </a:rPr>
+              <a:t>– </a:t>
+            </a:r>
+            <a:r>
+              <a:rPr lang="zh-CN" altLang="en-US" sz="2000" dirty="0">
+                <a:latin typeface="微软雅黑" panose="020B0503020204020204" pitchFamily="34" charset="-122"/>
+                <a:ea typeface="微软雅黑" panose="020B0503020204020204" pitchFamily="34" charset="-122"/>
+              </a:rPr>
+              <a:t>三阶段提交</a:t>
+            </a:r>
+            <a:endParaRPr lang="en-US" altLang="zh-CN" sz="2000" dirty="0">
+              <a:latin typeface="微软雅黑" panose="020B0503020204020204" pitchFamily="34" charset="-122"/>
+              <a:ea typeface="微软雅黑" panose="020B0503020204020204" pitchFamily="34" charset="-122"/>
+            </a:endParaRPr>
+          </a:p>
+        </p:txBody>
+      </p:sp>
+      <p:sp>
+        <p:nvSpPr>
+          <p:cNvPr id="18" name="文本框 17"/>
           <p:cNvSpPr txBox="1"/>
           <p:nvPr/>
         </p:nvSpPr>
         <p:spPr>
           <a:xfrm>
-            <a:off x="827180" y="4191800"/>
-            <a:ext cx="10319481" cy="1477328"/>
+            <a:off x="762586" y="5154868"/>
+            <a:ext cx="10319481" cy="707886"/>
           </a:xfrm>
           <a:prstGeom prst="rect">
             <a:avLst/>
@@ -10490,116 +11314,36 @@
           <a:lstStyle/>
           <a:p>
             <a:r>
-              <a:rPr lang="zh-CN" altLang="en-US" dirty="0"/>
-              <a:t>全序关系广播相当于持续的多轮共识</a:t>
-            </a:r>
-            <a:r>
-              <a:rPr lang="en-US" altLang="zh-CN" dirty="0"/>
-              <a:t>:</a:t>
-            </a:r>
-          </a:p>
-          <a:p>
-            <a:pPr marL="285750" indent="-285750">
-              <a:buFontTx/>
-              <a:buChar char="-"/>
-            </a:pPr>
-            <a:r>
-              <a:rPr lang="zh-CN" altLang="en-US" dirty="0"/>
-              <a:t>由于协商一致性</a:t>
-            </a:r>
-            <a:r>
-              <a:rPr lang="en-US" altLang="zh-CN" dirty="0"/>
-              <a:t>, </a:t>
-            </a:r>
-            <a:r>
-              <a:rPr lang="zh-CN" altLang="en-US" dirty="0"/>
-              <a:t>所有节点决定以相同的顺序发送相同的消息</a:t>
-            </a:r>
-            <a:r>
-              <a:rPr lang="en-US" altLang="zh-CN" dirty="0"/>
-              <a:t>.</a:t>
-            </a:r>
-          </a:p>
-          <a:p>
-            <a:pPr marL="285750" indent="-285750">
-              <a:buFontTx/>
-              <a:buChar char="-"/>
-            </a:pPr>
-            <a:r>
-              <a:rPr lang="zh-CN" altLang="en-US" dirty="0"/>
-              <a:t>由于诚实性</a:t>
-            </a:r>
-            <a:r>
-              <a:rPr lang="en-US" altLang="zh-CN" dirty="0"/>
-              <a:t>, </a:t>
-            </a:r>
-            <a:r>
-              <a:rPr lang="zh-CN" altLang="en-US" dirty="0"/>
-              <a:t>消息不能重复发送</a:t>
-            </a:r>
-            <a:r>
-              <a:rPr lang="en-US" altLang="zh-CN" dirty="0"/>
-              <a:t>.</a:t>
-            </a:r>
-          </a:p>
-          <a:p>
-            <a:pPr marL="285750" indent="-285750">
-              <a:buFontTx/>
-              <a:buChar char="-"/>
-            </a:pPr>
-            <a:r>
-              <a:rPr lang="zh-CN" altLang="en-US" dirty="0"/>
-              <a:t>由于合法性</a:t>
-            </a:r>
-            <a:r>
-              <a:rPr lang="en-US" altLang="zh-CN" dirty="0"/>
-              <a:t>, </a:t>
-            </a:r>
-            <a:r>
-              <a:rPr lang="zh-CN" altLang="en-US" dirty="0"/>
-              <a:t>消息不会被破坏</a:t>
-            </a:r>
-            <a:r>
-              <a:rPr lang="en-US" altLang="zh-CN" dirty="0"/>
-              <a:t>, </a:t>
-            </a:r>
-            <a:r>
-              <a:rPr lang="zh-CN" altLang="en-US" dirty="0"/>
-              <a:t>也不是凭空捏造的</a:t>
-            </a:r>
-            <a:r>
-              <a:rPr lang="en-US" altLang="zh-CN" dirty="0"/>
-              <a:t>.</a:t>
-            </a:r>
-          </a:p>
-          <a:p>
-            <a:pPr marL="285750" indent="-285750">
-              <a:buFontTx/>
-              <a:buChar char="-"/>
-            </a:pPr>
-            <a:r>
-              <a:rPr lang="zh-CN" altLang="en-US" dirty="0"/>
-              <a:t>由于可终止性</a:t>
-            </a:r>
-            <a:r>
-              <a:rPr lang="en-US" altLang="zh-CN" dirty="0"/>
-              <a:t>, </a:t>
-            </a:r>
-            <a:r>
-              <a:rPr lang="zh-CN" altLang="en-US" dirty="0"/>
-              <a:t>消息不会丢失</a:t>
-            </a:r>
-            <a:r>
-              <a:rPr lang="en-US" altLang="zh-CN" dirty="0"/>
-              <a:t>.</a:t>
-            </a:r>
+              <a:rPr lang="zh-CN" altLang="en-US" sz="2000" dirty="0">
+                <a:latin typeface="微软雅黑" panose="020B0503020204020204" pitchFamily="34" charset="-122"/>
+                <a:ea typeface="微软雅黑" panose="020B0503020204020204" pitchFamily="34" charset="-122"/>
+              </a:rPr>
+              <a:t>缺陷</a:t>
+            </a:r>
+            <a:endParaRPr lang="en-US" altLang="zh-CN" sz="2000" dirty="0">
+              <a:latin typeface="微软雅黑" panose="020B0503020204020204" pitchFamily="34" charset="-122"/>
+              <a:ea typeface="微软雅黑" panose="020B0503020204020204" pitchFamily="34" charset="-122"/>
+            </a:endParaRPr>
+          </a:p>
+          <a:p>
+            <a:r>
+              <a:rPr lang="zh-CN" altLang="en-US" sz="2000" dirty="0">
+                <a:latin typeface="微软雅黑" panose="020B0503020204020204" pitchFamily="34" charset="-122"/>
+                <a:ea typeface="微软雅黑" panose="020B0503020204020204" pitchFamily="34" charset="-122"/>
+              </a:rPr>
+              <a:t>非阻塞式原子提交：依赖一个完美的故障检测器判断节点是否失效。</a:t>
+            </a:r>
+            <a:endParaRPr lang="en-US" altLang="zh-CN" sz="2000" dirty="0">
+              <a:latin typeface="微软雅黑" panose="020B0503020204020204" pitchFamily="34" charset="-122"/>
+              <a:ea typeface="微软雅黑" panose="020B0503020204020204" pitchFamily="34" charset="-122"/>
+            </a:endParaRPr>
           </a:p>
         </p:txBody>
       </p:sp>
     </p:spTree>
     <p:extLst>
       <p:ext uri="{BB962C8B-B14F-4D97-AF65-F5344CB8AC3E}">
-        <p14:creationId xmlns:p14="http://schemas.microsoft.com/office/powerpoint/2010/main" val="1173165502"/>
+        <p14:creationId xmlns:p14="http://schemas.microsoft.com/office/powerpoint/2010/main" val="3562123374"/>
       </p:ext>
     </p:extLst>
   </p:cSld>
@@ -10628,246 +11372,14 @@
       </p:grpSpPr>
       <p:sp>
         <p:nvSpPr>
-          <p:cNvPr id="5" name="矩形 4"/>
-          <p:cNvSpPr/>
-          <p:nvPr/>
-        </p:nvSpPr>
-        <p:spPr>
-          <a:xfrm>
-            <a:off x="827178" y="4069447"/>
-            <a:ext cx="9277855" cy="2048858"/>
-          </a:xfrm>
-          <a:prstGeom prst="rect">
-            <a:avLst/>
-          </a:prstGeom>
-          <a:noFill/>
-          <a:ln>
-            <a:prstDash val="sysDot"/>
-          </a:ln>
-        </p:spPr>
-        <p:style>
-          <a:lnRef idx="2">
-            <a:schemeClr val="accent1">
-              <a:shade val="50000"/>
-            </a:schemeClr>
-          </a:lnRef>
-          <a:fillRef idx="1">
-            <a:schemeClr val="accent1"/>
-          </a:fillRef>
-          <a:effectRef idx="0">
-            <a:schemeClr val="accent1"/>
-          </a:effectRef>
-          <a:fontRef idx="minor">
-            <a:schemeClr val="lt1"/>
-          </a:fontRef>
-        </p:style>
-        <p:txBody>
-          <a:bodyPr rtlCol="0" anchor="ctr"/>
-          <a:lstStyle/>
-          <a:p>
-            <a:pPr algn="ctr"/>
-            <a:endParaRPr lang="zh-CN" altLang="en-US"/>
-          </a:p>
-        </p:txBody>
-      </p:sp>
-      <p:cxnSp>
-        <p:nvCxnSpPr>
-          <p:cNvPr id="6" name="直接连接符 5"/>
-          <p:cNvCxnSpPr/>
-          <p:nvPr/>
-        </p:nvCxnSpPr>
-        <p:spPr>
-          <a:xfrm>
-            <a:off x="2089593" y="4494443"/>
-            <a:ext cx="7362908" cy="0"/>
-          </a:xfrm>
-          <a:prstGeom prst="line">
-            <a:avLst/>
-          </a:prstGeom>
-          <a:ln w="9525">
-            <a:solidFill>
-              <a:schemeClr val="tx1"/>
-            </a:solidFill>
-            <a:prstDash val="lgDash"/>
-            <a:headEnd type="none" w="med" len="med"/>
-            <a:tailEnd type="triangle" w="med" len="med"/>
-          </a:ln>
-        </p:spPr>
-        <p:style>
-          <a:lnRef idx="1">
-            <a:schemeClr val="accent1"/>
-          </a:lnRef>
-          <a:fillRef idx="0">
-            <a:schemeClr val="accent1"/>
-          </a:fillRef>
-          <a:effectRef idx="0">
-            <a:schemeClr val="accent1"/>
-          </a:effectRef>
-          <a:fontRef idx="minor">
-            <a:schemeClr val="tx1"/>
-          </a:fontRef>
-        </p:style>
-      </p:cxnSp>
-      <p:cxnSp>
-        <p:nvCxnSpPr>
-          <p:cNvPr id="7" name="直接连接符 6"/>
-          <p:cNvCxnSpPr/>
-          <p:nvPr/>
-        </p:nvCxnSpPr>
-        <p:spPr>
-          <a:xfrm>
-            <a:off x="2089593" y="5138498"/>
-            <a:ext cx="7362908" cy="0"/>
-          </a:xfrm>
-          <a:prstGeom prst="line">
-            <a:avLst/>
-          </a:prstGeom>
-          <a:ln w="9525">
-            <a:solidFill>
-              <a:schemeClr val="tx1"/>
-            </a:solidFill>
-            <a:prstDash val="lgDash"/>
-            <a:headEnd type="none" w="med" len="med"/>
-            <a:tailEnd type="triangle" w="med" len="med"/>
-          </a:ln>
-        </p:spPr>
-        <p:style>
-          <a:lnRef idx="1">
-            <a:schemeClr val="accent1"/>
-          </a:lnRef>
-          <a:fillRef idx="0">
-            <a:schemeClr val="accent1"/>
-          </a:fillRef>
-          <a:effectRef idx="0">
-            <a:schemeClr val="accent1"/>
-          </a:effectRef>
-          <a:fontRef idx="minor">
-            <a:schemeClr val="tx1"/>
-          </a:fontRef>
-        </p:style>
-      </p:cxnSp>
-      <p:cxnSp>
-        <p:nvCxnSpPr>
-          <p:cNvPr id="8" name="直接连接符 7"/>
-          <p:cNvCxnSpPr/>
-          <p:nvPr/>
-        </p:nvCxnSpPr>
-        <p:spPr>
-          <a:xfrm>
-            <a:off x="2089593" y="5741546"/>
-            <a:ext cx="7362908" cy="0"/>
-          </a:xfrm>
-          <a:prstGeom prst="line">
-            <a:avLst/>
-          </a:prstGeom>
-          <a:ln w="9525">
-            <a:solidFill>
-              <a:schemeClr val="tx1"/>
-            </a:solidFill>
-            <a:prstDash val="lgDash"/>
-            <a:headEnd type="none" w="med" len="med"/>
-            <a:tailEnd type="triangle" w="med" len="med"/>
-          </a:ln>
-        </p:spPr>
-        <p:style>
-          <a:lnRef idx="1">
-            <a:schemeClr val="accent1"/>
-          </a:lnRef>
-          <a:fillRef idx="0">
-            <a:schemeClr val="accent1"/>
-          </a:fillRef>
-          <a:effectRef idx="0">
-            <a:schemeClr val="accent1"/>
-          </a:effectRef>
-          <a:fontRef idx="minor">
-            <a:schemeClr val="tx1"/>
-          </a:fontRef>
-        </p:style>
-      </p:cxnSp>
-      <p:cxnSp>
-        <p:nvCxnSpPr>
-          <p:cNvPr id="10" name="直接箭头连接符 9"/>
-          <p:cNvCxnSpPr/>
-          <p:nvPr/>
-        </p:nvCxnSpPr>
-        <p:spPr>
-          <a:xfrm flipV="1">
-            <a:off x="3000809" y="4482914"/>
-            <a:ext cx="545471" cy="663573"/>
-          </a:xfrm>
-          <a:prstGeom prst="straightConnector1">
-            <a:avLst/>
-          </a:prstGeom>
-          <a:ln w="12700">
-            <a:solidFill>
-              <a:schemeClr val="tx1"/>
-            </a:solidFill>
-            <a:headEnd type="none" w="med" len="med"/>
-            <a:tailEnd type="triangle" w="med" len="med"/>
-          </a:ln>
-        </p:spPr>
-        <p:style>
-          <a:lnRef idx="1">
-            <a:schemeClr val="accent1"/>
-          </a:lnRef>
-          <a:fillRef idx="0">
-            <a:schemeClr val="accent1"/>
-          </a:fillRef>
-          <a:effectRef idx="0">
-            <a:schemeClr val="accent1"/>
-          </a:effectRef>
-          <a:fontRef idx="minor">
-            <a:schemeClr val="tx1"/>
-          </a:fontRef>
-        </p:style>
-      </p:cxnSp>
-      <p:cxnSp>
-        <p:nvCxnSpPr>
-          <p:cNvPr id="13" name="直接箭头连接符 12"/>
-          <p:cNvCxnSpPr/>
-          <p:nvPr/>
-        </p:nvCxnSpPr>
-        <p:spPr>
-          <a:xfrm>
-            <a:off x="2988399" y="5148722"/>
-            <a:ext cx="570290" cy="588255"/>
-          </a:xfrm>
-          <a:prstGeom prst="straightConnector1">
-            <a:avLst/>
-          </a:prstGeom>
-          <a:ln w="12700">
-            <a:solidFill>
-              <a:schemeClr val="tx1"/>
-            </a:solidFill>
-            <a:headEnd type="none" w="med" len="med"/>
-            <a:tailEnd type="triangle" w="med" len="med"/>
-          </a:ln>
-        </p:spPr>
-        <p:style>
-          <a:lnRef idx="1">
-            <a:schemeClr val="accent1"/>
-          </a:lnRef>
-          <a:fillRef idx="0">
-            <a:schemeClr val="accent1"/>
-          </a:fillRef>
-          <a:effectRef idx="0">
-            <a:schemeClr val="accent1"/>
-          </a:effectRef>
-          <a:fontRef idx="minor">
-            <a:schemeClr val="tx1"/>
-          </a:fontRef>
-        </p:style>
-      </p:cxnSp>
-      <p:sp>
-        <p:nvSpPr>
-          <p:cNvPr id="16" name="文本框 15"/>
+          <p:cNvPr id="4" name="文本框 3"/>
           <p:cNvSpPr txBox="1"/>
           <p:nvPr/>
         </p:nvSpPr>
         <p:spPr>
           <a:xfrm>
-            <a:off x="827178" y="2003850"/>
-            <a:ext cx="10319481" cy="1200329"/>
+            <a:off x="827180" y="776616"/>
+            <a:ext cx="10319481" cy="707886"/>
           </a:xfrm>
           <a:prstGeom prst="rect">
             <a:avLst/>
@@ -10881,25 +11393,202 @@
           <a:lstStyle/>
           <a:p>
             <a:r>
-              <a:rPr lang="en-US" altLang="zh-CN" dirty="0"/>
-              <a:t>ZooKeeper </a:t>
-            </a:r>
-            <a:r>
-              <a:rPr lang="zh-CN" altLang="en-US" dirty="0"/>
-              <a:t>是主从模式的</a:t>
-            </a:r>
-            <a:r>
-              <a:rPr lang="en-US" altLang="zh-CN" dirty="0"/>
-              <a:t>, </a:t>
-            </a:r>
-            <a:r>
-              <a:rPr lang="zh-CN" altLang="en-US" dirty="0"/>
-              <a:t>具体实现如下</a:t>
-            </a:r>
-            <a:r>
-              <a:rPr lang="en-US" altLang="zh-CN" dirty="0"/>
-              <a:t>:</a:t>
-            </a:r>
+              <a:rPr lang="en-US" altLang="zh-CN" sz="2000" dirty="0">
+                <a:latin typeface="微软雅黑" panose="020B0503020204020204" pitchFamily="34" charset="-122"/>
+                <a:ea typeface="微软雅黑" panose="020B0503020204020204" pitchFamily="34" charset="-122"/>
+              </a:rPr>
+              <a:t>Paxos</a:t>
+            </a:r>
+            <a:r>
+              <a:rPr lang="zh-CN" altLang="en-US" sz="2000" dirty="0">
+                <a:latin typeface="微软雅黑" panose="020B0503020204020204" pitchFamily="34" charset="-122"/>
+                <a:ea typeface="微软雅黑" panose="020B0503020204020204" pitchFamily="34" charset="-122"/>
+              </a:rPr>
+              <a:t>，</a:t>
+            </a:r>
+            <a:r>
+              <a:rPr lang="en-US" altLang="zh-CN" sz="2000" dirty="0">
+                <a:latin typeface="微软雅黑" panose="020B0503020204020204" pitchFamily="34" charset="-122"/>
+                <a:ea typeface="微软雅黑" panose="020B0503020204020204" pitchFamily="34" charset="-122"/>
+              </a:rPr>
+              <a:t>Raft</a:t>
+            </a:r>
+            <a:r>
+              <a:rPr lang="zh-CN" altLang="en-US" sz="2000" dirty="0">
+                <a:latin typeface="微软雅黑" panose="020B0503020204020204" pitchFamily="34" charset="-122"/>
+                <a:ea typeface="微软雅黑" panose="020B0503020204020204" pitchFamily="34" charset="-122"/>
+              </a:rPr>
+              <a:t>，</a:t>
+            </a:r>
+            <a:r>
+              <a:rPr lang="en-US" altLang="zh-CN" sz="2000" dirty="0">
+                <a:latin typeface="微软雅黑" panose="020B0503020204020204" pitchFamily="34" charset="-122"/>
+                <a:ea typeface="微软雅黑" panose="020B0503020204020204" pitchFamily="34" charset="-122"/>
+              </a:rPr>
+              <a:t>Zab </a:t>
+            </a:r>
+            <a:r>
+              <a:rPr lang="zh-CN" altLang="en-US" sz="2000" dirty="0">
+                <a:latin typeface="微软雅黑" panose="020B0503020204020204" pitchFamily="34" charset="-122"/>
+                <a:ea typeface="微软雅黑" panose="020B0503020204020204" pitchFamily="34" charset="-122"/>
+              </a:rPr>
+              <a:t>算法。</a:t>
+            </a:r>
+            <a:endParaRPr lang="en-US" altLang="zh-CN" sz="2000" dirty="0">
+              <a:latin typeface="微软雅黑" panose="020B0503020204020204" pitchFamily="34" charset="-122"/>
+              <a:ea typeface="微软雅黑" panose="020B0503020204020204" pitchFamily="34" charset="-122"/>
+            </a:endParaRPr>
+          </a:p>
+          <a:p>
+            <a:r>
+              <a:rPr lang="zh-CN" altLang="en-US" sz="2000" dirty="0">
+                <a:latin typeface="微软雅黑" panose="020B0503020204020204" pitchFamily="34" charset="-122"/>
+                <a:ea typeface="微软雅黑" panose="020B0503020204020204" pitchFamily="34" charset="-122"/>
+              </a:rPr>
+              <a:t>共同的设计思想：采用全序关系广播（原子广播）。</a:t>
+            </a:r>
+            <a:endParaRPr lang="en-US" altLang="zh-CN" sz="2000" dirty="0">
+              <a:latin typeface="微软雅黑" panose="020B0503020204020204" pitchFamily="34" charset="-122"/>
+              <a:ea typeface="微软雅黑" panose="020B0503020204020204" pitchFamily="34" charset="-122"/>
+            </a:endParaRPr>
+          </a:p>
+        </p:txBody>
+      </p:sp>
+      <p:sp>
+        <p:nvSpPr>
+          <p:cNvPr id="5" name="文本框 4"/>
+          <p:cNvSpPr txBox="1"/>
+          <p:nvPr/>
+        </p:nvSpPr>
+        <p:spPr>
+          <a:xfrm>
+            <a:off x="827179" y="1868655"/>
+            <a:ext cx="10319481" cy="1938992"/>
+          </a:xfrm>
+          <a:prstGeom prst="rect">
+            <a:avLst/>
+          </a:prstGeom>
+          <a:noFill/>
+        </p:spPr>
+        <p:txBody>
+          <a:bodyPr wrap="square" rtlCol="0">
+            <a:spAutoFit/>
+          </a:bodyPr>
+          <a:lstStyle/>
+          <a:p>
+            <a:r>
+              <a:rPr lang="zh-CN" altLang="en-US" sz="2000" dirty="0">
+                <a:latin typeface="微软雅黑" panose="020B0503020204020204" pitchFamily="34" charset="-122"/>
+                <a:ea typeface="微软雅黑" panose="020B0503020204020204" pitchFamily="34" charset="-122"/>
+              </a:rPr>
+              <a:t>全序关系广播需要满足以下两个基本安全属性：</a:t>
+            </a:r>
+            <a:endParaRPr lang="en-US" altLang="zh-CN" sz="2000" dirty="0">
+              <a:latin typeface="微软雅黑" panose="020B0503020204020204" pitchFamily="34" charset="-122"/>
+              <a:ea typeface="微软雅黑" panose="020B0503020204020204" pitchFamily="34" charset="-122"/>
+            </a:endParaRPr>
+          </a:p>
+          <a:p>
+            <a:r>
+              <a:rPr lang="en-US" altLang="zh-CN" sz="2000" dirty="0">
+                <a:latin typeface="微软雅黑" panose="020B0503020204020204" pitchFamily="34" charset="-122"/>
+                <a:ea typeface="微软雅黑" panose="020B0503020204020204" pitchFamily="34" charset="-122"/>
+              </a:rPr>
+              <a:t>- </a:t>
+            </a:r>
+            <a:r>
+              <a:rPr lang="zh-CN" altLang="en-US" sz="2000" dirty="0">
+                <a:latin typeface="微软雅黑" panose="020B0503020204020204" pitchFamily="34" charset="-122"/>
+                <a:ea typeface="微软雅黑" panose="020B0503020204020204" pitchFamily="34" charset="-122"/>
+              </a:rPr>
+              <a:t>可靠发送：没有消息丢失，如果消息到达了某一个节点，则它一定要发送到所有节点。</a:t>
+            </a:r>
+            <a:endParaRPr lang="en-US" altLang="zh-CN" sz="2000" dirty="0">
+              <a:latin typeface="微软雅黑" panose="020B0503020204020204" pitchFamily="34" charset="-122"/>
+              <a:ea typeface="微软雅黑" panose="020B0503020204020204" pitchFamily="34" charset="-122"/>
+            </a:endParaRPr>
+          </a:p>
+          <a:p>
+            <a:r>
+              <a:rPr lang="en-US" altLang="zh-CN" sz="2000" dirty="0">
+                <a:latin typeface="微软雅黑" panose="020B0503020204020204" pitchFamily="34" charset="-122"/>
+                <a:ea typeface="微软雅黑" panose="020B0503020204020204" pitchFamily="34" charset="-122"/>
+              </a:rPr>
+              <a:t>- </a:t>
+            </a:r>
+            <a:r>
+              <a:rPr lang="zh-CN" altLang="en-US" sz="2000" dirty="0">
+                <a:latin typeface="微软雅黑" panose="020B0503020204020204" pitchFamily="34" charset="-122"/>
+                <a:ea typeface="微软雅黑" panose="020B0503020204020204" pitchFamily="34" charset="-122"/>
+              </a:rPr>
+              <a:t>严格有序：消息总是以相同的顺序发送给每个节点。</a:t>
+            </a:r>
+            <a:endParaRPr lang="en-US" altLang="zh-CN" sz="2000" dirty="0">
+              <a:latin typeface="微软雅黑" panose="020B0503020204020204" pitchFamily="34" charset="-122"/>
+              <a:ea typeface="微软雅黑" panose="020B0503020204020204" pitchFamily="34" charset="-122"/>
+            </a:endParaRPr>
+          </a:p>
+          <a:p>
+            <a:r>
+              <a:rPr lang="zh-CN" altLang="en-US" sz="2000" dirty="0">
+                <a:latin typeface="微软雅黑" panose="020B0503020204020204" pitchFamily="34" charset="-122"/>
+                <a:ea typeface="微软雅黑" panose="020B0503020204020204" pitchFamily="34" charset="-122"/>
+              </a:rPr>
+              <a:t>即使节点或网络故障，全序关系广播也必须保证以上两条。算法要求继续重试，直到最终网络修复，消息以正确的顺序发送成功。</a:t>
+            </a:r>
+            <a:endParaRPr lang="en-US" altLang="zh-CN" sz="2000" dirty="0">
+              <a:latin typeface="微软雅黑" panose="020B0503020204020204" pitchFamily="34" charset="-122"/>
+              <a:ea typeface="微软雅黑" panose="020B0503020204020204" pitchFamily="34" charset="-122"/>
+            </a:endParaRPr>
+          </a:p>
+          <a:p>
+            <a:r>
+              <a:rPr lang="zh-CN" altLang="en-US" sz="2000" dirty="0">
+                <a:latin typeface="微软雅黑" panose="020B0503020204020204" pitchFamily="34" charset="-122"/>
+                <a:ea typeface="微软雅黑" panose="020B0503020204020204" pitchFamily="34" charset="-122"/>
+              </a:rPr>
+              <a:t>消息的传递可以认为是追加一条日志，将日志发送到所有的节点。</a:t>
+            </a:r>
+            <a:endParaRPr lang="en-US" altLang="zh-CN" sz="2000" dirty="0">
+              <a:latin typeface="微软雅黑" panose="020B0503020204020204" pitchFamily="34" charset="-122"/>
+              <a:ea typeface="微软雅黑" panose="020B0503020204020204" pitchFamily="34" charset="-122"/>
+            </a:endParaRPr>
+          </a:p>
+        </p:txBody>
+      </p:sp>
+      <p:sp>
+        <p:nvSpPr>
+          <p:cNvPr id="6" name="文本框 5"/>
+          <p:cNvSpPr txBox="1"/>
+          <p:nvPr/>
+        </p:nvSpPr>
+        <p:spPr>
+          <a:xfrm>
+            <a:off x="827180" y="4191800"/>
+            <a:ext cx="10319481" cy="1631216"/>
+          </a:xfrm>
+          <a:prstGeom prst="rect">
+            <a:avLst/>
+          </a:prstGeom>
+          <a:noFill/>
+        </p:spPr>
+        <p:txBody>
+          <a:bodyPr wrap="square" rtlCol="0">
+            <a:spAutoFit/>
+          </a:bodyPr>
+          <a:lstStyle/>
+          <a:p>
+            <a:r>
+              <a:rPr lang="zh-CN" altLang="en-US" sz="2000" dirty="0">
+                <a:latin typeface="微软雅黑" panose="020B0503020204020204" pitchFamily="34" charset="-122"/>
+                <a:ea typeface="微软雅黑" panose="020B0503020204020204" pitchFamily="34" charset="-122"/>
+              </a:rPr>
+              <a:t>全序关系广播相当于持续的多轮共识：</a:t>
+            </a:r>
+            <a:endParaRPr lang="en-US" altLang="zh-CN" sz="2000" dirty="0">
+              <a:latin typeface="微软雅黑" panose="020B0503020204020204" pitchFamily="34" charset="-122"/>
+              <a:ea typeface="微软雅黑" panose="020B0503020204020204" pitchFamily="34" charset="-122"/>
+            </a:endParaRPr>
           </a:p>
           <a:p>
             <a:pPr marL="285750" indent="-285750">
@@ -10907,33 +11596,16 @@
               <a:buChar char="-"/>
             </a:pPr>
             <a:r>
-              <a:rPr lang="en-US" altLang="zh-CN" dirty="0"/>
-              <a:t>Leader </a:t>
-            </a:r>
-            <a:r>
-              <a:rPr lang="zh-CN" altLang="en-US" dirty="0"/>
-              <a:t>向所有 </a:t>
-            </a:r>
-            <a:r>
-              <a:rPr lang="en-US" altLang="zh-CN" dirty="0"/>
-              <a:t>Follower </a:t>
-            </a:r>
-            <a:r>
-              <a:rPr lang="zh-CN" altLang="en-US" dirty="0"/>
-              <a:t>发送一个 </a:t>
-            </a:r>
-            <a:r>
-              <a:rPr lang="en-US" altLang="zh-CN" dirty="0"/>
-              <a:t>Proposal </a:t>
-            </a:r>
-            <a:r>
-              <a:rPr lang="zh-CN" altLang="en-US" dirty="0"/>
-              <a:t>消息 </a:t>
-            </a:r>
-            <a:r>
-              <a:rPr lang="en-US" altLang="zh-CN" dirty="0"/>
-              <a:t>p.</a:t>
-            </a:r>
+              <a:rPr lang="zh-CN" altLang="en-US" sz="2000" dirty="0">
+                <a:latin typeface="微软雅黑" panose="020B0503020204020204" pitchFamily="34" charset="-122"/>
+                <a:ea typeface="微软雅黑" panose="020B0503020204020204" pitchFamily="34" charset="-122"/>
+              </a:rPr>
+              <a:t>由于协商一致性，所有节点决定以相同的顺序发送相同的消息。</a:t>
+            </a:r>
+            <a:endParaRPr lang="en-US" altLang="zh-CN" sz="2000" dirty="0">
+              <a:latin typeface="微软雅黑" panose="020B0503020204020204" pitchFamily="34" charset="-122"/>
+              <a:ea typeface="微软雅黑" panose="020B0503020204020204" pitchFamily="34" charset="-122"/>
+            </a:endParaRPr>
           </a:p>
           <a:p>
             <a:pPr marL="285750" indent="-285750">
@@ -10941,53 +11613,16 @@
               <a:buChar char="-"/>
             </a:pPr>
             <a:r>
-              <a:rPr lang="zh-CN" altLang="en-US" dirty="0"/>
-              <a:t>当一个 </a:t>
-            </a:r>
-            <a:r>
-              <a:rPr lang="en-US" altLang="zh-CN" dirty="0"/>
-              <a:t>Follower </a:t>
-            </a:r>
-            <a:r>
-              <a:rPr lang="zh-CN" altLang="en-US" dirty="0"/>
-              <a:t>接收到消息 </a:t>
-            </a:r>
-            <a:r>
-              <a:rPr lang="en-US" altLang="zh-CN" dirty="0"/>
-              <a:t>p </a:t>
-            </a:r>
-            <a:r>
-              <a:rPr lang="zh-CN" altLang="en-US" dirty="0"/>
-              <a:t>后</a:t>
-            </a:r>
-            <a:r>
-              <a:rPr lang="en-US" altLang="zh-CN" dirty="0"/>
-              <a:t>, </a:t>
-            </a:r>
-            <a:r>
-              <a:rPr lang="zh-CN" altLang="en-US" dirty="0"/>
-              <a:t>会响应 </a:t>
-            </a:r>
-            <a:r>
-              <a:rPr lang="en-US" altLang="zh-CN" dirty="0"/>
-              <a:t>Leader </a:t>
-            </a:r>
-            <a:r>
-              <a:rPr lang="zh-CN" altLang="en-US" dirty="0"/>
-              <a:t>一个 </a:t>
-            </a:r>
-            <a:r>
-              <a:rPr lang="en-US" altLang="zh-CN" dirty="0"/>
-              <a:t>ACK, </a:t>
-            </a:r>
-            <a:r>
-              <a:rPr lang="zh-CN" altLang="en-US" dirty="0"/>
-              <a:t>表示已接收该 </a:t>
-            </a:r>
-            <a:r>
-              <a:rPr lang="en-US" altLang="zh-CN" dirty="0"/>
-              <a:t>Proposal.</a:t>
-            </a:r>
+              <a:rPr lang="zh-CN" altLang="en-US" sz="2000" dirty="0">
+                <a:latin typeface="微软雅黑" panose="020B0503020204020204" pitchFamily="34" charset="-122"/>
+                <a:ea typeface="微软雅黑" panose="020B0503020204020204" pitchFamily="34" charset="-122"/>
+              </a:rPr>
+              <a:t>由于诚实性，消息不能重复发送。</a:t>
+            </a:r>
+            <a:endParaRPr lang="en-US" altLang="zh-CN" sz="2000" dirty="0">
+              <a:latin typeface="微软雅黑" panose="020B0503020204020204" pitchFamily="34" charset="-122"/>
+              <a:ea typeface="微软雅黑" panose="020B0503020204020204" pitchFamily="34" charset="-122"/>
+            </a:endParaRPr>
           </a:p>
           <a:p>
             <a:pPr marL="285750" indent="-285750">
@@ -10995,261 +11630,54 @@
               <a:buChar char="-"/>
             </a:pPr>
             <a:r>
-              <a:rPr lang="zh-CN" altLang="en-US" dirty="0"/>
-              <a:t>当收到仲裁量的服务器发送的确认消息后</a:t>
-            </a:r>
-            <a:r>
-              <a:rPr lang="en-US" altLang="zh-CN" dirty="0"/>
-              <a:t>, Leader </a:t>
-            </a:r>
-            <a:r>
-              <a:rPr lang="zh-CN" altLang="en-US" dirty="0"/>
-              <a:t>就发送消息通知 </a:t>
-            </a:r>
-            <a:r>
-              <a:rPr lang="en-US" altLang="zh-CN" dirty="0"/>
-              <a:t>Follower </a:t>
-            </a:r>
-            <a:r>
-              <a:rPr lang="zh-CN" altLang="en-US" dirty="0"/>
-              <a:t>进行提交</a:t>
-            </a:r>
-            <a:r>
-              <a:rPr lang="en-US" altLang="zh-CN" dirty="0"/>
-              <a:t>.</a:t>
-            </a:r>
-          </a:p>
-        </p:txBody>
-      </p:sp>
-      <p:cxnSp>
-        <p:nvCxnSpPr>
-          <p:cNvPr id="19" name="直接箭头连接符 18"/>
-          <p:cNvCxnSpPr/>
-          <p:nvPr/>
-        </p:nvCxnSpPr>
-        <p:spPr>
-          <a:xfrm>
-            <a:off x="4469905" y="4505973"/>
-            <a:ext cx="723569" cy="653349"/>
-          </a:xfrm>
-          <a:prstGeom prst="straightConnector1">
-            <a:avLst/>
-          </a:prstGeom>
-          <a:ln w="12700">
-            <a:solidFill>
-              <a:schemeClr val="tx1"/>
-            </a:solidFill>
-            <a:headEnd type="none" w="med" len="med"/>
-            <a:tailEnd type="triangle" w="med" len="med"/>
-          </a:ln>
-        </p:spPr>
-        <p:style>
-          <a:lnRef idx="1">
-            <a:schemeClr val="accent1"/>
-          </a:lnRef>
-          <a:fillRef idx="0">
-            <a:schemeClr val="accent1"/>
-          </a:fillRef>
-          <a:effectRef idx="0">
-            <a:schemeClr val="accent1"/>
-          </a:effectRef>
-          <a:fontRef idx="minor">
-            <a:schemeClr val="tx1"/>
-          </a:fontRef>
-        </p:style>
-      </p:cxnSp>
-      <p:cxnSp>
-        <p:nvCxnSpPr>
-          <p:cNvPr id="22" name="直接箭头连接符 21"/>
-          <p:cNvCxnSpPr/>
-          <p:nvPr/>
-        </p:nvCxnSpPr>
-        <p:spPr>
-          <a:xfrm flipV="1">
-            <a:off x="4457495" y="5159322"/>
-            <a:ext cx="735979" cy="577655"/>
-          </a:xfrm>
-          <a:prstGeom prst="straightConnector1">
-            <a:avLst/>
-          </a:prstGeom>
-          <a:ln w="12700">
-            <a:solidFill>
-              <a:schemeClr val="tx1"/>
-            </a:solidFill>
-            <a:headEnd type="none" w="med" len="med"/>
-            <a:tailEnd type="triangle" w="med" len="med"/>
-          </a:ln>
-        </p:spPr>
-        <p:style>
-          <a:lnRef idx="1">
-            <a:schemeClr val="accent1"/>
-          </a:lnRef>
-          <a:fillRef idx="0">
-            <a:schemeClr val="accent1"/>
-          </a:fillRef>
-          <a:effectRef idx="0">
-            <a:schemeClr val="accent1"/>
-          </a:effectRef>
-          <a:fontRef idx="minor">
-            <a:schemeClr val="tx1"/>
-          </a:fontRef>
-        </p:style>
-      </p:cxnSp>
-      <p:cxnSp>
-        <p:nvCxnSpPr>
-          <p:cNvPr id="26" name="直接箭头连接符 25"/>
-          <p:cNvCxnSpPr/>
-          <p:nvPr/>
-        </p:nvCxnSpPr>
-        <p:spPr>
-          <a:xfrm flipV="1">
-            <a:off x="6092280" y="4491615"/>
-            <a:ext cx="545471" cy="663573"/>
-          </a:xfrm>
-          <a:prstGeom prst="straightConnector1">
-            <a:avLst/>
-          </a:prstGeom>
-          <a:ln w="12700">
-            <a:solidFill>
-              <a:schemeClr val="tx1"/>
-            </a:solidFill>
-            <a:headEnd type="none" w="med" len="med"/>
-            <a:tailEnd type="triangle" w="med" len="med"/>
-          </a:ln>
-        </p:spPr>
-        <p:style>
-          <a:lnRef idx="1">
-            <a:schemeClr val="accent1"/>
-          </a:lnRef>
-          <a:fillRef idx="0">
-            <a:schemeClr val="accent1"/>
-          </a:fillRef>
-          <a:effectRef idx="0">
-            <a:schemeClr val="accent1"/>
-          </a:effectRef>
-          <a:fontRef idx="minor">
-            <a:schemeClr val="tx1"/>
-          </a:fontRef>
-        </p:style>
-      </p:cxnSp>
-      <p:cxnSp>
-        <p:nvCxnSpPr>
-          <p:cNvPr id="27" name="直接箭头连接符 26"/>
-          <p:cNvCxnSpPr/>
-          <p:nvPr/>
-        </p:nvCxnSpPr>
-        <p:spPr>
-          <a:xfrm>
-            <a:off x="6079870" y="5157423"/>
-            <a:ext cx="570290" cy="588255"/>
-          </a:xfrm>
-          <a:prstGeom prst="straightConnector1">
-            <a:avLst/>
-          </a:prstGeom>
-          <a:ln w="12700">
-            <a:solidFill>
-              <a:schemeClr val="tx1"/>
-            </a:solidFill>
-            <a:headEnd type="none" w="med" len="med"/>
-            <a:tailEnd type="triangle" w="med" len="med"/>
-          </a:ln>
-        </p:spPr>
-        <p:style>
-          <a:lnRef idx="1">
-            <a:schemeClr val="accent1"/>
-          </a:lnRef>
-          <a:fillRef idx="0">
-            <a:schemeClr val="accent1"/>
-          </a:fillRef>
-          <a:effectRef idx="0">
-            <a:schemeClr val="accent1"/>
-          </a:effectRef>
-          <a:fontRef idx="minor">
-            <a:schemeClr val="tx1"/>
-          </a:fontRef>
-        </p:style>
-      </p:cxnSp>
-      <p:sp>
-        <p:nvSpPr>
-          <p:cNvPr id="28" name="文本框 27"/>
-          <p:cNvSpPr txBox="1"/>
-          <p:nvPr/>
-        </p:nvSpPr>
-        <p:spPr>
-          <a:xfrm>
-            <a:off x="827178" y="681785"/>
-            <a:ext cx="10319481" cy="369332"/>
-          </a:xfrm>
-          <a:prstGeom prst="rect">
-            <a:avLst/>
-          </a:prstGeom>
-          <a:noFill/>
-        </p:spPr>
-        <p:txBody>
-          <a:bodyPr wrap="square" rtlCol="0">
-            <a:spAutoFit/>
-          </a:bodyPr>
-          <a:lstStyle/>
-          <a:p>
-            <a:r>
-              <a:rPr lang="en-US" altLang="zh-CN" dirty="0"/>
-              <a:t>ZooKeeper: </a:t>
-            </a:r>
-            <a:r>
-              <a:rPr lang="zh-CN" altLang="en-US" dirty="0"/>
-              <a:t>内嵌 </a:t>
-            </a:r>
-            <a:r>
-              <a:rPr lang="en-US" altLang="zh-CN" dirty="0"/>
-              <a:t>ZooKeeper </a:t>
-            </a:r>
-            <a:r>
-              <a:rPr lang="zh-CN" altLang="en-US" dirty="0"/>
-              <a:t>原子广播协议 </a:t>
-            </a:r>
-            <a:r>
-              <a:rPr lang="en-US" altLang="zh-CN" dirty="0"/>
-              <a:t>(ZooKeeper Atomic Broadcast protocol, Zab).</a:t>
-            </a:r>
-          </a:p>
-        </p:txBody>
-      </p:sp>
-      <p:sp>
-        <p:nvSpPr>
-          <p:cNvPr id="29" name="文本框 28"/>
-          <p:cNvSpPr txBox="1"/>
-          <p:nvPr/>
-        </p:nvSpPr>
-        <p:spPr>
-          <a:xfrm>
-            <a:off x="827178" y="1342817"/>
-            <a:ext cx="10319481" cy="369332"/>
-          </a:xfrm>
-          <a:prstGeom prst="rect">
-            <a:avLst/>
-          </a:prstGeom>
-          <a:noFill/>
-        </p:spPr>
-        <p:txBody>
-          <a:bodyPr wrap="square" rtlCol="0">
-            <a:spAutoFit/>
-          </a:bodyPr>
-          <a:lstStyle/>
-          <a:p>
-            <a:r>
-              <a:rPr lang="en-US" altLang="zh-CN" dirty="0">
-                <a:hlinkClick r:id="rId2"/>
-              </a:rPr>
-              <a:t>https://blog.csdn.net/qq_28674045/article/details/51392523</a:t>
-            </a:r>
-            <a:endParaRPr lang="en-US" altLang="zh-CN" dirty="0"/>
+              <a:rPr lang="zh-CN" altLang="en-US" sz="2000" dirty="0">
+                <a:latin typeface="微软雅黑" panose="020B0503020204020204" pitchFamily="34" charset="-122"/>
+                <a:ea typeface="微软雅黑" panose="020B0503020204020204" pitchFamily="34" charset="-122"/>
+              </a:rPr>
+              <a:t>由于合法性，消息不会被破坏</a:t>
+            </a:r>
+            <a:r>
+              <a:rPr lang="en-US" altLang="zh-CN" sz="2000" dirty="0">
+                <a:latin typeface="微软雅黑" panose="020B0503020204020204" pitchFamily="34" charset="-122"/>
+                <a:ea typeface="微软雅黑" panose="020B0503020204020204" pitchFamily="34" charset="-122"/>
+              </a:rPr>
+              <a:t>, </a:t>
+            </a:r>
+            <a:r>
+              <a:rPr lang="zh-CN" altLang="en-US" sz="2000" dirty="0">
+                <a:latin typeface="微软雅黑" panose="020B0503020204020204" pitchFamily="34" charset="-122"/>
+                <a:ea typeface="微软雅黑" panose="020B0503020204020204" pitchFamily="34" charset="-122"/>
+              </a:rPr>
+              <a:t>也不是凭空捏造的。</a:t>
+            </a:r>
+            <a:endParaRPr lang="en-US" altLang="zh-CN" sz="2000" dirty="0">
+              <a:latin typeface="微软雅黑" panose="020B0503020204020204" pitchFamily="34" charset="-122"/>
+              <a:ea typeface="微软雅黑" panose="020B0503020204020204" pitchFamily="34" charset="-122"/>
+            </a:endParaRPr>
+          </a:p>
+          <a:p>
+            <a:pPr marL="285750" indent="-285750">
+              <a:buFontTx/>
+              <a:buChar char="-"/>
+            </a:pPr>
+            <a:r>
+              <a:rPr lang="zh-CN" altLang="en-US" sz="2000" dirty="0">
+                <a:latin typeface="微软雅黑" panose="020B0503020204020204" pitchFamily="34" charset="-122"/>
+                <a:ea typeface="微软雅黑" panose="020B0503020204020204" pitchFamily="34" charset="-122"/>
+              </a:rPr>
+              <a:t>由于可终止性，消息不会丢失。</a:t>
+            </a:r>
+            <a:endParaRPr lang="en-US" altLang="zh-CN" sz="2000" dirty="0">
+              <a:latin typeface="微软雅黑" panose="020B0503020204020204" pitchFamily="34" charset="-122"/>
+              <a:ea typeface="微软雅黑" panose="020B0503020204020204" pitchFamily="34" charset="-122"/>
+            </a:endParaRPr>
           </a:p>
         </p:txBody>
       </p:sp>
     </p:spTree>
     <p:extLst>
       <p:ext uri="{BB962C8B-B14F-4D97-AF65-F5344CB8AC3E}">
-        <p14:creationId xmlns:p14="http://schemas.microsoft.com/office/powerpoint/2010/main" val="3231138620"/>
+        <p14:creationId xmlns:p14="http://schemas.microsoft.com/office/powerpoint/2010/main" val="1173165502"/>
       </p:ext>
     </p:extLst>
   </p:cSld>
@@ -11278,14 +11706,246 @@
       </p:grpSpPr>
       <p:sp>
         <p:nvSpPr>
-          <p:cNvPr id="4" name="文本框 3"/>
+          <p:cNvPr id="5" name="矩形 4"/>
+          <p:cNvSpPr/>
+          <p:nvPr/>
+        </p:nvSpPr>
+        <p:spPr>
+          <a:xfrm>
+            <a:off x="827178" y="4069447"/>
+            <a:ext cx="9277855" cy="2048858"/>
+          </a:xfrm>
+          <a:prstGeom prst="rect">
+            <a:avLst/>
+          </a:prstGeom>
+          <a:noFill/>
+          <a:ln>
+            <a:prstDash val="sysDot"/>
+          </a:ln>
+        </p:spPr>
+        <p:style>
+          <a:lnRef idx="2">
+            <a:schemeClr val="accent1">
+              <a:shade val="50000"/>
+            </a:schemeClr>
+          </a:lnRef>
+          <a:fillRef idx="1">
+            <a:schemeClr val="accent1"/>
+          </a:fillRef>
+          <a:effectRef idx="0">
+            <a:schemeClr val="accent1"/>
+          </a:effectRef>
+          <a:fontRef idx="minor">
+            <a:schemeClr val="lt1"/>
+          </a:fontRef>
+        </p:style>
+        <p:txBody>
+          <a:bodyPr rtlCol="0" anchor="ctr"/>
+          <a:lstStyle/>
+          <a:p>
+            <a:pPr algn="ctr"/>
+            <a:endParaRPr lang="zh-CN" altLang="en-US"/>
+          </a:p>
+        </p:txBody>
+      </p:sp>
+      <p:cxnSp>
+        <p:nvCxnSpPr>
+          <p:cNvPr id="6" name="直接连接符 5"/>
+          <p:cNvCxnSpPr/>
+          <p:nvPr/>
+        </p:nvCxnSpPr>
+        <p:spPr>
+          <a:xfrm>
+            <a:off x="2089593" y="4494443"/>
+            <a:ext cx="7362908" cy="0"/>
+          </a:xfrm>
+          <a:prstGeom prst="line">
+            <a:avLst/>
+          </a:prstGeom>
+          <a:ln w="9525">
+            <a:solidFill>
+              <a:schemeClr val="tx1"/>
+            </a:solidFill>
+            <a:prstDash val="lgDash"/>
+            <a:headEnd type="none" w="med" len="med"/>
+            <a:tailEnd type="triangle" w="med" len="med"/>
+          </a:ln>
+        </p:spPr>
+        <p:style>
+          <a:lnRef idx="1">
+            <a:schemeClr val="accent1"/>
+          </a:lnRef>
+          <a:fillRef idx="0">
+            <a:schemeClr val="accent1"/>
+          </a:fillRef>
+          <a:effectRef idx="0">
+            <a:schemeClr val="accent1"/>
+          </a:effectRef>
+          <a:fontRef idx="minor">
+            <a:schemeClr val="tx1"/>
+          </a:fontRef>
+        </p:style>
+      </p:cxnSp>
+      <p:cxnSp>
+        <p:nvCxnSpPr>
+          <p:cNvPr id="7" name="直接连接符 6"/>
+          <p:cNvCxnSpPr/>
+          <p:nvPr/>
+        </p:nvCxnSpPr>
+        <p:spPr>
+          <a:xfrm>
+            <a:off x="2089593" y="5138498"/>
+            <a:ext cx="7362908" cy="0"/>
+          </a:xfrm>
+          <a:prstGeom prst="line">
+            <a:avLst/>
+          </a:prstGeom>
+          <a:ln w="9525">
+            <a:solidFill>
+              <a:schemeClr val="tx1"/>
+            </a:solidFill>
+            <a:prstDash val="lgDash"/>
+            <a:headEnd type="none" w="med" len="med"/>
+            <a:tailEnd type="triangle" w="med" len="med"/>
+          </a:ln>
+        </p:spPr>
+        <p:style>
+          <a:lnRef idx="1">
+            <a:schemeClr val="accent1"/>
+          </a:lnRef>
+          <a:fillRef idx="0">
+            <a:schemeClr val="accent1"/>
+          </a:fillRef>
+          <a:effectRef idx="0">
+            <a:schemeClr val="accent1"/>
+          </a:effectRef>
+          <a:fontRef idx="minor">
+            <a:schemeClr val="tx1"/>
+          </a:fontRef>
+        </p:style>
+      </p:cxnSp>
+      <p:cxnSp>
+        <p:nvCxnSpPr>
+          <p:cNvPr id="8" name="直接连接符 7"/>
+          <p:cNvCxnSpPr/>
+          <p:nvPr/>
+        </p:nvCxnSpPr>
+        <p:spPr>
+          <a:xfrm>
+            <a:off x="2089593" y="5741546"/>
+            <a:ext cx="7362908" cy="0"/>
+          </a:xfrm>
+          <a:prstGeom prst="line">
+            <a:avLst/>
+          </a:prstGeom>
+          <a:ln w="9525">
+            <a:solidFill>
+              <a:schemeClr val="tx1"/>
+            </a:solidFill>
+            <a:prstDash val="lgDash"/>
+            <a:headEnd type="none" w="med" len="med"/>
+            <a:tailEnd type="triangle" w="med" len="med"/>
+          </a:ln>
+        </p:spPr>
+        <p:style>
+          <a:lnRef idx="1">
+            <a:schemeClr val="accent1"/>
+          </a:lnRef>
+          <a:fillRef idx="0">
+            <a:schemeClr val="accent1"/>
+          </a:fillRef>
+          <a:effectRef idx="0">
+            <a:schemeClr val="accent1"/>
+          </a:effectRef>
+          <a:fontRef idx="minor">
+            <a:schemeClr val="tx1"/>
+          </a:fontRef>
+        </p:style>
+      </p:cxnSp>
+      <p:cxnSp>
+        <p:nvCxnSpPr>
+          <p:cNvPr id="10" name="直接箭头连接符 9"/>
+          <p:cNvCxnSpPr/>
+          <p:nvPr/>
+        </p:nvCxnSpPr>
+        <p:spPr>
+          <a:xfrm flipV="1">
+            <a:off x="3000809" y="4482914"/>
+            <a:ext cx="545471" cy="663573"/>
+          </a:xfrm>
+          <a:prstGeom prst="straightConnector1">
+            <a:avLst/>
+          </a:prstGeom>
+          <a:ln w="12700">
+            <a:solidFill>
+              <a:schemeClr val="tx1"/>
+            </a:solidFill>
+            <a:headEnd type="none" w="med" len="med"/>
+            <a:tailEnd type="triangle" w="med" len="med"/>
+          </a:ln>
+        </p:spPr>
+        <p:style>
+          <a:lnRef idx="1">
+            <a:schemeClr val="accent1"/>
+          </a:lnRef>
+          <a:fillRef idx="0">
+            <a:schemeClr val="accent1"/>
+          </a:fillRef>
+          <a:effectRef idx="0">
+            <a:schemeClr val="accent1"/>
+          </a:effectRef>
+          <a:fontRef idx="minor">
+            <a:schemeClr val="tx1"/>
+          </a:fontRef>
+        </p:style>
+      </p:cxnSp>
+      <p:cxnSp>
+        <p:nvCxnSpPr>
+          <p:cNvPr id="13" name="直接箭头连接符 12"/>
+          <p:cNvCxnSpPr/>
+          <p:nvPr/>
+        </p:nvCxnSpPr>
+        <p:spPr>
+          <a:xfrm>
+            <a:off x="2988399" y="5148722"/>
+            <a:ext cx="570290" cy="588255"/>
+          </a:xfrm>
+          <a:prstGeom prst="straightConnector1">
+            <a:avLst/>
+          </a:prstGeom>
+          <a:ln w="12700">
+            <a:solidFill>
+              <a:schemeClr val="tx1"/>
+            </a:solidFill>
+            <a:headEnd type="none" w="med" len="med"/>
+            <a:tailEnd type="triangle" w="med" len="med"/>
+          </a:ln>
+        </p:spPr>
+        <p:style>
+          <a:lnRef idx="1">
+            <a:schemeClr val="accent1"/>
+          </a:lnRef>
+          <a:fillRef idx="0">
+            <a:schemeClr val="accent1"/>
+          </a:fillRef>
+          <a:effectRef idx="0">
+            <a:schemeClr val="accent1"/>
+          </a:effectRef>
+          <a:fontRef idx="minor">
+            <a:schemeClr val="tx1"/>
+          </a:fontRef>
+        </p:style>
+      </p:cxnSp>
+      <p:sp>
+        <p:nvSpPr>
+          <p:cNvPr id="16" name="文本框 15"/>
           <p:cNvSpPr txBox="1"/>
           <p:nvPr/>
         </p:nvSpPr>
         <p:spPr>
           <a:xfrm>
-            <a:off x="851032" y="753347"/>
-            <a:ext cx="10319481" cy="646331"/>
+            <a:off x="827178" y="2344674"/>
+            <a:ext cx="10319481" cy="1323439"/>
           </a:xfrm>
           <a:prstGeom prst="rect">
             <a:avLst/>
@@ -11299,54 +11959,38 @@
           <a:lstStyle/>
           <a:p>
             <a:r>
-              <a:rPr lang="en-US" altLang="zh-CN" dirty="0"/>
-              <a:t>ZooKeeper is a distributed, open-source coordination service for distributed applications.</a:t>
-            </a:r>
-          </a:p>
-          <a:p>
-            <a:r>
-              <a:rPr lang="en-US" altLang="zh-CN" dirty="0"/>
+              <a:rPr lang="en-US" altLang="zh-CN" sz="2000" dirty="0">
+                <a:latin typeface="微软雅黑" panose="020B0503020204020204" pitchFamily="34" charset="-122"/>
+                <a:ea typeface="微软雅黑" panose="020B0503020204020204" pitchFamily="34" charset="-122"/>
+              </a:rPr>
               <a:t>ZooKeeper </a:t>
             </a:r>
             <a:r>
-              <a:rPr lang="zh-CN" altLang="en-US" dirty="0"/>
-              <a:t>是一个用于分布式应用程序的开源分布式协调服务</a:t>
-            </a:r>
-            <a:r>
-              <a:rPr lang="en-US" altLang="zh-CN" dirty="0"/>
-              <a:t>.</a:t>
-            </a:r>
-          </a:p>
-        </p:txBody>
-      </p:sp>
-      <p:sp>
-        <p:nvSpPr>
-          <p:cNvPr id="5" name="文本框 4"/>
-          <p:cNvSpPr txBox="1"/>
-          <p:nvPr/>
-        </p:nvSpPr>
-        <p:spPr>
-          <a:xfrm>
-            <a:off x="851032" y="1677023"/>
-            <a:ext cx="10319481" cy="1477328"/>
-          </a:xfrm>
-          <a:prstGeom prst="rect">
-            <a:avLst/>
-          </a:prstGeom>
-          <a:noFill/>
-        </p:spPr>
-        <p:txBody>
-          <a:bodyPr wrap="square" rtlCol="0">
-            <a:spAutoFit/>
-          </a:bodyPr>
-          <a:lstStyle/>
-          <a:p>
-            <a:r>
-              <a:rPr lang="zh-CN" altLang="en-US" dirty="0"/>
-              <a:t>设计目标</a:t>
-            </a:r>
-            <a:r>
-              <a:rPr lang="en-US" altLang="zh-CN" dirty="0"/>
+              <a:rPr lang="zh-CN" altLang="en-US" sz="2000" dirty="0">
+                <a:latin typeface="微软雅黑" panose="020B0503020204020204" pitchFamily="34" charset="-122"/>
+                <a:ea typeface="微软雅黑" panose="020B0503020204020204" pitchFamily="34" charset="-122"/>
+              </a:rPr>
+              <a:t>是主从模式的</a:t>
+            </a:r>
+            <a:r>
+              <a:rPr lang="en-US" altLang="zh-CN" sz="2000" dirty="0">
+                <a:latin typeface="微软雅黑" panose="020B0503020204020204" pitchFamily="34" charset="-122"/>
+                <a:ea typeface="微软雅黑" panose="020B0503020204020204" pitchFamily="34" charset="-122"/>
+              </a:rPr>
+              <a:t>, </a:t>
+            </a:r>
+            <a:r>
+              <a:rPr lang="zh-CN" altLang="en-US" sz="2000" dirty="0">
+                <a:latin typeface="微软雅黑" panose="020B0503020204020204" pitchFamily="34" charset="-122"/>
+                <a:ea typeface="微软雅黑" panose="020B0503020204020204" pitchFamily="34" charset="-122"/>
+              </a:rPr>
+              <a:t>具体实现如下</a:t>
+            </a:r>
+            <a:r>
+              <a:rPr lang="en-US" altLang="zh-CN" sz="2000" dirty="0">
+                <a:latin typeface="微软雅黑" panose="020B0503020204020204" pitchFamily="34" charset="-122"/>
+                <a:ea typeface="微软雅黑" panose="020B0503020204020204" pitchFamily="34" charset="-122"/>
+              </a:rPr>
               <a:t>:</a:t>
             </a:r>
           </a:p>
@@ -11356,10 +12000,54 @@
               <a:buChar char="-"/>
             </a:pPr>
             <a:r>
-              <a:rPr lang="zh-CN" altLang="en-US" dirty="0"/>
-              <a:t>简单</a:t>
-            </a:r>
-            <a:endParaRPr lang="en-US" altLang="zh-CN" dirty="0"/>
+              <a:rPr lang="en-US" altLang="zh-CN" sz="2000" dirty="0">
+                <a:latin typeface="微软雅黑" panose="020B0503020204020204" pitchFamily="34" charset="-122"/>
+                <a:ea typeface="微软雅黑" panose="020B0503020204020204" pitchFamily="34" charset="-122"/>
+              </a:rPr>
+              <a:t>Leader </a:t>
+            </a:r>
+            <a:r>
+              <a:rPr lang="zh-CN" altLang="en-US" sz="2000" dirty="0">
+                <a:latin typeface="微软雅黑" panose="020B0503020204020204" pitchFamily="34" charset="-122"/>
+                <a:ea typeface="微软雅黑" panose="020B0503020204020204" pitchFamily="34" charset="-122"/>
+              </a:rPr>
+              <a:t>向所有 </a:t>
+            </a:r>
+            <a:r>
+              <a:rPr lang="en-US" altLang="zh-CN" sz="2000" dirty="0">
+                <a:latin typeface="微软雅黑" panose="020B0503020204020204" pitchFamily="34" charset="-122"/>
+                <a:ea typeface="微软雅黑" panose="020B0503020204020204" pitchFamily="34" charset="-122"/>
+              </a:rPr>
+              <a:t>Follower </a:t>
+            </a:r>
+            <a:r>
+              <a:rPr lang="zh-CN" altLang="en-US" sz="2000" dirty="0">
+                <a:latin typeface="微软雅黑" panose="020B0503020204020204" pitchFamily="34" charset="-122"/>
+                <a:ea typeface="微软雅黑" panose="020B0503020204020204" pitchFamily="34" charset="-122"/>
+              </a:rPr>
+              <a:t>发送一个 </a:t>
+            </a:r>
+            <a:r>
+              <a:rPr lang="en-US" altLang="zh-CN" sz="2000" dirty="0">
+                <a:latin typeface="微软雅黑" panose="020B0503020204020204" pitchFamily="34" charset="-122"/>
+                <a:ea typeface="微软雅黑" panose="020B0503020204020204" pitchFamily="34" charset="-122"/>
+              </a:rPr>
+              <a:t>Proposal </a:t>
+            </a:r>
+            <a:r>
+              <a:rPr lang="zh-CN" altLang="en-US" sz="2000" dirty="0">
+                <a:latin typeface="微软雅黑" panose="020B0503020204020204" pitchFamily="34" charset="-122"/>
+                <a:ea typeface="微软雅黑" panose="020B0503020204020204" pitchFamily="34" charset="-122"/>
+              </a:rPr>
+              <a:t>消息 </a:t>
+            </a:r>
+            <a:r>
+              <a:rPr lang="en-US" altLang="zh-CN" sz="2000" dirty="0">
+                <a:latin typeface="微软雅黑" panose="020B0503020204020204" pitchFamily="34" charset="-122"/>
+                <a:ea typeface="微软雅黑" panose="020B0503020204020204" pitchFamily="34" charset="-122"/>
+              </a:rPr>
+              <a:t>p.</a:t>
+            </a:r>
           </a:p>
           <a:p>
             <a:pPr marL="285750" indent="-285750">
@@ -11367,18 +12055,89 @@
               <a:buChar char="-"/>
             </a:pPr>
             <a:r>
-              <a:rPr lang="zh-CN" altLang="en-US" dirty="0"/>
-              <a:t>多节点 </a:t>
-            </a:r>
-            <a:r>
-              <a:rPr lang="en-US" altLang="zh-CN" dirty="0"/>
-              <a:t>/ </a:t>
-            </a:r>
-            <a:r>
-              <a:rPr lang="zh-CN" altLang="en-US" dirty="0"/>
-              <a:t>多副本</a:t>
-            </a:r>
-            <a:endParaRPr lang="en-US" altLang="zh-CN" dirty="0"/>
+              <a:rPr lang="zh-CN" altLang="en-US" sz="2000" dirty="0">
+                <a:latin typeface="微软雅黑" panose="020B0503020204020204" pitchFamily="34" charset="-122"/>
+                <a:ea typeface="微软雅黑" panose="020B0503020204020204" pitchFamily="34" charset="-122"/>
+              </a:rPr>
+              <a:t>当一个 </a:t>
+            </a:r>
+            <a:r>
+              <a:rPr lang="en-US" altLang="zh-CN" sz="2000" dirty="0">
+                <a:latin typeface="微软雅黑" panose="020B0503020204020204" pitchFamily="34" charset="-122"/>
+                <a:ea typeface="微软雅黑" panose="020B0503020204020204" pitchFamily="34" charset="-122"/>
+              </a:rPr>
+              <a:t>Follower </a:t>
+            </a:r>
+            <a:r>
+              <a:rPr lang="zh-CN" altLang="en-US" sz="2000" dirty="0">
+                <a:latin typeface="微软雅黑" panose="020B0503020204020204" pitchFamily="34" charset="-122"/>
+                <a:ea typeface="微软雅黑" panose="020B0503020204020204" pitchFamily="34" charset="-122"/>
+              </a:rPr>
+              <a:t>接收到消息 </a:t>
+            </a:r>
+            <a:r>
+              <a:rPr lang="en-US" altLang="zh-CN" sz="2000" dirty="0">
+                <a:latin typeface="微软雅黑" panose="020B0503020204020204" pitchFamily="34" charset="-122"/>
+                <a:ea typeface="微软雅黑" panose="020B0503020204020204" pitchFamily="34" charset="-122"/>
+              </a:rPr>
+              <a:t>p </a:t>
+            </a:r>
+            <a:r>
+              <a:rPr lang="zh-CN" altLang="en-US" sz="2000" dirty="0">
+                <a:latin typeface="微软雅黑" panose="020B0503020204020204" pitchFamily="34" charset="-122"/>
+                <a:ea typeface="微软雅黑" panose="020B0503020204020204" pitchFamily="34" charset="-122"/>
+              </a:rPr>
+              <a:t>后</a:t>
+            </a:r>
+            <a:r>
+              <a:rPr lang="en-US" altLang="zh-CN" sz="2000" dirty="0">
+                <a:latin typeface="微软雅黑" panose="020B0503020204020204" pitchFamily="34" charset="-122"/>
+                <a:ea typeface="微软雅黑" panose="020B0503020204020204" pitchFamily="34" charset="-122"/>
+              </a:rPr>
+              <a:t>, </a:t>
+            </a:r>
+            <a:r>
+              <a:rPr lang="zh-CN" altLang="en-US" sz="2000" dirty="0">
+                <a:latin typeface="微软雅黑" panose="020B0503020204020204" pitchFamily="34" charset="-122"/>
+                <a:ea typeface="微软雅黑" panose="020B0503020204020204" pitchFamily="34" charset="-122"/>
+              </a:rPr>
+              <a:t>会响应 </a:t>
+            </a:r>
+            <a:r>
+              <a:rPr lang="en-US" altLang="zh-CN" sz="2000" dirty="0">
+                <a:latin typeface="微软雅黑" panose="020B0503020204020204" pitchFamily="34" charset="-122"/>
+                <a:ea typeface="微软雅黑" panose="020B0503020204020204" pitchFamily="34" charset="-122"/>
+              </a:rPr>
+              <a:t>Leader </a:t>
+            </a:r>
+            <a:r>
+              <a:rPr lang="zh-CN" altLang="en-US" sz="2000" dirty="0">
+                <a:latin typeface="微软雅黑" panose="020B0503020204020204" pitchFamily="34" charset="-122"/>
+                <a:ea typeface="微软雅黑" panose="020B0503020204020204" pitchFamily="34" charset="-122"/>
+              </a:rPr>
+              <a:t>一个 </a:t>
+            </a:r>
+            <a:r>
+              <a:rPr lang="en-US" altLang="zh-CN" sz="2000" dirty="0">
+                <a:latin typeface="微软雅黑" panose="020B0503020204020204" pitchFamily="34" charset="-122"/>
+                <a:ea typeface="微软雅黑" panose="020B0503020204020204" pitchFamily="34" charset="-122"/>
+              </a:rPr>
+              <a:t>ACK, </a:t>
+            </a:r>
+            <a:r>
+              <a:rPr lang="zh-CN" altLang="en-US" sz="2000" dirty="0">
+                <a:latin typeface="微软雅黑" panose="020B0503020204020204" pitchFamily="34" charset="-122"/>
+                <a:ea typeface="微软雅黑" panose="020B0503020204020204" pitchFamily="34" charset="-122"/>
+              </a:rPr>
+              <a:t>表示已接收该 </a:t>
+            </a:r>
+            <a:r>
+              <a:rPr lang="en-US" altLang="zh-CN" sz="2000" dirty="0">
+                <a:latin typeface="微软雅黑" panose="020B0503020204020204" pitchFamily="34" charset="-122"/>
+                <a:ea typeface="微软雅黑" panose="020B0503020204020204" pitchFamily="34" charset="-122"/>
+              </a:rPr>
+              <a:t>Proposal.</a:t>
+            </a:r>
           </a:p>
           <a:p>
             <a:pPr marL="285750" indent="-285750">
@@ -11386,69 +12145,294 @@
               <a:buChar char="-"/>
             </a:pPr>
             <a:r>
-              <a:rPr lang="zh-CN" altLang="en-US" dirty="0"/>
-              <a:t>有序</a:t>
+              <a:rPr lang="zh-CN" altLang="en-US" sz="2000" dirty="0">
+                <a:latin typeface="微软雅黑" panose="020B0503020204020204" pitchFamily="34" charset="-122"/>
+                <a:ea typeface="微软雅黑" panose="020B0503020204020204" pitchFamily="34" charset="-122"/>
+              </a:rPr>
+              <a:t>当收到仲裁量的服务器发送的确认消息后</a:t>
+            </a:r>
+            <a:r>
+              <a:rPr lang="en-US" altLang="zh-CN" sz="2000" dirty="0">
+                <a:latin typeface="微软雅黑" panose="020B0503020204020204" pitchFamily="34" charset="-122"/>
+                <a:ea typeface="微软雅黑" panose="020B0503020204020204" pitchFamily="34" charset="-122"/>
+              </a:rPr>
+              <a:t>, Leader </a:t>
+            </a:r>
+            <a:r>
+              <a:rPr lang="zh-CN" altLang="en-US" sz="2000" dirty="0">
+                <a:latin typeface="微软雅黑" panose="020B0503020204020204" pitchFamily="34" charset="-122"/>
+                <a:ea typeface="微软雅黑" panose="020B0503020204020204" pitchFamily="34" charset="-122"/>
+              </a:rPr>
+              <a:t>就发送消息通知 </a:t>
+            </a:r>
+            <a:r>
+              <a:rPr lang="en-US" altLang="zh-CN" sz="2000" dirty="0">
+                <a:latin typeface="微软雅黑" panose="020B0503020204020204" pitchFamily="34" charset="-122"/>
+                <a:ea typeface="微软雅黑" panose="020B0503020204020204" pitchFamily="34" charset="-122"/>
+              </a:rPr>
+              <a:t>Follower </a:t>
+            </a:r>
+            <a:r>
+              <a:rPr lang="zh-CN" altLang="en-US" sz="2000" dirty="0">
+                <a:latin typeface="微软雅黑" panose="020B0503020204020204" pitchFamily="34" charset="-122"/>
+                <a:ea typeface="微软雅黑" panose="020B0503020204020204" pitchFamily="34" charset="-122"/>
+              </a:rPr>
+              <a:t>进行提交</a:t>
+            </a:r>
+            <a:r>
+              <a:rPr lang="en-US" altLang="zh-CN" sz="2000" dirty="0">
+                <a:latin typeface="微软雅黑" panose="020B0503020204020204" pitchFamily="34" charset="-122"/>
+                <a:ea typeface="微软雅黑" panose="020B0503020204020204" pitchFamily="34" charset="-122"/>
+              </a:rPr>
+              <a:t>.</a:t>
+            </a:r>
+          </a:p>
+        </p:txBody>
+      </p:sp>
+      <p:cxnSp>
+        <p:nvCxnSpPr>
+          <p:cNvPr id="19" name="直接箭头连接符 18"/>
+          <p:cNvCxnSpPr/>
+          <p:nvPr/>
+        </p:nvCxnSpPr>
+        <p:spPr>
+          <a:xfrm>
+            <a:off x="4469905" y="4505973"/>
+            <a:ext cx="723569" cy="653349"/>
+          </a:xfrm>
+          <a:prstGeom prst="straightConnector1">
+            <a:avLst/>
+          </a:prstGeom>
+          <a:ln w="12700">
+            <a:solidFill>
+              <a:schemeClr val="tx1"/>
+            </a:solidFill>
+            <a:headEnd type="none" w="med" len="med"/>
+            <a:tailEnd type="triangle" w="med" len="med"/>
+          </a:ln>
+        </p:spPr>
+        <p:style>
+          <a:lnRef idx="1">
+            <a:schemeClr val="accent1"/>
+          </a:lnRef>
+          <a:fillRef idx="0">
+            <a:schemeClr val="accent1"/>
+          </a:fillRef>
+          <a:effectRef idx="0">
+            <a:schemeClr val="accent1"/>
+          </a:effectRef>
+          <a:fontRef idx="minor">
+            <a:schemeClr val="tx1"/>
+          </a:fontRef>
+        </p:style>
+      </p:cxnSp>
+      <p:cxnSp>
+        <p:nvCxnSpPr>
+          <p:cNvPr id="22" name="直接箭头连接符 21"/>
+          <p:cNvCxnSpPr/>
+          <p:nvPr/>
+        </p:nvCxnSpPr>
+        <p:spPr>
+          <a:xfrm flipV="1">
+            <a:off x="4457495" y="5159322"/>
+            <a:ext cx="735979" cy="577655"/>
+          </a:xfrm>
+          <a:prstGeom prst="straightConnector1">
+            <a:avLst/>
+          </a:prstGeom>
+          <a:ln w="12700">
+            <a:solidFill>
+              <a:schemeClr val="tx1"/>
+            </a:solidFill>
+            <a:headEnd type="none" w="med" len="med"/>
+            <a:tailEnd type="triangle" w="med" len="med"/>
+          </a:ln>
+        </p:spPr>
+        <p:style>
+          <a:lnRef idx="1">
+            <a:schemeClr val="accent1"/>
+          </a:lnRef>
+          <a:fillRef idx="0">
+            <a:schemeClr val="accent1"/>
+          </a:fillRef>
+          <a:effectRef idx="0">
+            <a:schemeClr val="accent1"/>
+          </a:effectRef>
+          <a:fontRef idx="minor">
+            <a:schemeClr val="tx1"/>
+          </a:fontRef>
+        </p:style>
+      </p:cxnSp>
+      <p:cxnSp>
+        <p:nvCxnSpPr>
+          <p:cNvPr id="26" name="直接箭头连接符 25"/>
+          <p:cNvCxnSpPr/>
+          <p:nvPr/>
+        </p:nvCxnSpPr>
+        <p:spPr>
+          <a:xfrm flipV="1">
+            <a:off x="6092280" y="4491615"/>
+            <a:ext cx="545471" cy="663573"/>
+          </a:xfrm>
+          <a:prstGeom prst="straightConnector1">
+            <a:avLst/>
+          </a:prstGeom>
+          <a:ln w="12700">
+            <a:solidFill>
+              <a:schemeClr val="tx1"/>
+            </a:solidFill>
+            <a:headEnd type="none" w="med" len="med"/>
+            <a:tailEnd type="triangle" w="med" len="med"/>
+          </a:ln>
+        </p:spPr>
+        <p:style>
+          <a:lnRef idx="1">
+            <a:schemeClr val="accent1"/>
+          </a:lnRef>
+          <a:fillRef idx="0">
+            <a:schemeClr val="accent1"/>
+          </a:fillRef>
+          <a:effectRef idx="0">
+            <a:schemeClr val="accent1"/>
+          </a:effectRef>
+          <a:fontRef idx="minor">
+            <a:schemeClr val="tx1"/>
+          </a:fontRef>
+        </p:style>
+      </p:cxnSp>
+      <p:cxnSp>
+        <p:nvCxnSpPr>
+          <p:cNvPr id="27" name="直接箭头连接符 26"/>
+          <p:cNvCxnSpPr/>
+          <p:nvPr/>
+        </p:nvCxnSpPr>
+        <p:spPr>
+          <a:xfrm>
+            <a:off x="6079870" y="5157423"/>
+            <a:ext cx="570290" cy="588255"/>
+          </a:xfrm>
+          <a:prstGeom prst="straightConnector1">
+            <a:avLst/>
+          </a:prstGeom>
+          <a:ln w="12700">
+            <a:solidFill>
+              <a:schemeClr val="tx1"/>
+            </a:solidFill>
+            <a:headEnd type="none" w="med" len="med"/>
+            <a:tailEnd type="triangle" w="med" len="med"/>
+          </a:ln>
+        </p:spPr>
+        <p:style>
+          <a:lnRef idx="1">
+            <a:schemeClr val="accent1"/>
+          </a:lnRef>
+          <a:fillRef idx="0">
+            <a:schemeClr val="accent1"/>
+          </a:fillRef>
+          <a:effectRef idx="0">
+            <a:schemeClr val="accent1"/>
+          </a:effectRef>
+          <a:fontRef idx="minor">
+            <a:schemeClr val="tx1"/>
+          </a:fontRef>
+        </p:style>
+      </p:cxnSp>
+      <p:sp>
+        <p:nvSpPr>
+          <p:cNvPr id="28" name="文本框 27"/>
+          <p:cNvSpPr txBox="1"/>
+          <p:nvPr/>
+        </p:nvSpPr>
+        <p:spPr>
+          <a:xfrm>
+            <a:off x="827178" y="630415"/>
+            <a:ext cx="10319481" cy="707886"/>
+          </a:xfrm>
+          <a:prstGeom prst="rect">
+            <a:avLst/>
+          </a:prstGeom>
+          <a:noFill/>
+        </p:spPr>
+        <p:txBody>
+          <a:bodyPr wrap="square" rtlCol="0">
+            <a:spAutoFit/>
+          </a:bodyPr>
+          <a:lstStyle/>
+          <a:p>
+            <a:r>
+              <a:rPr lang="en-US" altLang="zh-CN" sz="2000" dirty="0">
+                <a:latin typeface="微软雅黑" panose="020B0503020204020204" pitchFamily="34" charset="-122"/>
+                <a:ea typeface="微软雅黑" panose="020B0503020204020204" pitchFamily="34" charset="-122"/>
+              </a:rPr>
+              <a:t>ZooKeeper: </a:t>
+            </a:r>
+            <a:r>
+              <a:rPr lang="zh-CN" altLang="en-US" sz="2000" dirty="0">
+                <a:latin typeface="微软雅黑" panose="020B0503020204020204" pitchFamily="34" charset="-122"/>
+                <a:ea typeface="微软雅黑" panose="020B0503020204020204" pitchFamily="34" charset="-122"/>
+              </a:rPr>
+              <a:t>内嵌 </a:t>
+            </a:r>
+            <a:r>
+              <a:rPr lang="en-US" altLang="zh-CN" sz="2000" dirty="0">
+                <a:latin typeface="微软雅黑" panose="020B0503020204020204" pitchFamily="34" charset="-122"/>
+                <a:ea typeface="微软雅黑" panose="020B0503020204020204" pitchFamily="34" charset="-122"/>
+              </a:rPr>
+              <a:t>ZooKeeper </a:t>
+            </a:r>
+            <a:r>
+              <a:rPr lang="zh-CN" altLang="en-US" sz="2000" dirty="0">
+                <a:latin typeface="微软雅黑" panose="020B0503020204020204" pitchFamily="34" charset="-122"/>
+                <a:ea typeface="微软雅黑" panose="020B0503020204020204" pitchFamily="34" charset="-122"/>
+              </a:rPr>
+              <a:t>原子广播协议 </a:t>
+            </a:r>
+            <a:r>
+              <a:rPr lang="en-US" altLang="zh-CN" sz="2000" dirty="0">
+                <a:latin typeface="微软雅黑" panose="020B0503020204020204" pitchFamily="34" charset="-122"/>
+                <a:ea typeface="微软雅黑" panose="020B0503020204020204" pitchFamily="34" charset="-122"/>
+              </a:rPr>
+              <a:t>(ZooKeeper Atomic Broadcast protocol, Zab).</a:t>
+            </a:r>
+          </a:p>
+        </p:txBody>
+      </p:sp>
+      <p:sp>
+        <p:nvSpPr>
+          <p:cNvPr id="29" name="文本框 28"/>
+          <p:cNvSpPr txBox="1"/>
+          <p:nvPr/>
+        </p:nvSpPr>
+        <p:spPr>
+          <a:xfrm>
+            <a:off x="827177" y="1554969"/>
+            <a:ext cx="10319481" cy="369332"/>
+          </a:xfrm>
+          <a:prstGeom prst="rect">
+            <a:avLst/>
+          </a:prstGeom>
+          <a:noFill/>
+        </p:spPr>
+        <p:txBody>
+          <a:bodyPr wrap="square" rtlCol="0">
+            <a:spAutoFit/>
+          </a:bodyPr>
+          <a:lstStyle/>
+          <a:p>
+            <a:r>
+              <a:rPr lang="en-US" altLang="zh-CN" dirty="0">
+                <a:hlinkClick r:id="rId2"/>
+              </a:rPr>
+              <a:t>https://blog.csdn.net/qq_28674045/article/details/51392523</a:t>
             </a:r>
             <a:endParaRPr lang="en-US" altLang="zh-CN" dirty="0"/>
           </a:p>
-          <a:p>
-            <a:pPr marL="285750" indent="-285750">
-              <a:buFontTx/>
-              <a:buChar char="-"/>
-            </a:pPr>
-            <a:r>
-              <a:rPr lang="zh-CN" altLang="en-US" dirty="0"/>
-              <a:t>高性能</a:t>
-            </a:r>
-            <a:endParaRPr lang="en-US" altLang="zh-CN" dirty="0"/>
-          </a:p>
-        </p:txBody>
-      </p:sp>
-      <p:pic>
-        <p:nvPicPr>
-          <p:cNvPr id="1026" name="Picture 2" descr="ZooKeeper Service"/>
-          <p:cNvPicPr>
-            <a:picLocks noChangeAspect="1" noChangeArrowheads="1"/>
-          </p:cNvPicPr>
-          <p:nvPr/>
-        </p:nvPicPr>
-        <p:blipFill>
-          <a:blip r:embed="rId2">
-            <a:extLst>
-              <a:ext uri="{28A0092B-C50C-407E-A947-70E740481C1C}">
-                <a14:useLocalDpi xmlns:a14="http://schemas.microsoft.com/office/drawing/2010/main" val="0"/>
-              </a:ext>
-            </a:extLst>
-          </a:blip>
-          <a:srcRect/>
-          <a:stretch>
-            <a:fillRect/>
-          </a:stretch>
-        </p:blipFill>
-        <p:spPr bwMode="auto">
-          <a:xfrm>
-            <a:off x="851032" y="3757699"/>
-            <a:ext cx="5715000" cy="1762126"/>
-          </a:xfrm>
-          <a:prstGeom prst="rect">
-            <a:avLst/>
-          </a:prstGeom>
-          <a:noFill/>
-          <a:extLst>
-            <a:ext uri="{909E8E84-426E-40DD-AFC4-6F175D3DCCD1}">
-              <a14:hiddenFill xmlns:a14="http://schemas.microsoft.com/office/drawing/2010/main">
-                <a:solidFill>
-                  <a:srgbClr val="FFFFFF"/>
-                </a:solidFill>
-              </a14:hiddenFill>
-            </a:ext>
-          </a:extLst>
-        </p:spPr>
-      </p:pic>
+        </p:txBody>
+      </p:sp>
     </p:spTree>
     <p:extLst>
       <p:ext uri="{BB962C8B-B14F-4D97-AF65-F5344CB8AC3E}">
-        <p14:creationId xmlns:p14="http://schemas.microsoft.com/office/powerpoint/2010/main" val="362107815"/>
+        <p14:creationId xmlns:p14="http://schemas.microsoft.com/office/powerpoint/2010/main" val="3231138620"/>
       </p:ext>
     </p:extLst>
   </p:cSld>
@@ -11483,8 +12467,8 @@
         </p:nvSpPr>
         <p:spPr>
           <a:xfrm>
-            <a:off x="835130" y="1072724"/>
-            <a:ext cx="10319481" cy="369332"/>
+            <a:off x="851032" y="753347"/>
+            <a:ext cx="10319481" cy="1015663"/>
           </a:xfrm>
           <a:prstGeom prst="rect">
             <a:avLst/>
@@ -11498,24 +12482,162 @@
           <a:lstStyle/>
           <a:p>
             <a:r>
-              <a:rPr lang="zh-CN" altLang="en-US" dirty="0"/>
+              <a:rPr lang="en-US" altLang="zh-CN" sz="2000" dirty="0">
+                <a:latin typeface="微软雅黑" panose="020B0503020204020204" pitchFamily="34" charset="-122"/>
+                <a:ea typeface="微软雅黑" panose="020B0503020204020204" pitchFamily="34" charset="-122"/>
+              </a:rPr>
+              <a:t>ZooKeeper is a distributed, open-source coordination service for distributed applications.</a:t>
+            </a:r>
+          </a:p>
+          <a:p>
+            <a:r>
+              <a:rPr lang="en-US" altLang="zh-CN" sz="2000" dirty="0">
+                <a:latin typeface="微软雅黑" panose="020B0503020204020204" pitchFamily="34" charset="-122"/>
+                <a:ea typeface="微软雅黑" panose="020B0503020204020204" pitchFamily="34" charset="-122"/>
+              </a:rPr>
+              <a:t>ZooKeeper </a:t>
+            </a:r>
+            <a:r>
+              <a:rPr lang="zh-CN" altLang="en-US" sz="2000" dirty="0">
+                <a:latin typeface="微软雅黑" panose="020B0503020204020204" pitchFamily="34" charset="-122"/>
+                <a:ea typeface="微软雅黑" panose="020B0503020204020204" pitchFamily="34" charset="-122"/>
+              </a:rPr>
+              <a:t>是一个用于分布式应用程序的开源分布式协调服务</a:t>
+            </a:r>
+            <a:r>
+              <a:rPr lang="en-US" altLang="zh-CN" sz="2000" dirty="0">
+                <a:latin typeface="微软雅黑" panose="020B0503020204020204" pitchFamily="34" charset="-122"/>
+                <a:ea typeface="微软雅黑" panose="020B0503020204020204" pitchFamily="34" charset="-122"/>
+              </a:rPr>
+              <a:t>.</a:t>
+            </a:r>
+          </a:p>
+        </p:txBody>
+      </p:sp>
+      <p:sp>
+        <p:nvSpPr>
+          <p:cNvPr id="5" name="文本框 4"/>
+          <p:cNvSpPr txBox="1"/>
+          <p:nvPr/>
+        </p:nvSpPr>
+        <p:spPr>
+          <a:xfrm>
+            <a:off x="851032" y="1947746"/>
+            <a:ext cx="10319481" cy="1631216"/>
+          </a:xfrm>
+          <a:prstGeom prst="rect">
+            <a:avLst/>
+          </a:prstGeom>
+          <a:noFill/>
+        </p:spPr>
+        <p:txBody>
+          <a:bodyPr wrap="square" rtlCol="0">
+            <a:spAutoFit/>
+          </a:bodyPr>
+          <a:lstStyle/>
+          <a:p>
+            <a:r>
+              <a:rPr lang="zh-CN" altLang="en-US" sz="2000" dirty="0">
+                <a:latin typeface="微软雅黑" panose="020B0503020204020204" pitchFamily="34" charset="-122"/>
+                <a:ea typeface="微软雅黑" panose="020B0503020204020204" pitchFamily="34" charset="-122"/>
+              </a:rPr>
+              <a:t>设计目标</a:t>
+            </a:r>
+            <a:r>
+              <a:rPr lang="en-US" altLang="zh-CN" sz="2000" dirty="0">
+                <a:latin typeface="微软雅黑" panose="020B0503020204020204" pitchFamily="34" charset="-122"/>
+                <a:ea typeface="微软雅黑" panose="020B0503020204020204" pitchFamily="34" charset="-122"/>
+              </a:rPr>
+              <a:t>:</a:t>
+            </a:r>
+          </a:p>
+          <a:p>
+            <a:pPr marL="285750" indent="-285750">
+              <a:buFontTx/>
+              <a:buChar char="-"/>
+            </a:pPr>
+            <a:r>
+              <a:rPr lang="zh-CN" altLang="en-US" sz="2000" dirty="0">
+                <a:latin typeface="微软雅黑" panose="020B0503020204020204" pitchFamily="34" charset="-122"/>
+                <a:ea typeface="微软雅黑" panose="020B0503020204020204" pitchFamily="34" charset="-122"/>
+              </a:rPr>
+              <a:t>简单</a:t>
+            </a:r>
+            <a:endParaRPr lang="en-US" altLang="zh-CN" sz="2000" dirty="0">
+              <a:latin typeface="微软雅黑" panose="020B0503020204020204" pitchFamily="34" charset="-122"/>
+              <a:ea typeface="微软雅黑" panose="020B0503020204020204" pitchFamily="34" charset="-122"/>
+            </a:endParaRPr>
+          </a:p>
+          <a:p>
+            <a:pPr marL="285750" indent="-285750">
+              <a:buFontTx/>
+              <a:buChar char="-"/>
+            </a:pPr>
+            <a:r>
+              <a:rPr lang="zh-CN" altLang="en-US" sz="2000" dirty="0">
+                <a:latin typeface="微软雅黑" panose="020B0503020204020204" pitchFamily="34" charset="-122"/>
+                <a:ea typeface="微软雅黑" panose="020B0503020204020204" pitchFamily="34" charset="-122"/>
+              </a:rPr>
+              <a:t>多节点 </a:t>
+            </a:r>
+            <a:r>
+              <a:rPr lang="en-US" altLang="zh-CN" sz="2000" dirty="0">
+                <a:latin typeface="微软雅黑" panose="020B0503020204020204" pitchFamily="34" charset="-122"/>
+                <a:ea typeface="微软雅黑" panose="020B0503020204020204" pitchFamily="34" charset="-122"/>
+              </a:rPr>
+              <a:t>/ </a:t>
+            </a:r>
+            <a:r>
+              <a:rPr lang="zh-CN" altLang="en-US" sz="2000" dirty="0">
+                <a:latin typeface="微软雅黑" panose="020B0503020204020204" pitchFamily="34" charset="-122"/>
+                <a:ea typeface="微软雅黑" panose="020B0503020204020204" pitchFamily="34" charset="-122"/>
+              </a:rPr>
+              <a:t>多副本</a:t>
+            </a:r>
+            <a:endParaRPr lang="en-US" altLang="zh-CN" sz="2000" dirty="0">
+              <a:latin typeface="微软雅黑" panose="020B0503020204020204" pitchFamily="34" charset="-122"/>
+              <a:ea typeface="微软雅黑" panose="020B0503020204020204" pitchFamily="34" charset="-122"/>
+            </a:endParaRPr>
+          </a:p>
+          <a:p>
+            <a:pPr marL="285750" indent="-285750">
+              <a:buFontTx/>
+              <a:buChar char="-"/>
+            </a:pPr>
+            <a:r>
+              <a:rPr lang="zh-CN" altLang="en-US" sz="2000" dirty="0">
+                <a:latin typeface="微软雅黑" panose="020B0503020204020204" pitchFamily="34" charset="-122"/>
+                <a:ea typeface="微软雅黑" panose="020B0503020204020204" pitchFamily="34" charset="-122"/>
+              </a:rPr>
+              <a:t>有序</a:t>
+            </a:r>
+            <a:endParaRPr lang="en-US" altLang="zh-CN" sz="2000" dirty="0">
+              <a:latin typeface="微软雅黑" panose="020B0503020204020204" pitchFamily="34" charset="-122"/>
+              <a:ea typeface="微软雅黑" panose="020B0503020204020204" pitchFamily="34" charset="-122"/>
+            </a:endParaRPr>
+          </a:p>
+          <a:p>
+            <a:pPr marL="285750" indent="-285750">
+              <a:buFontTx/>
+              <a:buChar char="-"/>
+            </a:pPr>
+            <a:r>
+              <a:rPr lang="zh-CN" altLang="en-US" sz="2000" dirty="0">
+                <a:latin typeface="微软雅黑" panose="020B0503020204020204" pitchFamily="34" charset="-122"/>
+                <a:ea typeface="微软雅黑" panose="020B0503020204020204" pitchFamily="34" charset="-122"/>
+              </a:rPr>
               <a:t>高性能</a:t>
             </a:r>
-            <a:r>
-              <a:rPr lang="en-US" altLang="zh-CN" dirty="0"/>
-              <a:t>, </a:t>
-            </a:r>
-            <a:r>
-              <a:rPr lang="zh-CN" altLang="en-US" dirty="0"/>
-              <a:t>高可用</a:t>
-            </a:r>
-            <a:endParaRPr lang="en-US" altLang="zh-CN" dirty="0"/>
+            <a:endParaRPr lang="en-US" altLang="zh-CN" sz="2000" dirty="0">
+              <a:latin typeface="微软雅黑" panose="020B0503020204020204" pitchFamily="34" charset="-122"/>
+              <a:ea typeface="微软雅黑" panose="020B0503020204020204" pitchFamily="34" charset="-122"/>
+            </a:endParaRPr>
           </a:p>
         </p:txBody>
       </p:sp>
       <p:pic>
         <p:nvPicPr>
-          <p:cNvPr id="3074" name="Picture 2" descr="ZooKeeper Throughput as the Read-Write Ratio Varies"/>
+          <p:cNvPr id="1026" name="Picture 2" descr="ZooKeeper Service"/>
           <p:cNvPicPr>
             <a:picLocks noChangeAspect="1" noChangeArrowheads="1"/>
           </p:cNvPicPr>
@@ -11536,8 +12658,8 @@
         </p:blipFill>
         <p:spPr bwMode="auto">
           <a:xfrm>
-            <a:off x="731764" y="1876508"/>
-            <a:ext cx="4762500" cy="3333750"/>
+            <a:off x="851032" y="3757699"/>
+            <a:ext cx="5715000" cy="1762126"/>
           </a:xfrm>
           <a:prstGeom prst="rect">
             <a:avLst/>
@@ -11554,51 +12676,10 @@
           </a:extLst>
         </p:spPr>
       </p:pic>
-      <p:pic>
-        <p:nvPicPr>
-          <p:cNvPr id="3076" name="Picture 4" descr="Reliability in the Presence of Errors"/>
-          <p:cNvPicPr>
-            <a:picLocks noChangeAspect="1" noChangeArrowheads="1"/>
-          </p:cNvPicPr>
-          <p:nvPr/>
-        </p:nvPicPr>
-        <p:blipFill>
-          <a:blip r:embed="rId3">
-            <a:extLst>
-              <a:ext uri="{28A0092B-C50C-407E-A947-70E740481C1C}">
-                <a14:useLocalDpi xmlns:a14="http://schemas.microsoft.com/office/drawing/2010/main" val="0"/>
-              </a:ext>
-            </a:extLst>
-          </a:blip>
-          <a:srcRect/>
-          <a:stretch>
-            <a:fillRect/>
-          </a:stretch>
-        </p:blipFill>
-        <p:spPr bwMode="auto">
-          <a:xfrm>
-            <a:off x="6270468" y="1876508"/>
-            <a:ext cx="4884143" cy="3333750"/>
-          </a:xfrm>
-          <a:prstGeom prst="rect">
-            <a:avLst/>
-          </a:prstGeom>
-          <a:noFill/>
-          <a:extLst>
-            <a:ext uri="{909E8E84-426E-40DD-AFC4-6F175D3DCCD1}">
-              <a14:hiddenFill xmlns:a14="http://schemas.microsoft.com/office/drawing/2010/main">
-                <a:solidFill>
-                  <a:srgbClr val="FFFFFF"/>
-                </a:solidFill>
-              </a14:hiddenFill>
-            </a:ext>
-          </a:extLst>
-        </p:spPr>
-      </p:pic>
     </p:spTree>
     <p:extLst>
       <p:ext uri="{BB962C8B-B14F-4D97-AF65-F5344CB8AC3E}">
-        <p14:creationId xmlns:p14="http://schemas.microsoft.com/office/powerpoint/2010/main" val="1058684061"/>
+        <p14:creationId xmlns:p14="http://schemas.microsoft.com/office/powerpoint/2010/main" val="362107815"/>
       </p:ext>
     </p:extLst>
   </p:cSld>
@@ -11633,8 +12714,8 @@
         </p:nvSpPr>
         <p:spPr>
           <a:xfrm>
-            <a:off x="946449" y="912372"/>
-            <a:ext cx="9573128" cy="1200329"/>
+            <a:off x="835130" y="1072724"/>
+            <a:ext cx="10319481" cy="400110"/>
           </a:xfrm>
           <a:prstGeom prst="rect">
             <a:avLst/>
@@ -11648,57 +12729,36 @@
           <a:lstStyle/>
           <a:p>
             <a:r>
-              <a:rPr lang="zh-CN" altLang="en-US" dirty="0"/>
-              <a:t>数据模型</a:t>
-            </a:r>
-            <a:r>
-              <a:rPr lang="en-US" altLang="zh-CN" dirty="0"/>
-              <a:t>.</a:t>
-            </a:r>
-          </a:p>
-          <a:p>
-            <a:pPr marL="285750" indent="-285750">
-              <a:buFontTx/>
-              <a:buChar char="-"/>
-            </a:pPr>
-            <a:r>
-              <a:rPr lang="zh-CN" altLang="en-US" dirty="0"/>
-              <a:t>类似文件系统</a:t>
-            </a:r>
-            <a:r>
-              <a:rPr lang="en-US" altLang="zh-CN" dirty="0"/>
-              <a:t>.</a:t>
-            </a:r>
-          </a:p>
-          <a:p>
-            <a:pPr marL="285750" indent="-285750">
-              <a:buFontTx/>
-              <a:buChar char="-"/>
-            </a:pPr>
-            <a:r>
-              <a:rPr lang="en-US" altLang="zh-CN" dirty="0"/>
-              <a:t>ACL</a:t>
-            </a:r>
-          </a:p>
-          <a:p>
-            <a:pPr marL="285750" indent="-285750">
-              <a:buFontTx/>
-              <a:buChar char="-"/>
-            </a:pPr>
-            <a:r>
-              <a:rPr lang="zh-CN" altLang="en-US" dirty="0"/>
-              <a:t>持久节点和临时节点</a:t>
-            </a:r>
-            <a:r>
-              <a:rPr lang="en-US" altLang="zh-CN" dirty="0"/>
-              <a:t>.</a:t>
-            </a:r>
+              <a:rPr lang="zh-CN" altLang="en-US" sz="2000" dirty="0">
+                <a:latin typeface="微软雅黑" panose="020B0503020204020204" pitchFamily="34" charset="-122"/>
+                <a:ea typeface="微软雅黑" panose="020B0503020204020204" pitchFamily="34" charset="-122"/>
+              </a:rPr>
+              <a:t>高性能</a:t>
+            </a:r>
+            <a:r>
+              <a:rPr lang="en-US" altLang="zh-CN" sz="2000" dirty="0">
+                <a:latin typeface="微软雅黑" panose="020B0503020204020204" pitchFamily="34" charset="-122"/>
+                <a:ea typeface="微软雅黑" panose="020B0503020204020204" pitchFamily="34" charset="-122"/>
+              </a:rPr>
+              <a:t>, </a:t>
+            </a:r>
+            <a:r>
+              <a:rPr lang="zh-CN" altLang="en-US" sz="2000" dirty="0">
+                <a:latin typeface="微软雅黑" panose="020B0503020204020204" pitchFamily="34" charset="-122"/>
+                <a:ea typeface="微软雅黑" panose="020B0503020204020204" pitchFamily="34" charset="-122"/>
+              </a:rPr>
+              <a:t>高可用</a:t>
+            </a:r>
+            <a:endParaRPr lang="en-US" altLang="zh-CN" sz="2000" dirty="0">
+              <a:latin typeface="微软雅黑" panose="020B0503020204020204" pitchFamily="34" charset="-122"/>
+              <a:ea typeface="微软雅黑" panose="020B0503020204020204" pitchFamily="34" charset="-122"/>
+            </a:endParaRPr>
           </a:p>
         </p:txBody>
       </p:sp>
       <p:pic>
         <p:nvPicPr>
-          <p:cNvPr id="2050" name="Picture 2" descr="ZooKeeper's Hierarchical Namespace"/>
+          <p:cNvPr id="3074" name="Picture 2" descr="ZooKeeper Throughput as the Read-Write Ratio Varies"/>
           <p:cNvPicPr>
             <a:picLocks noChangeAspect="1" noChangeArrowheads="1"/>
           </p:cNvPicPr>
@@ -11719,8 +12779,8 @@
         </p:blipFill>
         <p:spPr bwMode="auto">
           <a:xfrm>
-            <a:off x="946449" y="2512627"/>
-            <a:ext cx="4210050" cy="2409826"/>
+            <a:off x="731764" y="1876508"/>
+            <a:ext cx="4762500" cy="3333750"/>
           </a:xfrm>
           <a:prstGeom prst="rect">
             <a:avLst/>
@@ -11737,10 +12797,51 @@
           </a:extLst>
         </p:spPr>
       </p:pic>
+      <p:pic>
+        <p:nvPicPr>
+          <p:cNvPr id="3076" name="Picture 4" descr="Reliability in the Presence of Errors"/>
+          <p:cNvPicPr>
+            <a:picLocks noChangeAspect="1" noChangeArrowheads="1"/>
+          </p:cNvPicPr>
+          <p:nvPr/>
+        </p:nvPicPr>
+        <p:blipFill>
+          <a:blip r:embed="rId3">
+            <a:extLst>
+              <a:ext uri="{28A0092B-C50C-407E-A947-70E740481C1C}">
+                <a14:useLocalDpi xmlns:a14="http://schemas.microsoft.com/office/drawing/2010/main" val="0"/>
+              </a:ext>
+            </a:extLst>
+          </a:blip>
+          <a:srcRect/>
+          <a:stretch>
+            <a:fillRect/>
+          </a:stretch>
+        </p:blipFill>
+        <p:spPr bwMode="auto">
+          <a:xfrm>
+            <a:off x="6270468" y="1876508"/>
+            <a:ext cx="4884143" cy="3333750"/>
+          </a:xfrm>
+          <a:prstGeom prst="rect">
+            <a:avLst/>
+          </a:prstGeom>
+          <a:noFill/>
+          <a:extLst>
+            <a:ext uri="{909E8E84-426E-40DD-AFC4-6F175D3DCCD1}">
+              <a14:hiddenFill xmlns:a14="http://schemas.microsoft.com/office/drawing/2010/main">
+                <a:solidFill>
+                  <a:srgbClr val="FFFFFF"/>
+                </a:solidFill>
+              </a14:hiddenFill>
+            </a:ext>
+          </a:extLst>
+        </p:spPr>
+      </p:pic>
     </p:spTree>
     <p:extLst>
       <p:ext uri="{BB962C8B-B14F-4D97-AF65-F5344CB8AC3E}">
-        <p14:creationId xmlns:p14="http://schemas.microsoft.com/office/powerpoint/2010/main" val="2232238111"/>
+        <p14:creationId xmlns:p14="http://schemas.microsoft.com/office/powerpoint/2010/main" val="1058684061"/>
       </p:ext>
     </p:extLst>
   </p:cSld>
@@ -11769,14 +12870,14 @@
       </p:grpSpPr>
       <p:sp>
         <p:nvSpPr>
-          <p:cNvPr id="5" name="文本框 4"/>
+          <p:cNvPr id="4" name="文本框 3"/>
           <p:cNvSpPr txBox="1"/>
           <p:nvPr/>
         </p:nvSpPr>
         <p:spPr>
           <a:xfrm>
-            <a:off x="1041865" y="889843"/>
-            <a:ext cx="9573128" cy="1477328"/>
+            <a:off x="946449" y="912372"/>
+            <a:ext cx="9573128" cy="1323439"/>
           </a:xfrm>
           <a:prstGeom prst="rect">
             <a:avLst/>
@@ -11790,12 +12891,18 @@
           <a:lstStyle/>
           <a:p>
             <a:r>
-              <a:rPr lang="zh-CN" altLang="en-US" dirty="0"/>
-              <a:t>角色</a:t>
-            </a:r>
-            <a:r>
-              <a:rPr lang="en-US" altLang="zh-CN" dirty="0"/>
-              <a:t>:</a:t>
+              <a:rPr lang="zh-CN" altLang="en-US" sz="2000" dirty="0">
+                <a:latin typeface="微软雅黑" panose="020B0503020204020204" pitchFamily="34" charset="-122"/>
+                <a:ea typeface="微软雅黑" panose="020B0503020204020204" pitchFamily="34" charset="-122"/>
+              </a:rPr>
+              <a:t>数据模型</a:t>
+            </a:r>
+            <a:r>
+              <a:rPr lang="en-US" altLang="zh-CN" sz="2000" dirty="0">
+                <a:latin typeface="微软雅黑" panose="020B0503020204020204" pitchFamily="34" charset="-122"/>
+                <a:ea typeface="微软雅黑" panose="020B0503020204020204" pitchFamily="34" charset="-122"/>
+              </a:rPr>
+              <a:t>.</a:t>
             </a:r>
           </a:p>
           <a:p>
@@ -11804,8 +12911,18 @@
               <a:buChar char="-"/>
             </a:pPr>
             <a:r>
-              <a:rPr lang="en-US" altLang="zh-CN" dirty="0"/>
-              <a:t>Leader</a:t>
+              <a:rPr lang="zh-CN" altLang="en-US" sz="2000" dirty="0">
+                <a:latin typeface="微软雅黑" panose="020B0503020204020204" pitchFamily="34" charset="-122"/>
+                <a:ea typeface="微软雅黑" panose="020B0503020204020204" pitchFamily="34" charset="-122"/>
+              </a:rPr>
+              <a:t>类似文件系统</a:t>
+            </a:r>
+            <a:r>
+              <a:rPr lang="en-US" altLang="zh-CN" sz="2000" dirty="0">
+                <a:latin typeface="微软雅黑" panose="020B0503020204020204" pitchFamily="34" charset="-122"/>
+                <a:ea typeface="微软雅黑" panose="020B0503020204020204" pitchFamily="34" charset="-122"/>
+              </a:rPr>
+              <a:t>.</a:t>
             </a:r>
           </a:p>
           <a:p>
@@ -11814,8 +12931,11 @@
               <a:buChar char="-"/>
             </a:pPr>
             <a:r>
-              <a:rPr lang="en-US" altLang="zh-CN" dirty="0"/>
-              <a:t>Follower</a:t>
+              <a:rPr lang="en-US" altLang="zh-CN" sz="2000" dirty="0">
+                <a:latin typeface="微软雅黑" panose="020B0503020204020204" pitchFamily="34" charset="-122"/>
+                <a:ea typeface="微软雅黑" panose="020B0503020204020204" pitchFamily="34" charset="-122"/>
+              </a:rPr>
+              <a:t>ACL</a:t>
             </a:r>
           </a:p>
           <a:p>
@@ -11824,89 +12944,67 @@
               <a:buChar char="-"/>
             </a:pPr>
             <a:r>
-              <a:rPr lang="en-US" altLang="zh-CN" dirty="0"/>
-              <a:t>Observer</a:t>
-            </a:r>
-          </a:p>
-          <a:p>
-            <a:endParaRPr lang="en-US" altLang="zh-CN" dirty="0"/>
-          </a:p>
-        </p:txBody>
-      </p:sp>
-      <p:sp>
-        <p:nvSpPr>
-          <p:cNvPr id="6" name="文本框 5"/>
-          <p:cNvSpPr txBox="1"/>
+              <a:rPr lang="zh-CN" altLang="en-US" sz="2000" dirty="0">
+                <a:latin typeface="微软雅黑" panose="020B0503020204020204" pitchFamily="34" charset="-122"/>
+                <a:ea typeface="微软雅黑" panose="020B0503020204020204" pitchFamily="34" charset="-122"/>
+              </a:rPr>
+              <a:t>持久节点和临时节点</a:t>
+            </a:r>
+            <a:r>
+              <a:rPr lang="en-US" altLang="zh-CN" sz="2000" dirty="0">
+                <a:latin typeface="微软雅黑" panose="020B0503020204020204" pitchFamily="34" charset="-122"/>
+                <a:ea typeface="微软雅黑" panose="020B0503020204020204" pitchFamily="34" charset="-122"/>
+              </a:rPr>
+              <a:t>.</a:t>
+            </a:r>
+          </a:p>
+        </p:txBody>
+      </p:sp>
+      <p:pic>
+        <p:nvPicPr>
+          <p:cNvPr id="2050" name="Picture 2" descr="ZooKeeper's Hierarchical Namespace"/>
+          <p:cNvPicPr>
+            <a:picLocks noChangeAspect="1" noChangeArrowheads="1"/>
+          </p:cNvPicPr>
           <p:nvPr/>
-        </p:nvSpPr>
-        <p:spPr>
-          <a:xfrm>
-            <a:off x="1041865" y="3296640"/>
-            <a:ext cx="9573128" cy="1200329"/>
+        </p:nvPicPr>
+        <p:blipFill>
+          <a:blip r:embed="rId2">
+            <a:extLst>
+              <a:ext uri="{28A0092B-C50C-407E-A947-70E740481C1C}">
+                <a14:useLocalDpi xmlns:a14="http://schemas.microsoft.com/office/drawing/2010/main" val="0"/>
+              </a:ext>
+            </a:extLst>
+          </a:blip>
+          <a:srcRect/>
+          <a:stretch>
+            <a:fillRect/>
+          </a:stretch>
+        </p:blipFill>
+        <p:spPr bwMode="auto">
+          <a:xfrm>
+            <a:off x="946449" y="2512627"/>
+            <a:ext cx="4210050" cy="2409826"/>
           </a:xfrm>
           <a:prstGeom prst="rect">
             <a:avLst/>
           </a:prstGeom>
           <a:noFill/>
-        </p:spPr>
-        <p:txBody>
-          <a:bodyPr wrap="square" rtlCol="0">
-            <a:spAutoFit/>
-          </a:bodyPr>
-          <a:lstStyle/>
-          <a:p>
-            <a:r>
-              <a:rPr lang="zh-CN" altLang="en-US" dirty="0"/>
-              <a:t>会话</a:t>
-            </a:r>
-            <a:r>
-              <a:rPr lang="en-US" altLang="zh-CN" dirty="0"/>
-              <a:t>:</a:t>
-            </a:r>
-          </a:p>
-          <a:p>
-            <a:pPr marL="285750" indent="-285750">
-              <a:buFontTx/>
-              <a:buChar char="-"/>
-            </a:pPr>
-            <a:r>
-              <a:rPr lang="zh-CN" altLang="en-US" dirty="0"/>
-              <a:t>客户端建立连接</a:t>
-            </a:r>
-            <a:endParaRPr lang="en-US" altLang="zh-CN" dirty="0"/>
-          </a:p>
-          <a:p>
-            <a:pPr marL="285750" indent="-285750">
-              <a:buFontTx/>
-              <a:buChar char="-"/>
-            </a:pPr>
-            <a:r>
-              <a:rPr lang="zh-CN" altLang="en-US" dirty="0"/>
-              <a:t>增删改查</a:t>
-            </a:r>
-            <a:endParaRPr lang="en-US" altLang="zh-CN" dirty="0"/>
-          </a:p>
-          <a:p>
-            <a:pPr marL="285750" indent="-285750">
-              <a:buFontTx/>
-              <a:buChar char="-"/>
-            </a:pPr>
-            <a:r>
-              <a:rPr lang="en-US" altLang="zh-CN" dirty="0"/>
-              <a:t>Watcher </a:t>
-            </a:r>
-            <a:r>
-              <a:rPr lang="zh-CN" altLang="en-US" dirty="0"/>
-              <a:t>机制</a:t>
-            </a:r>
-            <a:endParaRPr lang="en-US" altLang="zh-CN" dirty="0"/>
-          </a:p>
-        </p:txBody>
-      </p:sp>
+          <a:extLst>
+            <a:ext uri="{909E8E84-426E-40DD-AFC4-6F175D3DCCD1}">
+              <a14:hiddenFill xmlns:a14="http://schemas.microsoft.com/office/drawing/2010/main">
+                <a:solidFill>
+                  <a:srgbClr val="FFFFFF"/>
+                </a:solidFill>
+              </a14:hiddenFill>
+            </a:ext>
+          </a:extLst>
+        </p:spPr>
+      </p:pic>
     </p:spTree>
     <p:extLst>
       <p:ext uri="{BB962C8B-B14F-4D97-AF65-F5344CB8AC3E}">
-        <p14:creationId xmlns:p14="http://schemas.microsoft.com/office/powerpoint/2010/main" val="432452877"/>
+        <p14:creationId xmlns:p14="http://schemas.microsoft.com/office/powerpoint/2010/main" val="2232238111"/>
       </p:ext>
     </p:extLst>
   </p:cSld>
@@ -11935,14 +13033,14 @@
       </p:grpSpPr>
       <p:sp>
         <p:nvSpPr>
-          <p:cNvPr id="4" name="文本框 3"/>
+          <p:cNvPr id="5" name="文本框 4"/>
           <p:cNvSpPr txBox="1"/>
           <p:nvPr/>
         </p:nvSpPr>
         <p:spPr>
           <a:xfrm>
-            <a:off x="970304" y="784029"/>
-            <a:ext cx="9573128" cy="369332"/>
+            <a:off x="1041865" y="889843"/>
+            <a:ext cx="9573128" cy="1631216"/>
           </a:xfrm>
           <a:prstGeom prst="rect">
             <a:avLst/>
@@ -11956,23 +13054,77 @@
           <a:lstStyle/>
           <a:p>
             <a:r>
-              <a:rPr lang="zh-CN" altLang="en-US" dirty="0"/>
-              <a:t>内存数据</a:t>
-            </a:r>
-            <a:endParaRPr lang="en-US" altLang="zh-CN" dirty="0"/>
-          </a:p>
-        </p:txBody>
-      </p:sp>
-      <p:sp>
-        <p:nvSpPr>
-          <p:cNvPr id="5" name="文本框 4"/>
+              <a:rPr lang="zh-CN" altLang="en-US" sz="2000" dirty="0">
+                <a:latin typeface="微软雅黑" panose="020B0503020204020204" pitchFamily="34" charset="-122"/>
+                <a:ea typeface="微软雅黑" panose="020B0503020204020204" pitchFamily="34" charset="-122"/>
+              </a:rPr>
+              <a:t>角色</a:t>
+            </a:r>
+            <a:r>
+              <a:rPr lang="en-US" altLang="zh-CN" sz="2000" dirty="0">
+                <a:latin typeface="微软雅黑" panose="020B0503020204020204" pitchFamily="34" charset="-122"/>
+                <a:ea typeface="微软雅黑" panose="020B0503020204020204" pitchFamily="34" charset="-122"/>
+              </a:rPr>
+              <a:t>:</a:t>
+            </a:r>
+          </a:p>
+          <a:p>
+            <a:pPr marL="285750" indent="-285750">
+              <a:buFontTx/>
+              <a:buChar char="-"/>
+            </a:pPr>
+            <a:r>
+              <a:rPr lang="en-US" altLang="zh-CN" sz="2000" dirty="0">
+                <a:latin typeface="微软雅黑" panose="020B0503020204020204" pitchFamily="34" charset="-122"/>
+                <a:ea typeface="微软雅黑" panose="020B0503020204020204" pitchFamily="34" charset="-122"/>
+              </a:rPr>
+              <a:t>Leader</a:t>
+            </a:r>
+          </a:p>
+          <a:p>
+            <a:pPr marL="285750" indent="-285750">
+              <a:buFontTx/>
+              <a:buChar char="-"/>
+            </a:pPr>
+            <a:r>
+              <a:rPr lang="en-US" altLang="zh-CN" sz="2000" dirty="0">
+                <a:latin typeface="微软雅黑" panose="020B0503020204020204" pitchFamily="34" charset="-122"/>
+                <a:ea typeface="微软雅黑" panose="020B0503020204020204" pitchFamily="34" charset="-122"/>
+              </a:rPr>
+              <a:t>Follower</a:t>
+            </a:r>
+          </a:p>
+          <a:p>
+            <a:pPr marL="285750" indent="-285750">
+              <a:buFontTx/>
+              <a:buChar char="-"/>
+            </a:pPr>
+            <a:r>
+              <a:rPr lang="en-US" altLang="zh-CN" sz="2000" dirty="0">
+                <a:latin typeface="微软雅黑" panose="020B0503020204020204" pitchFamily="34" charset="-122"/>
+                <a:ea typeface="微软雅黑" panose="020B0503020204020204" pitchFamily="34" charset="-122"/>
+              </a:rPr>
+              <a:t>Observer</a:t>
+            </a:r>
+          </a:p>
+          <a:p>
+            <a:endParaRPr lang="en-US" altLang="zh-CN" sz="2000" dirty="0">
+              <a:latin typeface="微软雅黑" panose="020B0503020204020204" pitchFamily="34" charset="-122"/>
+              <a:ea typeface="微软雅黑" panose="020B0503020204020204" pitchFamily="34" charset="-122"/>
+            </a:endParaRPr>
+          </a:p>
+        </p:txBody>
+      </p:sp>
+      <p:sp>
+        <p:nvSpPr>
+          <p:cNvPr id="6" name="文本框 5"/>
           <p:cNvSpPr txBox="1"/>
           <p:nvPr/>
         </p:nvSpPr>
         <p:spPr>
           <a:xfrm>
-            <a:off x="970304" y="3798898"/>
-            <a:ext cx="9573128" cy="369332"/>
+            <a:off x="1041865" y="3296640"/>
+            <a:ext cx="9573128" cy="1323439"/>
           </a:xfrm>
           <a:prstGeom prst="rect">
             <a:avLst/>
@@ -11986,47 +13138,84 @@
           <a:lstStyle/>
           <a:p>
             <a:r>
-              <a:rPr lang="zh-CN" altLang="en-US" dirty="0"/>
-              <a:t>快照</a:t>
-            </a:r>
-            <a:endParaRPr lang="en-US" altLang="zh-CN" dirty="0"/>
-          </a:p>
-        </p:txBody>
-      </p:sp>
-      <p:sp>
-        <p:nvSpPr>
-          <p:cNvPr id="6" name="文本框 5"/>
-          <p:cNvSpPr txBox="1"/>
-          <p:nvPr/>
-        </p:nvSpPr>
-        <p:spPr>
-          <a:xfrm>
-            <a:off x="970304" y="2416696"/>
-            <a:ext cx="9573128" cy="369332"/>
-          </a:xfrm>
-          <a:prstGeom prst="rect">
-            <a:avLst/>
-          </a:prstGeom>
-          <a:noFill/>
-        </p:spPr>
-        <p:txBody>
-          <a:bodyPr wrap="square" rtlCol="0">
-            <a:spAutoFit/>
-          </a:bodyPr>
-          <a:lstStyle/>
-          <a:p>
-            <a:r>
-              <a:rPr lang="zh-CN" altLang="en-US" dirty="0"/>
-              <a:t>事务日志</a:t>
-            </a:r>
-            <a:endParaRPr lang="en-US" altLang="zh-CN" dirty="0"/>
+              <a:rPr lang="zh-CN" altLang="en-US" sz="2000" dirty="0">
+                <a:latin typeface="微软雅黑" panose="020B0503020204020204" pitchFamily="34" charset="-122"/>
+                <a:ea typeface="微软雅黑" panose="020B0503020204020204" pitchFamily="34" charset="-122"/>
+              </a:rPr>
+              <a:t>会话</a:t>
+            </a:r>
+            <a:r>
+              <a:rPr lang="en-US" altLang="zh-CN" sz="2000" dirty="0">
+                <a:latin typeface="微软雅黑" panose="020B0503020204020204" pitchFamily="34" charset="-122"/>
+                <a:ea typeface="微软雅黑" panose="020B0503020204020204" pitchFamily="34" charset="-122"/>
+              </a:rPr>
+              <a:t>:</a:t>
+            </a:r>
+          </a:p>
+          <a:p>
+            <a:pPr marL="285750" indent="-285750">
+              <a:buFontTx/>
+              <a:buChar char="-"/>
+            </a:pPr>
+            <a:r>
+              <a:rPr lang="zh-CN" altLang="en-US" sz="2000" dirty="0">
+                <a:latin typeface="微软雅黑" panose="020B0503020204020204" pitchFamily="34" charset="-122"/>
+                <a:ea typeface="微软雅黑" panose="020B0503020204020204" pitchFamily="34" charset="-122"/>
+              </a:rPr>
+              <a:t>客户端建立连接</a:t>
+            </a:r>
+            <a:endParaRPr lang="en-US" altLang="zh-CN" sz="2000" dirty="0">
+              <a:latin typeface="微软雅黑" panose="020B0503020204020204" pitchFamily="34" charset="-122"/>
+              <a:ea typeface="微软雅黑" panose="020B0503020204020204" pitchFamily="34" charset="-122"/>
+            </a:endParaRPr>
+          </a:p>
+          <a:p>
+            <a:pPr marL="285750" indent="-285750">
+              <a:buFontTx/>
+              <a:buChar char="-"/>
+            </a:pPr>
+            <a:r>
+              <a:rPr lang="zh-CN" altLang="en-US" sz="2000" dirty="0">
+                <a:latin typeface="微软雅黑" panose="020B0503020204020204" pitchFamily="34" charset="-122"/>
+                <a:ea typeface="微软雅黑" panose="020B0503020204020204" pitchFamily="34" charset="-122"/>
+              </a:rPr>
+              <a:t>增删改查</a:t>
+            </a:r>
+            <a:endParaRPr lang="en-US" altLang="zh-CN" sz="2000" dirty="0">
+              <a:latin typeface="微软雅黑" panose="020B0503020204020204" pitchFamily="34" charset="-122"/>
+              <a:ea typeface="微软雅黑" panose="020B0503020204020204" pitchFamily="34" charset="-122"/>
+            </a:endParaRPr>
+          </a:p>
+          <a:p>
+            <a:pPr marL="285750" indent="-285750">
+              <a:buFontTx/>
+              <a:buChar char="-"/>
+            </a:pPr>
+            <a:r>
+              <a:rPr lang="en-US" altLang="zh-CN" sz="2000" dirty="0">
+                <a:latin typeface="微软雅黑" panose="020B0503020204020204" pitchFamily="34" charset="-122"/>
+                <a:ea typeface="微软雅黑" panose="020B0503020204020204" pitchFamily="34" charset="-122"/>
+              </a:rPr>
+              <a:t>Watcher </a:t>
+            </a:r>
+            <a:r>
+              <a:rPr lang="zh-CN" altLang="en-US" sz="2000" dirty="0">
+                <a:latin typeface="微软雅黑" panose="020B0503020204020204" pitchFamily="34" charset="-122"/>
+                <a:ea typeface="微软雅黑" panose="020B0503020204020204" pitchFamily="34" charset="-122"/>
+              </a:rPr>
+              <a:t>机制</a:t>
+            </a:r>
+            <a:endParaRPr lang="en-US" altLang="zh-CN" sz="2000" dirty="0">
+              <a:latin typeface="微软雅黑" panose="020B0503020204020204" pitchFamily="34" charset="-122"/>
+              <a:ea typeface="微软雅黑" panose="020B0503020204020204" pitchFamily="34" charset="-122"/>
+            </a:endParaRPr>
           </a:p>
         </p:txBody>
       </p:sp>
     </p:spTree>
     <p:extLst>
       <p:ext uri="{BB962C8B-B14F-4D97-AF65-F5344CB8AC3E}">
-        <p14:creationId xmlns:p14="http://schemas.microsoft.com/office/powerpoint/2010/main" val="3815281166"/>
+        <p14:creationId xmlns:p14="http://schemas.microsoft.com/office/powerpoint/2010/main" val="432452877"/>
       </p:ext>
     </p:extLst>
   </p:cSld>
@@ -12061,8 +13250,8 @@
         </p:nvSpPr>
         <p:spPr>
           <a:xfrm>
-            <a:off x="986207" y="1149789"/>
-            <a:ext cx="9573128" cy="1477328"/>
+            <a:off x="970304" y="784029"/>
+            <a:ext cx="9573128" cy="400110"/>
           </a:xfrm>
           <a:prstGeom prst="rect">
             <a:avLst/>
@@ -12076,23 +13265,176 @@
           <a:lstStyle/>
           <a:p>
             <a:r>
-              <a:rPr lang="en-US" altLang="zh-CN" dirty="0"/>
+              <a:rPr lang="zh-CN" altLang="en-US" sz="2000" dirty="0">
+                <a:latin typeface="微软雅黑" panose="020B0503020204020204" pitchFamily="34" charset="-122"/>
+                <a:ea typeface="微软雅黑" panose="020B0503020204020204" pitchFamily="34" charset="-122"/>
+              </a:rPr>
+              <a:t>内存数据</a:t>
+            </a:r>
+            <a:endParaRPr lang="en-US" altLang="zh-CN" sz="2000" dirty="0">
+              <a:latin typeface="微软雅黑" panose="020B0503020204020204" pitchFamily="34" charset="-122"/>
+              <a:ea typeface="微软雅黑" panose="020B0503020204020204" pitchFamily="34" charset="-122"/>
+            </a:endParaRPr>
+          </a:p>
+        </p:txBody>
+      </p:sp>
+      <p:sp>
+        <p:nvSpPr>
+          <p:cNvPr id="5" name="文本框 4"/>
+          <p:cNvSpPr txBox="1"/>
+          <p:nvPr/>
+        </p:nvSpPr>
+        <p:spPr>
+          <a:xfrm>
+            <a:off x="970304" y="3798898"/>
+            <a:ext cx="9573128" cy="400110"/>
+          </a:xfrm>
+          <a:prstGeom prst="rect">
+            <a:avLst/>
+          </a:prstGeom>
+          <a:noFill/>
+        </p:spPr>
+        <p:txBody>
+          <a:bodyPr wrap="square" rtlCol="0">
+            <a:spAutoFit/>
+          </a:bodyPr>
+          <a:lstStyle/>
+          <a:p>
+            <a:r>
+              <a:rPr lang="zh-CN" altLang="en-US" sz="2000" dirty="0">
+                <a:latin typeface="微软雅黑" panose="020B0503020204020204" pitchFamily="34" charset="-122"/>
+                <a:ea typeface="微软雅黑" panose="020B0503020204020204" pitchFamily="34" charset="-122"/>
+              </a:rPr>
+              <a:t>快照</a:t>
+            </a:r>
+            <a:endParaRPr lang="en-US" altLang="zh-CN" sz="2000" dirty="0">
+              <a:latin typeface="微软雅黑" panose="020B0503020204020204" pitchFamily="34" charset="-122"/>
+              <a:ea typeface="微软雅黑" panose="020B0503020204020204" pitchFamily="34" charset="-122"/>
+            </a:endParaRPr>
+          </a:p>
+        </p:txBody>
+      </p:sp>
+      <p:sp>
+        <p:nvSpPr>
+          <p:cNvPr id="6" name="文本框 5"/>
+          <p:cNvSpPr txBox="1"/>
+          <p:nvPr/>
+        </p:nvSpPr>
+        <p:spPr>
+          <a:xfrm>
+            <a:off x="970304" y="2416696"/>
+            <a:ext cx="9573128" cy="400110"/>
+          </a:xfrm>
+          <a:prstGeom prst="rect">
+            <a:avLst/>
+          </a:prstGeom>
+          <a:noFill/>
+        </p:spPr>
+        <p:txBody>
+          <a:bodyPr wrap="square" rtlCol="0">
+            <a:spAutoFit/>
+          </a:bodyPr>
+          <a:lstStyle/>
+          <a:p>
+            <a:r>
+              <a:rPr lang="zh-CN" altLang="en-US" sz="2000" dirty="0">
+                <a:latin typeface="微软雅黑" panose="020B0503020204020204" pitchFamily="34" charset="-122"/>
+                <a:ea typeface="微软雅黑" panose="020B0503020204020204" pitchFamily="34" charset="-122"/>
+              </a:rPr>
+              <a:t>事务日志</a:t>
+            </a:r>
+            <a:endParaRPr lang="en-US" altLang="zh-CN" sz="2000" dirty="0">
+              <a:latin typeface="微软雅黑" panose="020B0503020204020204" pitchFamily="34" charset="-122"/>
+              <a:ea typeface="微软雅黑" panose="020B0503020204020204" pitchFamily="34" charset="-122"/>
+            </a:endParaRPr>
+          </a:p>
+        </p:txBody>
+      </p:sp>
+    </p:spTree>
+    <p:extLst>
+      <p:ext uri="{BB962C8B-B14F-4D97-AF65-F5344CB8AC3E}">
+        <p14:creationId xmlns:p14="http://schemas.microsoft.com/office/powerpoint/2010/main" val="3815281166"/>
+      </p:ext>
+    </p:extLst>
+  </p:cSld>
+  <p:clrMapOvr>
+    <a:masterClrMapping/>
+  </p:clrMapOvr>
+</p:sld>
+</file>
+
+<file path=ppt/slides/slide28.xml><?xml version="1.0" encoding="utf-8"?>
+<p:sld xmlns:a="http://schemas.openxmlformats.org/drawingml/2006/main" xmlns:r="http://schemas.openxmlformats.org/officeDocument/2006/relationships" xmlns:p="http://schemas.openxmlformats.org/presentationml/2006/main">
+  <p:cSld>
+    <p:spTree>
+      <p:nvGrpSpPr>
+        <p:cNvPr id="1" name=""/>
+        <p:cNvGrpSpPr/>
+        <p:nvPr/>
+      </p:nvGrpSpPr>
+      <p:grpSpPr>
+        <a:xfrm>
+          <a:off x="0" y="0"/>
+          <a:ext cx="0" cy="0"/>
+          <a:chOff x="0" y="0"/>
+          <a:chExt cx="0" cy="0"/>
+        </a:xfrm>
+      </p:grpSpPr>
+      <p:sp>
+        <p:nvSpPr>
+          <p:cNvPr id="4" name="文本框 3"/>
+          <p:cNvSpPr txBox="1"/>
+          <p:nvPr/>
+        </p:nvSpPr>
+        <p:spPr>
+          <a:xfrm>
+            <a:off x="986207" y="1149789"/>
+            <a:ext cx="9573128" cy="1631216"/>
+          </a:xfrm>
+          <a:prstGeom prst="rect">
+            <a:avLst/>
+          </a:prstGeom>
+          <a:noFill/>
+        </p:spPr>
+        <p:txBody>
+          <a:bodyPr wrap="square" rtlCol="0">
+            <a:spAutoFit/>
+          </a:bodyPr>
+          <a:lstStyle/>
+          <a:p>
+            <a:r>
+              <a:rPr lang="en-US" altLang="zh-CN" sz="2000" dirty="0">
+                <a:latin typeface="微软雅黑" panose="020B0503020204020204" pitchFamily="34" charset="-122"/>
+                <a:ea typeface="微软雅黑" panose="020B0503020204020204" pitchFamily="34" charset="-122"/>
+              </a:rPr>
               <a:t>ZooKeeper </a:t>
             </a:r>
             <a:r>
-              <a:rPr lang="zh-CN" altLang="en-US" dirty="0"/>
+              <a:rPr lang="zh-CN" altLang="en-US" sz="2000" dirty="0">
+                <a:latin typeface="微软雅黑" panose="020B0503020204020204" pitchFamily="34" charset="-122"/>
+                <a:ea typeface="微软雅黑" panose="020B0503020204020204" pitchFamily="34" charset="-122"/>
+              </a:rPr>
               <a:t>除了满足在假设的模型下期望的解决的问题</a:t>
             </a:r>
             <a:r>
-              <a:rPr lang="en-US" altLang="zh-CN" dirty="0"/>
+              <a:rPr lang="en-US" altLang="zh-CN" sz="2000" dirty="0">
+                <a:latin typeface="微软雅黑" panose="020B0503020204020204" pitchFamily="34" charset="-122"/>
+                <a:ea typeface="微软雅黑" panose="020B0503020204020204" pitchFamily="34" charset="-122"/>
+              </a:rPr>
               <a:t>, </a:t>
             </a:r>
             <a:r>
-              <a:rPr lang="zh-CN" altLang="en-US" dirty="0"/>
+              <a:rPr lang="zh-CN" altLang="en-US" sz="2000" dirty="0">
+                <a:latin typeface="微软雅黑" panose="020B0503020204020204" pitchFamily="34" charset="-122"/>
+                <a:ea typeface="微软雅黑" panose="020B0503020204020204" pitchFamily="34" charset="-122"/>
+              </a:rPr>
               <a:t>在实际当中有哪些应用呢</a:t>
             </a:r>
             <a:r>
-              <a:rPr lang="en-US" altLang="zh-CN" dirty="0"/>
+              <a:rPr lang="en-US" altLang="zh-CN" sz="2000" dirty="0">
+                <a:latin typeface="微软雅黑" panose="020B0503020204020204" pitchFamily="34" charset="-122"/>
+                <a:ea typeface="微软雅黑" panose="020B0503020204020204" pitchFamily="34" charset="-122"/>
+              </a:rPr>
               <a:t>?</a:t>
             </a:r>
           </a:p>
@@ -12102,7 +13444,10 @@
               <a:buChar char="-"/>
             </a:pPr>
             <a:r>
-              <a:rPr lang="en-US" altLang="zh-CN" dirty="0"/>
+              <a:rPr lang="en-US" altLang="zh-CN" sz="2000" dirty="0">
+                <a:latin typeface="微软雅黑" panose="020B0503020204020204" pitchFamily="34" charset="-122"/>
+                <a:ea typeface="微软雅黑" panose="020B0503020204020204" pitchFamily="34" charset="-122"/>
+              </a:rPr>
               <a:t>Hadoop</a:t>
             </a:r>
           </a:p>
@@ -12112,7 +13457,10 @@
               <a:buChar char="-"/>
             </a:pPr>
             <a:r>
-              <a:rPr lang="en-US" altLang="zh-CN" dirty="0"/>
+              <a:rPr lang="en-US" altLang="zh-CN" sz="2000" dirty="0">
+                <a:latin typeface="微软雅黑" panose="020B0503020204020204" pitchFamily="34" charset="-122"/>
+                <a:ea typeface="微软雅黑" panose="020B0503020204020204" pitchFamily="34" charset="-122"/>
+              </a:rPr>
               <a:t>Hbase</a:t>
             </a:r>
           </a:p>
@@ -12122,7 +13470,10 @@
               <a:buChar char="-"/>
             </a:pPr>
             <a:r>
-              <a:rPr lang="en-US" altLang="zh-CN" dirty="0"/>
+              <a:rPr lang="en-US" altLang="zh-CN" sz="2000" dirty="0">
+                <a:latin typeface="微软雅黑" panose="020B0503020204020204" pitchFamily="34" charset="-122"/>
+                <a:ea typeface="微软雅黑" panose="020B0503020204020204" pitchFamily="34" charset="-122"/>
+              </a:rPr>
               <a:t>Kafka</a:t>
             </a:r>
           </a:p>
@@ -12132,7 +13483,10 @@
               <a:buChar char="-"/>
             </a:pPr>
             <a:r>
-              <a:rPr lang="en-US" altLang="zh-CN" dirty="0"/>
+              <a:rPr lang="en-US" altLang="zh-CN" sz="2000" dirty="0">
+                <a:latin typeface="微软雅黑" panose="020B0503020204020204" pitchFamily="34" charset="-122"/>
+                <a:ea typeface="微软雅黑" panose="020B0503020204020204" pitchFamily="34" charset="-122"/>
+              </a:rPr>
               <a:t>Dubbo</a:t>
             </a:r>
           </a:p>
@@ -12147,7 +13501,7 @@
         <p:spPr>
           <a:xfrm>
             <a:off x="986207" y="3711434"/>
-            <a:ext cx="9573128" cy="369332"/>
+            <a:ext cx="9573128" cy="400110"/>
           </a:xfrm>
           <a:prstGeom prst="rect">
             <a:avLst/>
@@ -12161,18 +13515,30 @@
           <a:lstStyle/>
           <a:p>
             <a:r>
-              <a:rPr lang="zh-CN" altLang="en-US" dirty="0"/>
+              <a:rPr lang="zh-CN" altLang="en-US" sz="2000" dirty="0">
+                <a:latin typeface="微软雅黑" panose="020B0503020204020204" pitchFamily="34" charset="-122"/>
+                <a:ea typeface="微软雅黑" panose="020B0503020204020204" pitchFamily="34" charset="-122"/>
+              </a:rPr>
               <a:t>通过 </a:t>
             </a:r>
             <a:r>
-              <a:rPr lang="en-US" altLang="zh-CN" dirty="0"/>
+              <a:rPr lang="en-US" altLang="zh-CN" sz="2000" dirty="0">
+                <a:latin typeface="微软雅黑" panose="020B0503020204020204" pitchFamily="34" charset="-122"/>
+                <a:ea typeface="微软雅黑" panose="020B0503020204020204" pitchFamily="34" charset="-122"/>
+              </a:rPr>
               <a:t>Shell </a:t>
             </a:r>
             <a:r>
-              <a:rPr lang="zh-CN" altLang="en-US" dirty="0"/>
+              <a:rPr lang="zh-CN" altLang="en-US" sz="2000" dirty="0">
+                <a:latin typeface="微软雅黑" panose="020B0503020204020204" pitchFamily="34" charset="-122"/>
+                <a:ea typeface="微软雅黑" panose="020B0503020204020204" pitchFamily="34" charset="-122"/>
+              </a:rPr>
               <a:t>实现一个主从模式的例子</a:t>
             </a:r>
-            <a:endParaRPr lang="en-US" altLang="zh-CN" dirty="0"/>
+            <a:endParaRPr lang="en-US" altLang="zh-CN" sz="2000" dirty="0">
+              <a:latin typeface="微软雅黑" panose="020B0503020204020204" pitchFamily="34" charset="-122"/>
+              <a:ea typeface="微软雅黑" panose="020B0503020204020204" pitchFamily="34" charset="-122"/>
+            </a:endParaRPr>
           </a:p>
         </p:txBody>
       </p:sp>
@@ -12185,7 +13551,7 @@
         <p:spPr>
           <a:xfrm>
             <a:off x="986207" y="4969066"/>
-            <a:ext cx="9573128" cy="369332"/>
+            <a:ext cx="9573128" cy="400110"/>
           </a:xfrm>
           <a:prstGeom prst="rect">
             <a:avLst/>
@@ -12199,14 +13565,23 @@
           <a:lstStyle/>
           <a:p>
             <a:r>
-              <a:rPr lang="en-US" altLang="zh-CN" dirty="0"/>
+              <a:rPr lang="en-US" altLang="zh-CN" sz="2000" dirty="0">
+                <a:latin typeface="微软雅黑" panose="020B0503020204020204" pitchFamily="34" charset="-122"/>
+                <a:ea typeface="微软雅黑" panose="020B0503020204020204" pitchFamily="34" charset="-122"/>
+              </a:rPr>
               <a:t>Configurator </a:t>
             </a:r>
             <a:r>
-              <a:rPr lang="zh-CN" altLang="en-US" dirty="0"/>
+              <a:rPr lang="zh-CN" altLang="en-US" sz="2000" dirty="0">
+                <a:latin typeface="微软雅黑" panose="020B0503020204020204" pitchFamily="34" charset="-122"/>
+                <a:ea typeface="微软雅黑" panose="020B0503020204020204" pitchFamily="34" charset="-122"/>
+              </a:rPr>
               <a:t>注册中心应用</a:t>
             </a:r>
-            <a:endParaRPr lang="en-US" altLang="zh-CN" dirty="0"/>
+            <a:endParaRPr lang="en-US" altLang="zh-CN" sz="2000" dirty="0">
+              <a:latin typeface="微软雅黑" panose="020B0503020204020204" pitchFamily="34" charset="-122"/>
+              <a:ea typeface="微软雅黑" panose="020B0503020204020204" pitchFamily="34" charset="-122"/>
+            </a:endParaRPr>
           </a:p>
         </p:txBody>
       </p:sp>
@@ -12249,7 +13624,7 @@
         <p:spPr>
           <a:xfrm>
             <a:off x="1894264" y="1775777"/>
-            <a:ext cx="7608324" cy="461665"/>
+            <a:ext cx="7608324" cy="400110"/>
           </a:xfrm>
           <a:prstGeom prst="rect">
             <a:avLst/>
@@ -12263,13 +13638,13 @@
           <a:lstStyle/>
           <a:p>
             <a:r>
-              <a:rPr lang="zh-CN" altLang="en-US" sz="2400" dirty="0">
+              <a:rPr lang="zh-CN" altLang="en-US" sz="2000" dirty="0">
                 <a:latin typeface="微软雅黑" panose="020B0503020204020204" pitchFamily="34" charset="-122"/>
                 <a:ea typeface="微软雅黑" panose="020B0503020204020204" pitchFamily="34" charset="-122"/>
               </a:rPr>
               <a:t>数据应用开发遇到的复杂状况</a:t>
             </a:r>
-            <a:endParaRPr lang="en-US" altLang="zh-CN" sz="2400" dirty="0">
+            <a:endParaRPr lang="en-US" altLang="zh-CN" sz="2000" dirty="0">
               <a:latin typeface="微软雅黑" panose="020B0503020204020204" pitchFamily="34" charset="-122"/>
               <a:ea typeface="微软雅黑" panose="020B0503020204020204" pitchFamily="34" charset="-122"/>
             </a:endParaRPr>
